--- a/doc/time_synchronization.pptx
+++ b/doc/time_synchronization.pptx
@@ -9,15 +9,16 @@
     <p:sldId id="262" r:id="rId3"/>
     <p:sldId id="260" r:id="rId4"/>
     <p:sldId id="261" r:id="rId5"/>
-    <p:sldId id="271" r:id="rId6"/>
-    <p:sldId id="258" r:id="rId7"/>
-    <p:sldId id="263" r:id="rId8"/>
-    <p:sldId id="264" r:id="rId9"/>
-    <p:sldId id="265" r:id="rId10"/>
-    <p:sldId id="272" r:id="rId11"/>
+    <p:sldId id="258" r:id="rId6"/>
+    <p:sldId id="263" r:id="rId7"/>
+    <p:sldId id="264" r:id="rId8"/>
+    <p:sldId id="265" r:id="rId9"/>
+    <p:sldId id="266" r:id="rId10"/>
+    <p:sldId id="271" r:id="rId11"/>
     <p:sldId id="267" r:id="rId12"/>
     <p:sldId id="268" r:id="rId13"/>
-    <p:sldId id="270" r:id="rId14"/>
+    <p:sldId id="269" r:id="rId14"/>
+    <p:sldId id="270" r:id="rId15"/>
   </p:sldIdLst>
   <p:sldSz cx="12192000" cy="6858000"/>
   <p:notesSz cx="6858000" cy="9144000"/>
@@ -271,7 +272,7 @@
           <a:p>
             <a:fld id="{4B52E3D8-F22A-47D7-9F70-F613600D8D26}" type="datetimeFigureOut">
               <a:rPr lang="ko-KR" altLang="en-US" smtClean="0"/>
-              <a:t>2023-02-13</a:t>
+              <a:t>2023-01-31</a:t>
             </a:fld>
             <a:endParaRPr lang="ko-KR" altLang="en-US"/>
           </a:p>
@@ -469,7 +470,7 @@
           <a:p>
             <a:fld id="{4B52E3D8-F22A-47D7-9F70-F613600D8D26}" type="datetimeFigureOut">
               <a:rPr lang="ko-KR" altLang="en-US" smtClean="0"/>
-              <a:t>2023-02-13</a:t>
+              <a:t>2023-01-31</a:t>
             </a:fld>
             <a:endParaRPr lang="ko-KR" altLang="en-US"/>
           </a:p>
@@ -677,7 +678,7 @@
           <a:p>
             <a:fld id="{4B52E3D8-F22A-47D7-9F70-F613600D8D26}" type="datetimeFigureOut">
               <a:rPr lang="ko-KR" altLang="en-US" smtClean="0"/>
-              <a:t>2023-02-13</a:t>
+              <a:t>2023-01-31</a:t>
             </a:fld>
             <a:endParaRPr lang="ko-KR" altLang="en-US"/>
           </a:p>
@@ -875,7 +876,7 @@
           <a:p>
             <a:fld id="{4B52E3D8-F22A-47D7-9F70-F613600D8D26}" type="datetimeFigureOut">
               <a:rPr lang="ko-KR" altLang="en-US" smtClean="0"/>
-              <a:t>2023-02-13</a:t>
+              <a:t>2023-01-31</a:t>
             </a:fld>
             <a:endParaRPr lang="ko-KR" altLang="en-US"/>
           </a:p>
@@ -1150,7 +1151,7 @@
           <a:p>
             <a:fld id="{4B52E3D8-F22A-47D7-9F70-F613600D8D26}" type="datetimeFigureOut">
               <a:rPr lang="ko-KR" altLang="en-US" smtClean="0"/>
-              <a:t>2023-02-13</a:t>
+              <a:t>2023-01-31</a:t>
             </a:fld>
             <a:endParaRPr lang="ko-KR" altLang="en-US"/>
           </a:p>
@@ -1415,7 +1416,7 @@
           <a:p>
             <a:fld id="{4B52E3D8-F22A-47D7-9F70-F613600D8D26}" type="datetimeFigureOut">
               <a:rPr lang="ko-KR" altLang="en-US" smtClean="0"/>
-              <a:t>2023-02-13</a:t>
+              <a:t>2023-01-31</a:t>
             </a:fld>
             <a:endParaRPr lang="ko-KR" altLang="en-US"/>
           </a:p>
@@ -1827,7 +1828,7 @@
           <a:p>
             <a:fld id="{4B52E3D8-F22A-47D7-9F70-F613600D8D26}" type="datetimeFigureOut">
               <a:rPr lang="ko-KR" altLang="en-US" smtClean="0"/>
-              <a:t>2023-02-13</a:t>
+              <a:t>2023-01-31</a:t>
             </a:fld>
             <a:endParaRPr lang="ko-KR" altLang="en-US"/>
           </a:p>
@@ -1968,7 +1969,7 @@
           <a:p>
             <a:fld id="{4B52E3D8-F22A-47D7-9F70-F613600D8D26}" type="datetimeFigureOut">
               <a:rPr lang="ko-KR" altLang="en-US" smtClean="0"/>
-              <a:t>2023-02-13</a:t>
+              <a:t>2023-01-31</a:t>
             </a:fld>
             <a:endParaRPr lang="ko-KR" altLang="en-US"/>
           </a:p>
@@ -2081,7 +2082,7 @@
           <a:p>
             <a:fld id="{4B52E3D8-F22A-47D7-9F70-F613600D8D26}" type="datetimeFigureOut">
               <a:rPr lang="ko-KR" altLang="en-US" smtClean="0"/>
-              <a:t>2023-02-13</a:t>
+              <a:t>2023-01-31</a:t>
             </a:fld>
             <a:endParaRPr lang="ko-KR" altLang="en-US"/>
           </a:p>
@@ -2392,7 +2393,7 @@
           <a:p>
             <a:fld id="{4B52E3D8-F22A-47D7-9F70-F613600D8D26}" type="datetimeFigureOut">
               <a:rPr lang="ko-KR" altLang="en-US" smtClean="0"/>
-              <a:t>2023-02-13</a:t>
+              <a:t>2023-01-31</a:t>
             </a:fld>
             <a:endParaRPr lang="ko-KR" altLang="en-US"/>
           </a:p>
@@ -2680,7 +2681,7 @@
           <a:p>
             <a:fld id="{4B52E3D8-F22A-47D7-9F70-F613600D8D26}" type="datetimeFigureOut">
               <a:rPr lang="ko-KR" altLang="en-US" smtClean="0"/>
-              <a:t>2023-02-13</a:t>
+              <a:t>2023-01-31</a:t>
             </a:fld>
             <a:endParaRPr lang="ko-KR" altLang="en-US"/>
           </a:p>
@@ -2921,7 +2922,7 @@
           <a:p>
             <a:fld id="{4B52E3D8-F22A-47D7-9F70-F613600D8D26}" type="datetimeFigureOut">
               <a:rPr lang="ko-KR" altLang="en-US" smtClean="0"/>
-              <a:t>2023-02-13</a:t>
+              <a:t>2023-01-31</a:t>
             </a:fld>
             <a:endParaRPr lang="ko-KR" altLang="en-US"/>
           </a:p>
@@ -3354,19 +3355,14 @@
             <p:ph type="ctrTitle"/>
           </p:nvPr>
         </p:nvSpPr>
-        <p:spPr>
-          <a:xfrm>
-            <a:off x="1524000" y="1122363"/>
-            <a:ext cx="9144000" cy="2387600"/>
-          </a:xfrm>
-        </p:spPr>
+        <p:spPr/>
         <p:txBody>
           <a:bodyPr/>
           <a:lstStyle/>
           <a:p>
             <a:r>
               <a:rPr lang="en-US" altLang="ko-KR" dirty="0" err="1"/>
-              <a:t>time_synchronization</a:t>
+              <a:t>udp_streamer</a:t>
             </a:r>
             <a:endParaRPr lang="ko-KR" altLang="en-US" dirty="0"/>
           </a:p>
@@ -3443,7 +3439,7 @@
             </a:r>
             <a:r>
               <a:rPr lang="en-US" altLang="ko-KR" sz="3200" dirty="0"/>
-              <a:t>Client</a:t>
+              <a:t>Server</a:t>
             </a:r>
             <a:endParaRPr lang="ko-KR" altLang="en-US" sz="3200" dirty="0"/>
           </a:p>
@@ -3464,7 +3460,7 @@
         <p:spPr>
           <a:xfrm>
             <a:off x="838200" y="1827954"/>
-            <a:ext cx="11162288" cy="369332"/>
+            <a:ext cx="10320717" cy="369332"/>
           </a:xfrm>
           <a:prstGeom prst="rect">
             <a:avLst/>
@@ -3477,30 +3473,18 @@
           </a:bodyPr>
           <a:lstStyle/>
           <a:p>
-            <a:pPr fontAlgn="base"/>
+            <a:pPr lvl="0" fontAlgn="base"/>
             <a:r>
               <a:rPr lang="en-US" altLang="ko-KR" dirty="0"/>
-              <a:t>5. NTP</a:t>
+              <a:t>6. Windows Time </a:t>
             </a:r>
             <a:r>
               <a:rPr lang="ko-KR" altLang="en-US" dirty="0"/>
-              <a:t> </a:t>
+              <a:t>서비스가 자동으로 시작되도록 설정 </a:t>
             </a:r>
             <a:r>
               <a:rPr lang="en-US" altLang="ko-KR" dirty="0"/>
-              <a:t>SERVER</a:t>
-            </a:r>
-            <a:r>
-              <a:rPr lang="ko-KR" altLang="en-US" dirty="0"/>
-              <a:t>와의 </a:t>
-            </a:r>
-            <a:r>
-              <a:rPr lang="en-US" altLang="ko-KR" dirty="0"/>
-              <a:t>offset </a:t>
-            </a:r>
-            <a:r>
-              <a:rPr lang="ko-KR" altLang="en-US" dirty="0"/>
-              <a:t>확인 </a:t>
+              <a:t> </a:t>
             </a:r>
             <a:endParaRPr lang="ko-KR" altLang="ko-KR" dirty="0"/>
           </a:p>
@@ -3508,10 +3492,10 @@
       </p:sp>
       <p:pic>
         <p:nvPicPr>
-          <p:cNvPr id="4" name="그림 3">
-            <a:extLst>
-              <a:ext uri="{FF2B5EF4-FFF2-40B4-BE49-F238E27FC236}">
-                <a16:creationId xmlns:a16="http://schemas.microsoft.com/office/drawing/2014/main" id="{57D0E357-3535-45AC-B46B-2196D8FA25E9}"/>
+          <p:cNvPr id="9" name="그림 8">
+            <a:extLst>
+              <a:ext uri="{FF2B5EF4-FFF2-40B4-BE49-F238E27FC236}">
+                <a16:creationId xmlns:a16="http://schemas.microsoft.com/office/drawing/2014/main" id="{FAE11FEC-1E49-4B57-BD1E-2F257E63371F}"/>
               </a:ext>
             </a:extLst>
           </p:cNvPr>
@@ -3522,13 +3506,13 @@
         </p:nvPicPr>
         <p:blipFill rotWithShape="1">
           <a:blip r:embed="rId2"/>
-          <a:srcRect r="29440" b="50653"/>
+          <a:srcRect t="33115"/>
           <a:stretch/>
         </p:blipFill>
         <p:spPr>
           <a:xfrm>
-            <a:off x="838200" y="2531527"/>
-            <a:ext cx="4892058" cy="1646598"/>
+            <a:off x="838200" y="2679590"/>
+            <a:ext cx="7733522" cy="2484114"/>
           </a:xfrm>
           <a:prstGeom prst="rect">
             <a:avLst/>
@@ -3537,10 +3521,10 @@
       </p:pic>
       <p:sp>
         <p:nvSpPr>
-          <p:cNvPr id="24" name="직사각형 23">
-            <a:extLst>
-              <a:ext uri="{FF2B5EF4-FFF2-40B4-BE49-F238E27FC236}">
-                <a16:creationId xmlns:a16="http://schemas.microsoft.com/office/drawing/2014/main" id="{F3302531-9A75-4318-AF7E-40F1F72C87E2}"/>
+          <p:cNvPr id="16" name="직사각형 15">
+            <a:extLst>
+              <a:ext uri="{FF2B5EF4-FFF2-40B4-BE49-F238E27FC236}">
+                <a16:creationId xmlns:a16="http://schemas.microsoft.com/office/drawing/2014/main" id="{432B1B43-7FD9-48FF-9813-DE6F679F4B58}"/>
               </a:ext>
             </a:extLst>
           </p:cNvPr>
@@ -3549,8 +3533,8 @@
         </p:nvSpPr>
         <p:spPr>
           <a:xfrm>
-            <a:off x="838200" y="4178125"/>
-            <a:ext cx="4364355" cy="215444"/>
+            <a:off x="838200" y="5163704"/>
+            <a:ext cx="3204439" cy="707886"/>
           </a:xfrm>
           <a:prstGeom prst="rect">
             <a:avLst/>
@@ -3563,80 +3547,70 @@
           <a:lstStyle/>
           <a:p>
             <a:r>
+              <a:rPr lang="en-US" altLang="ko-KR" sz="800" dirty="0" err="1"/>
+              <a:t>sc</a:t>
+            </a:r>
+            <a:r>
               <a:rPr lang="en-US" altLang="ko-KR" sz="800" dirty="0"/>
-              <a:t>w32tm /</a:t>
-            </a:r>
+              <a:t> config w32time start=auto</a:t>
+            </a:r>
+          </a:p>
+          <a:p>
             <a:r>
               <a:rPr lang="en-US" altLang="ko-KR" sz="800" dirty="0" err="1"/>
-              <a:t>stripchart</a:t>
+              <a:t>sc</a:t>
             </a:r>
             <a:r>
               <a:rPr lang="en-US" altLang="ko-KR" sz="800" dirty="0"/>
-              <a:t> /computer:10.252.101.191 /</a:t>
+              <a:t> </a:t>
             </a:r>
             <a:r>
               <a:rPr lang="en-US" altLang="ko-KR" sz="800" dirty="0" err="1"/>
-              <a:t>dataonly</a:t>
+              <a:t>triggerinfo</a:t>
             </a:r>
             <a:r>
               <a:rPr lang="en-US" altLang="ko-KR" sz="800" dirty="0"/>
-              <a:t> /samples:5</a:t>
+              <a:t> w32time start/</a:t>
+            </a:r>
+            <a:r>
+              <a:rPr lang="en-US" altLang="ko-KR" sz="800" dirty="0" err="1"/>
+              <a:t>networkon</a:t>
+            </a:r>
+            <a:r>
+              <a:rPr lang="en-US" altLang="ko-KR" sz="800" dirty="0"/>
+              <a:t> stop/</a:t>
+            </a:r>
+            <a:r>
+              <a:rPr lang="en-US" altLang="ko-KR" sz="800" dirty="0" err="1"/>
+              <a:t>networkoff</a:t>
+            </a:r>
+            <a:endParaRPr lang="en-US" altLang="ko-KR" sz="800" dirty="0"/>
+          </a:p>
+          <a:p>
+            <a:r>
+              <a:rPr lang="en-US" altLang="ko-KR" sz="800" dirty="0"/>
+              <a:t>net stop w32time</a:t>
+            </a:r>
+          </a:p>
+          <a:p>
+            <a:r>
+              <a:rPr lang="en-US" altLang="ko-KR" sz="800" dirty="0"/>
+              <a:t>net start w32time</a:t>
+            </a:r>
+          </a:p>
+          <a:p>
+            <a:r>
+              <a:rPr lang="en-US" altLang="ko-KR" sz="800" dirty="0"/>
+              <a:t>w32tm /resync</a:t>
             </a:r>
             <a:endParaRPr lang="ko-KR" altLang="en-US" sz="800" dirty="0"/>
-          </a:p>
-        </p:txBody>
-      </p:sp>
-      <p:sp>
-        <p:nvSpPr>
-          <p:cNvPr id="25" name="직사각형 24">
-            <a:extLst>
-              <a:ext uri="{FF2B5EF4-FFF2-40B4-BE49-F238E27FC236}">
-                <a16:creationId xmlns:a16="http://schemas.microsoft.com/office/drawing/2014/main" id="{4D417E69-DC10-48F9-A2B1-519087CD35E6}"/>
-              </a:ext>
-            </a:extLst>
-          </p:cNvPr>
-          <p:cNvSpPr/>
-          <p:nvPr/>
-        </p:nvSpPr>
-        <p:spPr>
-          <a:xfrm>
-            <a:off x="838200" y="4512366"/>
-            <a:ext cx="1793682" cy="215444"/>
-          </a:xfrm>
-          <a:prstGeom prst="rect">
-            <a:avLst/>
-          </a:prstGeom>
-        </p:spPr>
-        <p:txBody>
-          <a:bodyPr wrap="square">
-            <a:spAutoFit/>
-          </a:bodyPr>
-          <a:lstStyle/>
-          <a:p>
-            <a:r>
-              <a:rPr lang="en-US" altLang="ko-KR" sz="800" dirty="0"/>
-              <a:t>computer: </a:t>
-            </a:r>
-            <a:r>
-              <a:rPr lang="en-US" altLang="ko-KR" sz="800" dirty="0" err="1"/>
-              <a:t>ntp</a:t>
-            </a:r>
-            <a:r>
-              <a:rPr lang="en-US" altLang="ko-KR" sz="800" dirty="0"/>
-              <a:t> server domain or </a:t>
-            </a:r>
-            <a:r>
-              <a:rPr lang="en-US" altLang="ko-KR" sz="800" dirty="0" err="1"/>
-              <a:t>ip</a:t>
-            </a:r>
-            <a:endParaRPr lang="en-US" altLang="ko-KR" sz="800" dirty="0"/>
           </a:p>
         </p:txBody>
       </p:sp>
     </p:spTree>
     <p:extLst>
       <p:ext uri="{BB962C8B-B14F-4D97-AF65-F5344CB8AC3E}">
-        <p14:creationId xmlns:p14="http://schemas.microsoft.com/office/powerpoint/2010/main" val="4015891843"/>
+        <p14:creationId xmlns:p14="http://schemas.microsoft.com/office/powerpoint/2010/main" val="3577974188"/>
       </p:ext>
     </p:extLst>
   </p:cSld>
@@ -3842,6 +3816,121 @@
           </a:p>
         </p:txBody>
       </p:sp>
+      <p:grpSp>
+        <p:nvGrpSpPr>
+          <p:cNvPr id="4" name="그룹 3">
+            <a:extLst>
+              <a:ext uri="{FF2B5EF4-FFF2-40B4-BE49-F238E27FC236}">
+                <a16:creationId xmlns:a16="http://schemas.microsoft.com/office/drawing/2014/main" id="{9A5539FE-6CA5-4F8C-AF79-258C034CD50C}"/>
+              </a:ext>
+            </a:extLst>
+          </p:cNvPr>
+          <p:cNvGrpSpPr/>
+          <p:nvPr/>
+        </p:nvGrpSpPr>
+        <p:grpSpPr>
+          <a:xfrm>
+            <a:off x="975456" y="2888550"/>
+            <a:ext cx="3168650" cy="3517900"/>
+            <a:chOff x="975456" y="2888550"/>
+            <a:chExt cx="3168650" cy="3517900"/>
+          </a:xfrm>
+        </p:grpSpPr>
+        <p:pic>
+          <p:nvPicPr>
+            <p:cNvPr id="24" name="그림 23">
+              <a:extLst>
+                <a:ext uri="{FF2B5EF4-FFF2-40B4-BE49-F238E27FC236}">
+                  <a16:creationId xmlns:a16="http://schemas.microsoft.com/office/drawing/2014/main" id="{BC7E252F-3ED5-448B-8B46-BDD090E0E972}"/>
+                </a:ext>
+              </a:extLst>
+            </p:cNvPr>
+            <p:cNvPicPr/>
+            <p:nvPr/>
+          </p:nvPicPr>
+          <p:blipFill rotWithShape="1">
+            <a:blip r:embed="rId2" cstate="print">
+              <a:extLst>
+                <a:ext uri="{28A0092B-C50C-407E-A947-70E740481C1C}">
+                  <a14:useLocalDpi xmlns:a14="http://schemas.microsoft.com/office/drawing/2010/main" val="0"/>
+                </a:ext>
+              </a:extLst>
+            </a:blip>
+            <a:srcRect r="44712" b="21983"/>
+            <a:stretch/>
+          </p:blipFill>
+          <p:spPr bwMode="auto">
+            <a:xfrm>
+              <a:off x="975456" y="2888550"/>
+              <a:ext cx="3168650" cy="3517900"/>
+            </a:xfrm>
+            <a:prstGeom prst="rect">
+              <a:avLst/>
+            </a:prstGeom>
+            <a:noFill/>
+            <a:ln>
+              <a:noFill/>
+            </a:ln>
+            <a:extLst>
+              <a:ext uri="{53640926-AAD7-44D8-BBD7-CCE9431645EC}">
+                <a14:shadowObscured xmlns:a14="http://schemas.microsoft.com/office/drawing/2010/main"/>
+              </a:ext>
+            </a:extLst>
+          </p:spPr>
+        </p:pic>
+        <p:sp>
+          <p:nvSpPr>
+            <p:cNvPr id="25" name="직사각형 24">
+              <a:extLst>
+                <a:ext uri="{FF2B5EF4-FFF2-40B4-BE49-F238E27FC236}">
+                  <a16:creationId xmlns:a16="http://schemas.microsoft.com/office/drawing/2014/main" id="{1ADC9931-F261-4D08-886A-F7C754FBE81A}"/>
+                </a:ext>
+              </a:extLst>
+            </p:cNvPr>
+            <p:cNvSpPr/>
+            <p:nvPr/>
+          </p:nvSpPr>
+          <p:spPr>
+            <a:xfrm>
+              <a:off x="975456" y="4423780"/>
+              <a:ext cx="992492" cy="164123"/>
+            </a:xfrm>
+            <a:prstGeom prst="rect">
+              <a:avLst/>
+            </a:prstGeom>
+            <a:noFill/>
+            <a:ln>
+              <a:solidFill>
+                <a:srgbClr val="FF0000"/>
+              </a:solidFill>
+            </a:ln>
+          </p:spPr>
+          <p:style>
+            <a:lnRef idx="2">
+              <a:schemeClr val="accent1">
+                <a:shade val="50000"/>
+              </a:schemeClr>
+            </a:lnRef>
+            <a:fillRef idx="1">
+              <a:schemeClr val="accent1"/>
+            </a:fillRef>
+            <a:effectRef idx="0">
+              <a:schemeClr val="accent1"/>
+            </a:effectRef>
+            <a:fontRef idx="minor">
+              <a:schemeClr val="lt1"/>
+            </a:fontRef>
+          </p:style>
+          <p:txBody>
+            <a:bodyPr rtlCol="0" anchor="ctr"/>
+            <a:lstStyle/>
+            <a:p>
+              <a:pPr algn="ctr"/>
+              <a:endParaRPr lang="ko-KR" altLang="en-US"/>
+            </a:p>
+          </p:txBody>
+        </p:sp>
+      </p:grpSp>
       <p:sp>
         <p:nvSpPr>
           <p:cNvPr id="9" name="직사각형 8">
@@ -3871,7 +3960,7 @@
           <a:p>
             <a:r>
               <a:rPr lang="ko-KR" altLang="en-US" sz="600" dirty="0">
-                <a:hlinkClick r:id="rId2"/>
+                <a:hlinkClick r:id="rId3"/>
               </a:rPr>
               <a:t>https://support.huawei.com/enterprise/en/doc/EDOC1000128405/d6d7cc5a/ntp-max-distance</a:t>
             </a:r>
@@ -3908,7 +3997,7 @@
           <a:p>
             <a:r>
               <a:rPr lang="ko-KR" altLang="en-US" sz="600" dirty="0">
-                <a:hlinkClick r:id="rId3"/>
+                <a:hlinkClick r:id="rId4"/>
               </a:rPr>
               <a:t>https://chrony.tuxfamily.org/doc/3.4/chrony.conf.html</a:t>
             </a:r>
@@ -3951,7 +4040,7 @@
             <p:nvPr/>
           </p:nvPicPr>
           <p:blipFill>
-            <a:blip r:embed="rId4"/>
+            <a:blip r:embed="rId5"/>
             <a:stretch>
               <a:fillRect/>
             </a:stretch>
@@ -4019,6 +4108,95 @@
           </p:txBody>
         </p:sp>
       </p:grpSp>
+      <p:sp>
+        <p:nvSpPr>
+          <p:cNvPr id="30" name="직사각형 29">
+            <a:extLst>
+              <a:ext uri="{FF2B5EF4-FFF2-40B4-BE49-F238E27FC236}">
+                <a16:creationId xmlns:a16="http://schemas.microsoft.com/office/drawing/2014/main" id="{039444CE-D681-47FA-8422-F025E195BC34}"/>
+              </a:ext>
+            </a:extLst>
+          </p:cNvPr>
+          <p:cNvSpPr/>
+          <p:nvPr/>
+        </p:nvSpPr>
+        <p:spPr>
+          <a:xfrm>
+            <a:off x="838200" y="6492875"/>
+            <a:ext cx="2434742" cy="276999"/>
+          </a:xfrm>
+          <a:prstGeom prst="rect">
+            <a:avLst/>
+          </a:prstGeom>
+        </p:spPr>
+        <p:txBody>
+          <a:bodyPr wrap="square">
+            <a:spAutoFit/>
+          </a:bodyPr>
+          <a:lstStyle/>
+          <a:p>
+            <a:r>
+              <a:rPr lang="en-US" altLang="ko-KR" sz="600" dirty="0" err="1"/>
+              <a:t>maxdistance</a:t>
+            </a:r>
+            <a:r>
+              <a:rPr lang="en-US" altLang="ko-KR" sz="600" dirty="0"/>
+              <a:t> </a:t>
+            </a:r>
+            <a:r>
+              <a:rPr lang="ko-KR" altLang="en-US" sz="600" dirty="0"/>
+              <a:t>미지정시</a:t>
+            </a:r>
+            <a:r>
+              <a:rPr lang="en-US" altLang="ko-KR" sz="600" dirty="0"/>
+              <a:t>, default</a:t>
+            </a:r>
+            <a:r>
+              <a:rPr lang="ko-KR" altLang="en-US" sz="600" dirty="0"/>
+              <a:t>는 </a:t>
+            </a:r>
+            <a:r>
+              <a:rPr lang="en-US" altLang="ko-KR" sz="600" dirty="0"/>
+              <a:t>3 seconds (</a:t>
+            </a:r>
+            <a:r>
+              <a:rPr lang="en-US" altLang="ko-KR" sz="600" dirty="0" err="1"/>
+              <a:t>chrony</a:t>
+            </a:r>
+            <a:r>
+              <a:rPr lang="en-US" altLang="ko-KR" sz="600" dirty="0"/>
+              <a:t> </a:t>
+            </a:r>
+            <a:r>
+              <a:rPr lang="ko-KR" altLang="en-US" sz="600" dirty="0"/>
+              <a:t>기준</a:t>
+            </a:r>
+            <a:r>
+              <a:rPr lang="en-US" altLang="ko-KR" sz="600" dirty="0"/>
+              <a:t>)</a:t>
+            </a:r>
+          </a:p>
+          <a:p>
+            <a:r>
+              <a:rPr lang="ko-KR" altLang="en-US" sz="600" dirty="0"/>
+              <a:t>동기화하는 시간이 </a:t>
+            </a:r>
+            <a:r>
+              <a:rPr lang="en-US" altLang="ko-KR" sz="600" dirty="0" err="1"/>
+              <a:t>maxdistance</a:t>
+            </a:r>
+            <a:r>
+              <a:rPr lang="ko-KR" altLang="en-US" sz="600" dirty="0"/>
+              <a:t>를 초과할 경우 동기화 실패 </a:t>
+            </a:r>
+            <a:r>
+              <a:rPr lang="en-US" altLang="ko-KR" sz="600" dirty="0"/>
+              <a:t>X </a:t>
+            </a:r>
+            <a:endParaRPr lang="ko-KR" altLang="en-US" sz="600" dirty="0"/>
+          </a:p>
+        </p:txBody>
+      </p:sp>
       <p:grpSp>
         <p:nvGrpSpPr>
           <p:cNvPr id="34" name="그룹 33">
@@ -4094,7 +4272,7 @@
                 <p:nvPr/>
               </p:nvPicPr>
               <p:blipFill>
-                <a:blip r:embed="rId5"/>
+                <a:blip r:embed="rId6"/>
                 <a:stretch>
                   <a:fillRect/>
                 </a:stretch>
@@ -4177,7 +4355,7 @@
               <p:nvPr/>
             </p:nvPicPr>
             <p:blipFill>
-              <a:blip r:embed="rId6"/>
+              <a:blip r:embed="rId7"/>
               <a:stretch>
                 <a:fillRect/>
               </a:stretch>
@@ -4246,224 +4424,6 @@
           </p:txBody>
         </p:sp>
       </p:grpSp>
-      <p:grpSp>
-        <p:nvGrpSpPr>
-          <p:cNvPr id="10" name="그룹 9">
-            <a:extLst>
-              <a:ext uri="{FF2B5EF4-FFF2-40B4-BE49-F238E27FC236}">
-                <a16:creationId xmlns:a16="http://schemas.microsoft.com/office/drawing/2014/main" id="{B98415FC-A7EB-4E7E-A84D-920249B2F4BB}"/>
-              </a:ext>
-            </a:extLst>
-          </p:cNvPr>
-          <p:cNvGrpSpPr/>
-          <p:nvPr/>
-        </p:nvGrpSpPr>
-        <p:grpSpPr>
-          <a:xfrm>
-            <a:off x="838200" y="2978846"/>
-            <a:ext cx="3168650" cy="3521974"/>
-            <a:chOff x="838200" y="3247900"/>
-            <a:chExt cx="3168650" cy="3521974"/>
-          </a:xfrm>
-        </p:grpSpPr>
-        <p:sp>
-          <p:nvSpPr>
-            <p:cNvPr id="30" name="직사각형 29">
-              <a:extLst>
-                <a:ext uri="{FF2B5EF4-FFF2-40B4-BE49-F238E27FC236}">
-                  <a16:creationId xmlns:a16="http://schemas.microsoft.com/office/drawing/2014/main" id="{039444CE-D681-47FA-8422-F025E195BC34}"/>
-                </a:ext>
-              </a:extLst>
-            </p:cNvPr>
-            <p:cNvSpPr/>
-            <p:nvPr/>
-          </p:nvSpPr>
-          <p:spPr>
-            <a:xfrm>
-              <a:off x="838200" y="6492875"/>
-              <a:ext cx="2434742" cy="276999"/>
-            </a:xfrm>
-            <a:prstGeom prst="rect">
-              <a:avLst/>
-            </a:prstGeom>
-          </p:spPr>
-          <p:txBody>
-            <a:bodyPr wrap="square">
-              <a:spAutoFit/>
-            </a:bodyPr>
-            <a:lstStyle/>
-            <a:p>
-              <a:r>
-                <a:rPr lang="en-US" altLang="ko-KR" sz="600" dirty="0" err="1"/>
-                <a:t>maxdistance</a:t>
-              </a:r>
-              <a:r>
-                <a:rPr lang="en-US" altLang="ko-KR" sz="600" dirty="0"/>
-                <a:t> </a:t>
-              </a:r>
-              <a:r>
-                <a:rPr lang="ko-KR" altLang="en-US" sz="600" dirty="0"/>
-                <a:t>미지정시</a:t>
-              </a:r>
-              <a:r>
-                <a:rPr lang="en-US" altLang="ko-KR" sz="600" dirty="0"/>
-                <a:t>, default</a:t>
-              </a:r>
-              <a:r>
-                <a:rPr lang="ko-KR" altLang="en-US" sz="600" dirty="0"/>
-                <a:t>는 </a:t>
-              </a:r>
-              <a:r>
-                <a:rPr lang="en-US" altLang="ko-KR" sz="600" dirty="0"/>
-                <a:t>3 seconds (</a:t>
-              </a:r>
-              <a:r>
-                <a:rPr lang="en-US" altLang="ko-KR" sz="600" dirty="0" err="1"/>
-                <a:t>chrony</a:t>
-              </a:r>
-              <a:r>
-                <a:rPr lang="en-US" altLang="ko-KR" sz="600" dirty="0"/>
-                <a:t> </a:t>
-              </a:r>
-              <a:r>
-                <a:rPr lang="ko-KR" altLang="en-US" sz="600" dirty="0"/>
-                <a:t>기준</a:t>
-              </a:r>
-              <a:r>
-                <a:rPr lang="en-US" altLang="ko-KR" sz="600" dirty="0"/>
-                <a:t>)</a:t>
-              </a:r>
-            </a:p>
-            <a:p>
-              <a:r>
-                <a:rPr lang="ko-KR" altLang="en-US" sz="600" dirty="0"/>
-                <a:t>동기화하는 시간이 </a:t>
-              </a:r>
-              <a:r>
-                <a:rPr lang="en-US" altLang="ko-KR" sz="600" dirty="0" err="1"/>
-                <a:t>maxdistance</a:t>
-              </a:r>
-              <a:r>
-                <a:rPr lang="ko-KR" altLang="en-US" sz="600" dirty="0"/>
-                <a:t>를 초과할 경우 동기화 실패 </a:t>
-              </a:r>
-              <a:r>
-                <a:rPr lang="en-US" altLang="ko-KR" sz="600" dirty="0"/>
-                <a:t>X </a:t>
-              </a:r>
-              <a:endParaRPr lang="ko-KR" altLang="en-US" sz="600" dirty="0"/>
-            </a:p>
-          </p:txBody>
-        </p:sp>
-        <p:grpSp>
-          <p:nvGrpSpPr>
-            <p:cNvPr id="8" name="그룹 7">
-              <a:extLst>
-                <a:ext uri="{FF2B5EF4-FFF2-40B4-BE49-F238E27FC236}">
-                  <a16:creationId xmlns:a16="http://schemas.microsoft.com/office/drawing/2014/main" id="{11CDF705-F075-48C6-B2D0-9E15F8F7D759}"/>
-                </a:ext>
-              </a:extLst>
-            </p:cNvPr>
-            <p:cNvGrpSpPr/>
-            <p:nvPr/>
-          </p:nvGrpSpPr>
-          <p:grpSpPr>
-            <a:xfrm>
-              <a:off x="838200" y="3247900"/>
-              <a:ext cx="3168650" cy="3244975"/>
-              <a:chOff x="4317070" y="2883353"/>
-              <a:chExt cx="3168650" cy="3244975"/>
-            </a:xfrm>
-          </p:grpSpPr>
-          <p:pic>
-            <p:nvPicPr>
-              <p:cNvPr id="7" name="그림 6">
-                <a:extLst>
-                  <a:ext uri="{FF2B5EF4-FFF2-40B4-BE49-F238E27FC236}">
-                    <a16:creationId xmlns:a16="http://schemas.microsoft.com/office/drawing/2014/main" id="{E05AA1B7-DF9D-40C1-A6C6-A4188725D32D}"/>
-                  </a:ext>
-                </a:extLst>
-              </p:cNvPr>
-              <p:cNvPicPr>
-                <a:picLocks noChangeAspect="1"/>
-              </p:cNvPicPr>
-              <p:nvPr/>
-            </p:nvPicPr>
-            <p:blipFill rotWithShape="1">
-              <a:blip r:embed="rId7">
-                <a:extLst>
-                  <a:ext uri="{28A0092B-C50C-407E-A947-70E740481C1C}">
-                    <a14:useLocalDpi xmlns:a14="http://schemas.microsoft.com/office/drawing/2010/main" val="0"/>
-                  </a:ext>
-                </a:extLst>
-              </a:blip>
-              <a:srcRect r="40560" b="22625"/>
-              <a:stretch/>
-            </p:blipFill>
-            <p:spPr>
-              <a:xfrm>
-                <a:off x="4317070" y="2883353"/>
-                <a:ext cx="3168650" cy="3244975"/>
-              </a:xfrm>
-              <a:prstGeom prst="rect">
-                <a:avLst/>
-              </a:prstGeom>
-            </p:spPr>
-          </p:pic>
-          <p:sp>
-            <p:nvSpPr>
-              <p:cNvPr id="23" name="직사각형 22">
-                <a:extLst>
-                  <a:ext uri="{FF2B5EF4-FFF2-40B4-BE49-F238E27FC236}">
-                    <a16:creationId xmlns:a16="http://schemas.microsoft.com/office/drawing/2014/main" id="{33209A44-5727-4639-95BA-7D2B70060063}"/>
-                  </a:ext>
-                </a:extLst>
-              </p:cNvPr>
-              <p:cNvSpPr/>
-              <p:nvPr/>
-            </p:nvSpPr>
-            <p:spPr>
-              <a:xfrm>
-                <a:off x="4317070" y="4304510"/>
-                <a:ext cx="992492" cy="164123"/>
-              </a:xfrm>
-              <a:prstGeom prst="rect">
-                <a:avLst/>
-              </a:prstGeom>
-              <a:noFill/>
-              <a:ln>
-                <a:solidFill>
-                  <a:srgbClr val="FF0000"/>
-                </a:solidFill>
-              </a:ln>
-            </p:spPr>
-            <p:style>
-              <a:lnRef idx="2">
-                <a:schemeClr val="accent1">
-                  <a:shade val="50000"/>
-                </a:schemeClr>
-              </a:lnRef>
-              <a:fillRef idx="1">
-                <a:schemeClr val="accent1"/>
-              </a:fillRef>
-              <a:effectRef idx="0">
-                <a:schemeClr val="accent1"/>
-              </a:effectRef>
-              <a:fontRef idx="minor">
-                <a:schemeClr val="lt1"/>
-              </a:fontRef>
-            </p:style>
-            <p:txBody>
-              <a:bodyPr rtlCol="0" anchor="ctr"/>
-              <a:lstStyle/>
-              <a:p>
-                <a:pPr algn="ctr"/>
-                <a:endParaRPr lang="ko-KR" altLang="en-US"/>
-              </a:p>
-            </p:txBody>
-          </p:sp>
-        </p:grpSp>
-      </p:grpSp>
     </p:spTree>
     <p:extLst>
       <p:ext uri="{BB962C8B-B14F-4D97-AF65-F5344CB8AC3E}">
@@ -5184,7 +5144,7 @@
           <p:cNvPr id="2" name="제목 1">
             <a:extLst>
               <a:ext uri="{FF2B5EF4-FFF2-40B4-BE49-F238E27FC236}">
-                <a16:creationId xmlns:a16="http://schemas.microsoft.com/office/drawing/2014/main" id="{0C0F7873-058E-40D0-A9F7-F72C271D462C}"/>
+                <a16:creationId xmlns:a16="http://schemas.microsoft.com/office/drawing/2014/main" id="{C3376818-FDD0-4447-80F1-76CE17536633}"/>
               </a:ext>
             </a:extLst>
           </p:cNvPr>
@@ -5203,10 +5163,14 @@
           <a:lstStyle/>
           <a:p>
             <a:r>
-              <a:rPr lang="en-US" altLang="ko-KR" sz="3200" dirty="0"/>
-              <a:t>ETC</a:t>
-            </a:r>
-            <a:endParaRPr lang="ko-KR" altLang="en-US" sz="3200" dirty="0"/>
+              <a:rPr lang="ko-KR" altLang="en-US" sz="3200" strike="sngStrike" dirty="0"/>
+              <a:t>부팅 후 설정 </a:t>
+            </a:r>
+            <a:r>
+              <a:rPr lang="en-US" altLang="ko-KR" sz="3200" strike="sngStrike" dirty="0"/>
+              <a:t>(Windows) </a:t>
+            </a:r>
+            <a:endParaRPr lang="ko-KR" altLang="en-US" sz="3200" strike="sngStrike" dirty="0"/>
           </a:p>
         </p:txBody>
       </p:sp>
@@ -5215,7 +5179,7 @@
           <p:cNvPr id="4" name="TextBox 3">
             <a:extLst>
               <a:ext uri="{FF2B5EF4-FFF2-40B4-BE49-F238E27FC236}">
-                <a16:creationId xmlns:a16="http://schemas.microsoft.com/office/drawing/2014/main" id="{858555B5-AD4C-4732-A0AD-0A41C36E1F2A}"/>
+                <a16:creationId xmlns:a16="http://schemas.microsoft.com/office/drawing/2014/main" id="{11CA96AC-C9F6-4660-A01D-77E36DB27913}"/>
               </a:ext>
             </a:extLst>
           </p:cNvPr>
@@ -5224,8 +5188,8 @@
         </p:nvSpPr>
         <p:spPr>
           <a:xfrm>
-            <a:off x="699053" y="6012524"/>
-            <a:ext cx="1360336" cy="338554"/>
+            <a:off x="838200" y="1827954"/>
+            <a:ext cx="7800723" cy="369332"/>
           </a:xfrm>
           <a:prstGeom prst="rect">
             <a:avLst/>
@@ -5238,49 +5202,32 @@
           </a:bodyPr>
           <a:lstStyle/>
           <a:p>
-            <a:pPr lvl="0" fontAlgn="base"/>
-            <a:r>
-              <a:rPr lang="en-US" altLang="ko-KR" sz="800" dirty="0" err="1"/>
-              <a:t>sudo</a:t>
-            </a:r>
-            <a:r>
-              <a:rPr lang="en-US" altLang="ko-KR" sz="800" dirty="0"/>
+            <a:r>
+              <a:rPr lang="en-US" altLang="ko-KR" dirty="0"/>
+              <a:t>‘</a:t>
+            </a:r>
+            <a:r>
+              <a:rPr lang="ko-KR" altLang="en-US" dirty="0"/>
+              <a:t>자동으로 시간 설정’</a:t>
+            </a:r>
+            <a:r>
+              <a:rPr lang="en-US" altLang="ko-KR" dirty="0"/>
               <a:t> </a:t>
             </a:r>
             <a:r>
-              <a:rPr lang="en-US" altLang="ko-KR" sz="800" dirty="0" err="1"/>
-              <a:t>nano</a:t>
-            </a:r>
-            <a:r>
-              <a:rPr lang="en-US" altLang="ko-KR" sz="800" dirty="0"/>
-              <a:t> ~/.</a:t>
-            </a:r>
-            <a:r>
-              <a:rPr lang="en-US" altLang="ko-KR" sz="800" dirty="0" err="1"/>
-              <a:t>bashrc</a:t>
-            </a:r>
-            <a:endParaRPr lang="en-US" altLang="ko-KR" sz="800" dirty="0"/>
-          </a:p>
-          <a:p>
-            <a:pPr lvl="0" fontAlgn="base"/>
-            <a:r>
-              <a:rPr lang="en-US" altLang="ko-KR" sz="800" dirty="0"/>
-              <a:t>source ~/.</a:t>
-            </a:r>
-            <a:r>
-              <a:rPr lang="en-US" altLang="ko-KR" sz="800" dirty="0" err="1"/>
-              <a:t>bashrc</a:t>
-            </a:r>
-            <a:endParaRPr lang="en-US" altLang="ko-KR" sz="800" dirty="0"/>
+              <a:rPr lang="ko-KR" altLang="en-US" dirty="0"/>
+              <a:t>다시 켜기</a:t>
+            </a:r>
+            <a:endParaRPr lang="ko-KR" altLang="ko-KR" dirty="0"/>
           </a:p>
         </p:txBody>
       </p:sp>
       <p:grpSp>
         <p:nvGrpSpPr>
-          <p:cNvPr id="10" name="그룹 9">
-            <a:extLst>
-              <a:ext uri="{FF2B5EF4-FFF2-40B4-BE49-F238E27FC236}">
-                <a16:creationId xmlns:a16="http://schemas.microsoft.com/office/drawing/2014/main" id="{D906EEF9-940B-46D2-8C46-A08FDBEACC68}"/>
+          <p:cNvPr id="6" name="그룹 5">
+            <a:extLst>
+              <a:ext uri="{FF2B5EF4-FFF2-40B4-BE49-F238E27FC236}">
+                <a16:creationId xmlns:a16="http://schemas.microsoft.com/office/drawing/2014/main" id="{AB8B8FFA-AEF7-49D2-8AD4-AF9C48C51190}"/>
               </a:ext>
             </a:extLst>
           </p:cNvPr>
@@ -5289,7 +5236,351 @@
         </p:nvGrpSpPr>
         <p:grpSpPr>
           <a:xfrm>
-            <a:off x="790492" y="2155095"/>
+            <a:off x="925357" y="2386615"/>
+            <a:ext cx="3197394" cy="3443614"/>
+            <a:chOff x="1042836" y="2551458"/>
+            <a:chExt cx="3504565" cy="3774440"/>
+          </a:xfrm>
+        </p:grpSpPr>
+        <p:pic>
+          <p:nvPicPr>
+            <p:cNvPr id="7" name="그림 6" descr="C:\Users\KETI_UnstructedWork\AppData\Local\Microsoft\Windows\INetCache\Content.MSO\E92DA44B.tmp">
+              <a:extLst>
+                <a:ext uri="{FF2B5EF4-FFF2-40B4-BE49-F238E27FC236}">
+                  <a16:creationId xmlns:a16="http://schemas.microsoft.com/office/drawing/2014/main" id="{6E538DA3-0C8B-4A0B-994A-A088B3423825}"/>
+                </a:ext>
+              </a:extLst>
+            </p:cNvPr>
+            <p:cNvPicPr/>
+            <p:nvPr/>
+          </p:nvPicPr>
+          <p:blipFill>
+            <a:blip r:embed="rId2" cstate="print">
+              <a:extLst>
+                <a:ext uri="{28A0092B-C50C-407E-A947-70E740481C1C}">
+                  <a14:useLocalDpi xmlns:a14="http://schemas.microsoft.com/office/drawing/2010/main" val="0"/>
+                </a:ext>
+              </a:extLst>
+            </a:blip>
+            <a:srcRect/>
+            <a:stretch>
+              <a:fillRect/>
+            </a:stretch>
+          </p:blipFill>
+          <p:spPr bwMode="auto">
+            <a:xfrm>
+              <a:off x="1042836" y="2551458"/>
+              <a:ext cx="3504565" cy="3774440"/>
+            </a:xfrm>
+            <a:prstGeom prst="rect">
+              <a:avLst/>
+            </a:prstGeom>
+            <a:noFill/>
+            <a:ln>
+              <a:noFill/>
+            </a:ln>
+          </p:spPr>
+        </p:pic>
+        <p:sp>
+          <p:nvSpPr>
+            <p:cNvPr id="8" name="직사각형 7">
+              <a:extLst>
+                <a:ext uri="{FF2B5EF4-FFF2-40B4-BE49-F238E27FC236}">
+                  <a16:creationId xmlns:a16="http://schemas.microsoft.com/office/drawing/2014/main" id="{843906AC-CB03-40EF-A57E-0235518EAF43}"/>
+                </a:ext>
+              </a:extLst>
+            </p:cNvPr>
+            <p:cNvSpPr/>
+            <p:nvPr/>
+          </p:nvSpPr>
+          <p:spPr>
+            <a:xfrm>
+              <a:off x="2496710" y="3371353"/>
+              <a:ext cx="564542" cy="242515"/>
+            </a:xfrm>
+            <a:prstGeom prst="rect">
+              <a:avLst/>
+            </a:prstGeom>
+            <a:noFill/>
+            <a:ln>
+              <a:solidFill>
+                <a:srgbClr val="FF0000"/>
+              </a:solidFill>
+            </a:ln>
+          </p:spPr>
+          <p:style>
+            <a:lnRef idx="2">
+              <a:schemeClr val="accent1">
+                <a:shade val="50000"/>
+              </a:schemeClr>
+            </a:lnRef>
+            <a:fillRef idx="1">
+              <a:schemeClr val="accent1"/>
+            </a:fillRef>
+            <a:effectRef idx="0">
+              <a:schemeClr val="accent1"/>
+            </a:effectRef>
+            <a:fontRef idx="minor">
+              <a:schemeClr val="lt1"/>
+            </a:fontRef>
+          </p:style>
+          <p:txBody>
+            <a:bodyPr rtlCol="0" anchor="ctr"/>
+            <a:lstStyle/>
+            <a:p>
+              <a:pPr algn="ctr"/>
+              <a:endParaRPr lang="ko-KR" altLang="en-US"/>
+            </a:p>
+          </p:txBody>
+        </p:sp>
+      </p:grpSp>
+      <p:sp>
+        <p:nvSpPr>
+          <p:cNvPr id="9" name="TextBox 8">
+            <a:extLst>
+              <a:ext uri="{FF2B5EF4-FFF2-40B4-BE49-F238E27FC236}">
+                <a16:creationId xmlns:a16="http://schemas.microsoft.com/office/drawing/2014/main" id="{13AF88B9-D9C8-45F4-A1AF-64F61572E6A1}"/>
+              </a:ext>
+            </a:extLst>
+          </p:cNvPr>
+          <p:cNvSpPr txBox="1"/>
+          <p:nvPr/>
+        </p:nvSpPr>
+        <p:spPr>
+          <a:xfrm>
+            <a:off x="858918" y="1346216"/>
+            <a:ext cx="2198359" cy="215444"/>
+          </a:xfrm>
+          <a:prstGeom prst="rect">
+            <a:avLst/>
+          </a:prstGeom>
+          <a:noFill/>
+        </p:spPr>
+        <p:txBody>
+          <a:bodyPr wrap="square" rtlCol="0">
+            <a:spAutoFit/>
+          </a:bodyPr>
+          <a:lstStyle/>
+          <a:p>
+            <a:r>
+              <a:rPr lang="en-US" altLang="ko-KR" sz="800" dirty="0">
+                <a:solidFill>
+                  <a:srgbClr val="FF0000"/>
+                </a:solidFill>
+                <a:hlinkClick r:id="rId3" action="ppaction://hlinksldjump">
+                  <a:extLst>
+                    <a:ext uri="{A12FA001-AC4F-418D-AE19-62706E023703}">
+                      <ahyp:hlinkClr xmlns:ahyp="http://schemas.microsoft.com/office/drawing/2018/hyperlinkcolor" val="tx"/>
+                    </a:ext>
+                  </a:extLst>
+                </a:hlinkClick>
+              </a:rPr>
+              <a:t>10</a:t>
+            </a:r>
+            <a:r>
+              <a:rPr lang="ko-KR" altLang="en-US" sz="800" dirty="0">
+                <a:solidFill>
+                  <a:srgbClr val="FF0000"/>
+                </a:solidFill>
+                <a:hlinkClick r:id="rId3" action="ppaction://hlinksldjump">
+                  <a:extLst>
+                    <a:ext uri="{A12FA001-AC4F-418D-AE19-62706E023703}">
+                      <ahyp:hlinkClr xmlns:ahyp="http://schemas.microsoft.com/office/drawing/2018/hyperlinkcolor" val="tx"/>
+                    </a:ext>
+                  </a:extLst>
+                </a:hlinkClick>
+              </a:rPr>
+              <a:t>페이지</a:t>
+            </a:r>
+            <a:r>
+              <a:rPr lang="ko-KR" altLang="en-US" sz="800" dirty="0">
+                <a:solidFill>
+                  <a:srgbClr val="FF0000"/>
+                </a:solidFill>
+              </a:rPr>
+              <a:t> 설정 추가 시</a:t>
+            </a:r>
+            <a:r>
+              <a:rPr lang="en-US" altLang="ko-KR" sz="800" dirty="0">
+                <a:solidFill>
+                  <a:srgbClr val="FF0000"/>
+                </a:solidFill>
+              </a:rPr>
+              <a:t>, </a:t>
+            </a:r>
+            <a:r>
+              <a:rPr lang="ko-KR" altLang="en-US" sz="800" dirty="0">
+                <a:solidFill>
+                  <a:srgbClr val="FF0000"/>
+                </a:solidFill>
+              </a:rPr>
+              <a:t>부팅 후 설정 필요 </a:t>
+            </a:r>
+            <a:r>
+              <a:rPr lang="en-US" altLang="ko-KR" sz="800" dirty="0">
+                <a:solidFill>
+                  <a:srgbClr val="FF0000"/>
+                </a:solidFill>
+              </a:rPr>
+              <a:t>x</a:t>
+            </a:r>
+            <a:endParaRPr lang="ko-KR" altLang="ko-KR" sz="800" dirty="0">
+              <a:solidFill>
+                <a:srgbClr val="FF0000"/>
+              </a:solidFill>
+            </a:endParaRPr>
+          </a:p>
+        </p:txBody>
+      </p:sp>
+    </p:spTree>
+    <p:extLst>
+      <p:ext uri="{BB962C8B-B14F-4D97-AF65-F5344CB8AC3E}">
+        <p14:creationId xmlns:p14="http://schemas.microsoft.com/office/powerpoint/2010/main" val="1523236079"/>
+      </p:ext>
+    </p:extLst>
+  </p:cSld>
+  <p:clrMapOvr>
+    <a:masterClrMapping/>
+  </p:clrMapOvr>
+</p:sld>
+</file>
+
+<file path=ppt/slides/slide14.xml><?xml version="1.0" encoding="utf-8"?>
+<p:sld xmlns:a="http://schemas.openxmlformats.org/drawingml/2006/main" xmlns:r="http://schemas.openxmlformats.org/officeDocument/2006/relationships" xmlns:p="http://schemas.openxmlformats.org/presentationml/2006/main">
+  <p:cSld>
+    <p:spTree>
+      <p:nvGrpSpPr>
+        <p:cNvPr id="1" name=""/>
+        <p:cNvGrpSpPr/>
+        <p:nvPr/>
+      </p:nvGrpSpPr>
+      <p:grpSpPr>
+        <a:xfrm>
+          <a:off x="0" y="0"/>
+          <a:ext cx="0" cy="0"/>
+          <a:chOff x="0" y="0"/>
+          <a:chExt cx="0" cy="0"/>
+        </a:xfrm>
+      </p:grpSpPr>
+      <p:sp>
+        <p:nvSpPr>
+          <p:cNvPr id="2" name="제목 1">
+            <a:extLst>
+              <a:ext uri="{FF2B5EF4-FFF2-40B4-BE49-F238E27FC236}">
+                <a16:creationId xmlns:a16="http://schemas.microsoft.com/office/drawing/2014/main" id="{0C0F7873-058E-40D0-A9F7-F72C271D462C}"/>
+              </a:ext>
+            </a:extLst>
+          </p:cNvPr>
+          <p:cNvSpPr>
+            <a:spLocks noGrp="1"/>
+          </p:cNvSpPr>
+          <p:nvPr>
+            <p:ph type="title"/>
+          </p:nvPr>
+        </p:nvSpPr>
+        <p:spPr/>
+        <p:txBody>
+          <a:bodyPr>
+            <a:normAutofit/>
+          </a:bodyPr>
+          <a:lstStyle/>
+          <a:p>
+            <a:r>
+              <a:rPr lang="en-US" altLang="ko-KR" sz="3200" dirty="0"/>
+              <a:t>Ubuntu </a:t>
+            </a:r>
+            <a:r>
+              <a:rPr lang="en-US" altLang="ko-KR" sz="3200" dirty="0" err="1"/>
+              <a:t>bashrc</a:t>
+            </a:r>
+            <a:endParaRPr lang="ko-KR" altLang="en-US" sz="3200" dirty="0"/>
+          </a:p>
+        </p:txBody>
+      </p:sp>
+      <p:sp>
+        <p:nvSpPr>
+          <p:cNvPr id="4" name="TextBox 3">
+            <a:extLst>
+              <a:ext uri="{FF2B5EF4-FFF2-40B4-BE49-F238E27FC236}">
+                <a16:creationId xmlns:a16="http://schemas.microsoft.com/office/drawing/2014/main" id="{858555B5-AD4C-4732-A0AD-0A41C36E1F2A}"/>
+              </a:ext>
+            </a:extLst>
+          </p:cNvPr>
+          <p:cNvSpPr txBox="1"/>
+          <p:nvPr/>
+        </p:nvSpPr>
+        <p:spPr>
+          <a:xfrm>
+            <a:off x="838200" y="1827954"/>
+            <a:ext cx="2743863" cy="646331"/>
+          </a:xfrm>
+          <a:prstGeom prst="rect">
+            <a:avLst/>
+          </a:prstGeom>
+          <a:noFill/>
+        </p:spPr>
+        <p:txBody>
+          <a:bodyPr wrap="square" rtlCol="0">
+            <a:spAutoFit/>
+          </a:bodyPr>
+          <a:lstStyle/>
+          <a:p>
+            <a:pPr lvl="0" fontAlgn="base"/>
+            <a:r>
+              <a:rPr lang="en-US" altLang="ko-KR" dirty="0"/>
+              <a:t>1. </a:t>
+            </a:r>
+            <a:r>
+              <a:rPr lang="en-US" altLang="ko-KR" dirty="0" err="1"/>
+              <a:t>sudo</a:t>
+            </a:r>
+            <a:r>
+              <a:rPr lang="en-US" altLang="ko-KR" dirty="0"/>
+              <a:t> </a:t>
+            </a:r>
+            <a:r>
+              <a:rPr lang="en-US" altLang="ko-KR" dirty="0" err="1"/>
+              <a:t>nano</a:t>
+            </a:r>
+            <a:r>
+              <a:rPr lang="en-US" altLang="ko-KR" dirty="0"/>
+              <a:t> ~/.</a:t>
+            </a:r>
+            <a:r>
+              <a:rPr lang="en-US" altLang="ko-KR" dirty="0" err="1"/>
+              <a:t>bashrc</a:t>
+            </a:r>
+            <a:endParaRPr lang="en-US" altLang="ko-KR" dirty="0"/>
+          </a:p>
+          <a:p>
+            <a:pPr lvl="0" fontAlgn="base"/>
+            <a:r>
+              <a:rPr lang="en-US" altLang="ko-KR" dirty="0"/>
+              <a:t>2. source ~/.</a:t>
+            </a:r>
+            <a:r>
+              <a:rPr lang="en-US" altLang="ko-KR" dirty="0" err="1"/>
+              <a:t>bashrc</a:t>
+            </a:r>
+            <a:endParaRPr lang="en-US" altLang="ko-KR" dirty="0"/>
+          </a:p>
+        </p:txBody>
+      </p:sp>
+      <p:grpSp>
+        <p:nvGrpSpPr>
+          <p:cNvPr id="10" name="그룹 9">
+            <a:extLst>
+              <a:ext uri="{FF2B5EF4-FFF2-40B4-BE49-F238E27FC236}">
+                <a16:creationId xmlns:a16="http://schemas.microsoft.com/office/drawing/2014/main" id="{D906EEF9-940B-46D2-8C46-A08FDBEACC68}"/>
+              </a:ext>
+            </a:extLst>
+          </p:cNvPr>
+          <p:cNvGrpSpPr/>
+          <p:nvPr/>
+        </p:nvGrpSpPr>
+        <p:grpSpPr>
+          <a:xfrm>
+            <a:off x="838200" y="2691808"/>
             <a:ext cx="2922768" cy="3872474"/>
             <a:chOff x="838200" y="2309855"/>
             <a:chExt cx="2787595" cy="3693380"/>
@@ -5383,151 +5674,6 @@
           </p:txBody>
         </p:sp>
       </p:grpSp>
-      <p:sp>
-        <p:nvSpPr>
-          <p:cNvPr id="9" name="TextBox 8">
-            <a:extLst>
-              <a:ext uri="{FF2B5EF4-FFF2-40B4-BE49-F238E27FC236}">
-                <a16:creationId xmlns:a16="http://schemas.microsoft.com/office/drawing/2014/main" id="{7CC5B5BA-829C-4C51-BDC9-83799990139D}"/>
-              </a:ext>
-            </a:extLst>
-          </p:cNvPr>
-          <p:cNvSpPr txBox="1"/>
-          <p:nvPr/>
-        </p:nvSpPr>
-        <p:spPr>
-          <a:xfrm>
-            <a:off x="790492" y="1815169"/>
-            <a:ext cx="767963" cy="215444"/>
-          </a:xfrm>
-          <a:prstGeom prst="rect">
-            <a:avLst/>
-          </a:prstGeom>
-          <a:noFill/>
-        </p:spPr>
-        <p:txBody>
-          <a:bodyPr wrap="square" rtlCol="0">
-            <a:spAutoFit/>
-          </a:bodyPr>
-          <a:lstStyle/>
-          <a:p>
-            <a:pPr lvl="0" fontAlgn="base"/>
-            <a:r>
-              <a:rPr lang="ko-KR" altLang="en-US" sz="800" dirty="0"/>
-              <a:t>단축키 설정 </a:t>
-            </a:r>
-            <a:endParaRPr lang="en-US" altLang="ko-KR" sz="800" dirty="0"/>
-          </a:p>
-        </p:txBody>
-      </p:sp>
-      <p:grpSp>
-        <p:nvGrpSpPr>
-          <p:cNvPr id="5" name="그룹 4">
-            <a:extLst>
-              <a:ext uri="{FF2B5EF4-FFF2-40B4-BE49-F238E27FC236}">
-                <a16:creationId xmlns:a16="http://schemas.microsoft.com/office/drawing/2014/main" id="{5DC15342-9FA0-4655-AD6F-27FF4B83B88E}"/>
-              </a:ext>
-            </a:extLst>
-          </p:cNvPr>
-          <p:cNvGrpSpPr/>
-          <p:nvPr/>
-        </p:nvGrpSpPr>
-        <p:grpSpPr>
-          <a:xfrm>
-            <a:off x="6002906" y="2838106"/>
-            <a:ext cx="5637804" cy="966344"/>
-            <a:chOff x="6002906" y="2838106"/>
-            <a:chExt cx="5637804" cy="966344"/>
-          </a:xfrm>
-        </p:grpSpPr>
-        <p:pic>
-          <p:nvPicPr>
-            <p:cNvPr id="3" name="그림 2">
-              <a:extLst>
-                <a:ext uri="{FF2B5EF4-FFF2-40B4-BE49-F238E27FC236}">
-                  <a16:creationId xmlns:a16="http://schemas.microsoft.com/office/drawing/2014/main" id="{977F9A6D-187D-44D5-9694-AF76F93C5CBE}"/>
-                </a:ext>
-              </a:extLst>
-            </p:cNvPr>
-            <p:cNvPicPr>
-              <a:picLocks noChangeAspect="1"/>
-            </p:cNvPicPr>
-            <p:nvPr/>
-          </p:nvPicPr>
-          <p:blipFill>
-            <a:blip r:embed="rId3"/>
-            <a:stretch>
-              <a:fillRect/>
-            </a:stretch>
-          </p:blipFill>
-          <p:spPr>
-            <a:xfrm>
-              <a:off x="6002906" y="3053550"/>
-              <a:ext cx="5637804" cy="750900"/>
-            </a:xfrm>
-            <a:prstGeom prst="rect">
-              <a:avLst/>
-            </a:prstGeom>
-          </p:spPr>
-        </p:pic>
-        <p:sp>
-          <p:nvSpPr>
-            <p:cNvPr id="11" name="TextBox 10">
-              <a:extLst>
-                <a:ext uri="{FF2B5EF4-FFF2-40B4-BE49-F238E27FC236}">
-                  <a16:creationId xmlns:a16="http://schemas.microsoft.com/office/drawing/2014/main" id="{B99A6DB4-E122-45CF-BD7A-889BB264835E}"/>
-                </a:ext>
-              </a:extLst>
-            </p:cNvPr>
-            <p:cNvSpPr txBox="1"/>
-            <p:nvPr/>
-          </p:nvSpPr>
-          <p:spPr>
-            <a:xfrm>
-              <a:off x="6002906" y="2838106"/>
-              <a:ext cx="2298256" cy="215444"/>
-            </a:xfrm>
-            <a:prstGeom prst="rect">
-              <a:avLst/>
-            </a:prstGeom>
-            <a:noFill/>
-          </p:spPr>
-          <p:txBody>
-            <a:bodyPr wrap="square" rtlCol="0">
-              <a:spAutoFit/>
-            </a:bodyPr>
-            <a:lstStyle/>
-            <a:p>
-              <a:pPr lvl="0" fontAlgn="base"/>
-              <a:r>
-                <a:rPr lang="en-US" altLang="ko-KR" sz="800" dirty="0"/>
-                <a:t>NTP Server</a:t>
-              </a:r>
-              <a:r>
-                <a:rPr lang="ko-KR" altLang="en-US" sz="800" dirty="0"/>
-                <a:t>와 시간 동기화된 </a:t>
-              </a:r>
-              <a:r>
-                <a:rPr lang="en-US" altLang="ko-KR" sz="800" dirty="0"/>
-                <a:t>NTP</a:t>
-              </a:r>
-              <a:r>
-                <a:rPr lang="ko-KR" altLang="en-US" sz="800" dirty="0"/>
-                <a:t> </a:t>
-              </a:r>
-              <a:r>
-                <a:rPr lang="en-US" altLang="ko-KR" sz="800" dirty="0"/>
-                <a:t>Client </a:t>
-              </a:r>
-              <a:r>
-                <a:rPr lang="ko-KR" altLang="en-US" sz="800" dirty="0"/>
-                <a:t>확인</a:t>
-              </a:r>
-              <a:endParaRPr lang="en-US" altLang="ko-KR" sz="800" dirty="0"/>
-            </a:p>
-          </p:txBody>
-        </p:sp>
-      </p:grpSp>
     </p:spTree>
     <p:extLst>
       <p:ext uri="{BB962C8B-B14F-4D97-AF65-F5344CB8AC3E}">
@@ -5633,7 +5779,7 @@
               <a:rPr lang="en-US" altLang="ko-KR" sz="2000" dirty="0">
                 <a:hlinkClick r:id="rId4" action="ppaction://hlinksldjump"/>
               </a:rPr>
-              <a:t>Linux NTP Server</a:t>
+              <a:t>Windows NTP Server</a:t>
             </a:r>
             <a:endParaRPr lang="en-US" altLang="ko-KR" sz="2000" dirty="0"/>
           </a:p>
@@ -5642,16 +5788,22 @@
               <a:rPr lang="en-US" altLang="ko-KR" sz="2000" dirty="0">
                 <a:hlinkClick r:id="rId5" action="ppaction://hlinksldjump"/>
               </a:rPr>
-              <a:t>Windows NTP Client</a:t>
+              <a:t>Linux NTP Client</a:t>
             </a:r>
             <a:endParaRPr lang="en-US" altLang="ko-KR" sz="2000" dirty="0"/>
           </a:p>
           <a:p>
+            <a:r>
+              <a:rPr lang="ko-KR" altLang="en-US" sz="2000" dirty="0">
+                <a:hlinkClick r:id="rId6" action="ppaction://hlinksldjump"/>
+              </a:rPr>
+              <a:t>부팅 후 설정 </a:t>
+            </a:r>
             <a:r>
               <a:rPr lang="en-US" altLang="ko-KR" sz="2000" dirty="0">
                 <a:hlinkClick r:id="rId6" action="ppaction://hlinksldjump"/>
               </a:rPr>
-              <a:t>Linux NTP Client</a:t>
+              <a:t>(Windows)</a:t>
             </a:r>
             <a:endParaRPr lang="en-US" altLang="ko-KR" sz="2000" dirty="0"/>
           </a:p>
@@ -5660,7 +5812,19 @@
               <a:rPr lang="en-US" altLang="ko-KR" sz="2000" dirty="0">
                 <a:hlinkClick r:id="rId7" action="ppaction://hlinksldjump"/>
               </a:rPr>
-              <a:t>ETC</a:t>
+              <a:t>Ubuntu </a:t>
+            </a:r>
+            <a:r>
+              <a:rPr lang="en-US" altLang="ko-KR" sz="2000" dirty="0" err="1">
+                <a:hlinkClick r:id="rId7" action="ppaction://hlinksldjump"/>
+              </a:rPr>
+              <a:t>bashrc</a:t>
+            </a:r>
+            <a:r>
+              <a:rPr lang="en-US" altLang="ko-KR" sz="2000" dirty="0">
+                <a:hlinkClick r:id="rId7" action="ppaction://hlinksldjump"/>
+              </a:rPr>
+              <a:t> </a:t>
             </a:r>
             <a:endParaRPr lang="ko-KR" altLang="en-US" sz="2000" dirty="0"/>
           </a:p>
@@ -6463,7 +6627,7 @@
               <a:pPr algn="ctr"/>
               <a:r>
                 <a:rPr lang="en-US" altLang="ko-KR" sz="700" b="1" dirty="0"/>
-                <a:t>Ubuntu_2</a:t>
+                <a:t>Windows</a:t>
               </a:r>
               <a:endParaRPr lang="ko-KR" altLang="en-US" sz="700" b="1" dirty="0"/>
             </a:p>
@@ -6695,6 +6859,43 @@
       </p:grpSp>
       <p:sp>
         <p:nvSpPr>
+          <p:cNvPr id="48" name="TextBox 47">
+            <a:extLst>
+              <a:ext uri="{FF2B5EF4-FFF2-40B4-BE49-F238E27FC236}">
+                <a16:creationId xmlns:a16="http://schemas.microsoft.com/office/drawing/2014/main" id="{340EC3EF-0D3F-4B61-BE2A-171D3D8F95E3}"/>
+              </a:ext>
+            </a:extLst>
+          </p:cNvPr>
+          <p:cNvSpPr txBox="1"/>
+          <p:nvPr/>
+        </p:nvSpPr>
+        <p:spPr>
+          <a:xfrm>
+            <a:off x="6238549" y="5725238"/>
+            <a:ext cx="948945" cy="169277"/>
+          </a:xfrm>
+          <a:prstGeom prst="rect">
+            <a:avLst/>
+          </a:prstGeom>
+          <a:noFill/>
+        </p:spPr>
+        <p:txBody>
+          <a:bodyPr wrap="square" rtlCol="0">
+            <a:spAutoFit/>
+          </a:bodyPr>
+          <a:lstStyle/>
+          <a:p>
+            <a:pPr algn="ctr"/>
+            <a:r>
+              <a:rPr lang="en-US" altLang="ko-KR" sz="500" b="1" dirty="0"/>
+              <a:t>time.windows.com</a:t>
+            </a:r>
+            <a:endParaRPr lang="ko-KR" altLang="en-US" sz="500" b="1" dirty="0"/>
+          </a:p>
+        </p:txBody>
+      </p:sp>
+      <p:sp>
+        <p:nvSpPr>
           <p:cNvPr id="49" name="화살표: 오른쪽 48">
             <a:extLst>
               <a:ext uri="{FF2B5EF4-FFF2-40B4-BE49-F238E27FC236}">
@@ -6880,6 +7081,81 @@
             <a:r>
               <a:rPr lang="ko-KR" altLang="en-US" sz="800" b="1" dirty="0"/>
               <a:t>시간 동기화</a:t>
+            </a:r>
+          </a:p>
+        </p:txBody>
+      </p:sp>
+      <p:sp>
+        <p:nvSpPr>
+          <p:cNvPr id="55" name="TextBox 54">
+            <a:extLst>
+              <a:ext uri="{FF2B5EF4-FFF2-40B4-BE49-F238E27FC236}">
+                <a16:creationId xmlns:a16="http://schemas.microsoft.com/office/drawing/2014/main" id="{53AD7C5D-F045-433E-BA8D-CCC61DF14715}"/>
+              </a:ext>
+            </a:extLst>
+          </p:cNvPr>
+          <p:cNvSpPr txBox="1"/>
+          <p:nvPr/>
+        </p:nvSpPr>
+        <p:spPr>
+          <a:xfrm>
+            <a:off x="838200" y="6283320"/>
+            <a:ext cx="4885407" cy="169277"/>
+          </a:xfrm>
+          <a:prstGeom prst="rect">
+            <a:avLst/>
+          </a:prstGeom>
+          <a:noFill/>
+        </p:spPr>
+        <p:txBody>
+          <a:bodyPr wrap="square" rtlCol="0">
+            <a:spAutoFit/>
+          </a:bodyPr>
+          <a:lstStyle/>
+          <a:p>
+            <a:r>
+              <a:rPr lang="ko-KR" altLang="en-US" sz="500" dirty="0"/>
+              <a:t>내부 </a:t>
+            </a:r>
+            <a:r>
+              <a:rPr lang="en-US" altLang="ko-KR" sz="500" dirty="0"/>
+              <a:t>NTP </a:t>
+            </a:r>
+            <a:r>
+              <a:rPr lang="ko-KR" altLang="en-US" sz="500" dirty="0"/>
+              <a:t>서버 역할</a:t>
+            </a:r>
+            <a:r>
+              <a:rPr lang="en-US" altLang="ko-KR" sz="500" dirty="0"/>
+              <a:t>(Windows)</a:t>
+            </a:r>
+            <a:r>
+              <a:rPr lang="ko-KR" altLang="en-US" sz="500" dirty="0"/>
+              <a:t>로 운용할 서버의 시간 동기화 대상을 외부 </a:t>
+            </a:r>
+            <a:r>
+              <a:rPr lang="en-US" altLang="ko-KR" sz="500" dirty="0"/>
+              <a:t>NTP(ex. Time.windows.com)</a:t>
+            </a:r>
+            <a:r>
+              <a:rPr lang="ko-KR" altLang="en-US" sz="500" dirty="0"/>
+              <a:t>으로 설정하고 설정</a:t>
+            </a:r>
+            <a:r>
+              <a:rPr lang="en-US" altLang="ko-KR" sz="500" dirty="0"/>
+              <a:t>(</a:t>
+            </a:r>
+            <a:r>
+              <a:rPr lang="ko-KR" altLang="en-US" sz="500" dirty="0"/>
+              <a:t>레지스트리</a:t>
+            </a:r>
+            <a:r>
+              <a:rPr lang="en-US" altLang="ko-KR" sz="500" dirty="0"/>
+              <a:t>)</a:t>
+            </a:r>
+            <a:r>
+              <a:rPr lang="ko-KR" altLang="en-US" sz="500" dirty="0"/>
+              <a:t>값을 확인 후 동기화 작업 수행</a:t>
             </a:r>
           </a:p>
         </p:txBody>
@@ -7228,7 +7504,7 @@
               <a:pPr algn="ctr"/>
               <a:r>
                 <a:rPr lang="en-US" altLang="ko-KR" sz="700" b="1" dirty="0"/>
-                <a:t>Windows</a:t>
+                <a:t>Ubuntu_2</a:t>
               </a:r>
               <a:endParaRPr lang="ko-KR" altLang="en-US" sz="700" b="1" dirty="0"/>
             </a:p>
@@ -8233,7 +8509,7 @@
           <a:p>
             <a:r>
               <a:rPr lang="en-US" altLang="ko-KR" sz="3200" dirty="0"/>
-              <a:t>Linux</a:t>
+              <a:t>Windows</a:t>
             </a:r>
             <a:r>
               <a:rPr lang="ko-KR" altLang="en-US" sz="3200" dirty="0"/>
@@ -8241,12 +8517,59 @@
             </a:r>
             <a:r>
               <a:rPr lang="en-US" altLang="ko-KR" sz="3200" dirty="0"/>
-              <a:t>NTP Server</a:t>
+              <a:t>NTP</a:t>
+            </a:r>
+            <a:r>
+              <a:rPr lang="ko-KR" altLang="en-US" sz="3200" dirty="0"/>
+              <a:t> </a:t>
+            </a:r>
+            <a:r>
+              <a:rPr lang="en-US" altLang="ko-KR" sz="3200" dirty="0"/>
+              <a:t>Server</a:t>
             </a:r>
             <a:endParaRPr lang="ko-KR" altLang="en-US" sz="3200" dirty="0"/>
           </a:p>
         </p:txBody>
       </p:sp>
+      <p:pic>
+        <p:nvPicPr>
+          <p:cNvPr id="19" name="그림 18" descr="C:\Users\KETI_UnstructedWork\AppData\Local\Microsoft\Windows\INetCache\Content.MSO\21287955.tmp">
+            <a:extLst>
+              <a:ext uri="{FF2B5EF4-FFF2-40B4-BE49-F238E27FC236}">
+                <a16:creationId xmlns:a16="http://schemas.microsoft.com/office/drawing/2014/main" id="{72C8A024-D4A3-46EC-9916-9E2B9C98CAA5}"/>
+              </a:ext>
+            </a:extLst>
+          </p:cNvPr>
+          <p:cNvPicPr/>
+          <p:nvPr/>
+        </p:nvPicPr>
+        <p:blipFill>
+          <a:blip r:embed="rId2" cstate="print">
+            <a:extLst>
+              <a:ext uri="{28A0092B-C50C-407E-A947-70E740481C1C}">
+                <a14:useLocalDpi xmlns:a14="http://schemas.microsoft.com/office/drawing/2010/main" val="0"/>
+              </a:ext>
+            </a:extLst>
+          </a:blip>
+          <a:srcRect/>
+          <a:stretch>
+            <a:fillRect/>
+          </a:stretch>
+        </p:blipFill>
+        <p:spPr bwMode="auto">
+          <a:xfrm>
+            <a:off x="838200" y="2342643"/>
+            <a:ext cx="4768910" cy="3936776"/>
+          </a:xfrm>
+          <a:prstGeom prst="rect">
+            <a:avLst/>
+          </a:prstGeom>
+          <a:noFill/>
+          <a:ln>
+            <a:noFill/>
+          </a:ln>
+        </p:spPr>
+      </p:pic>
       <p:sp>
         <p:nvSpPr>
           <p:cNvPr id="3" name="TextBox 2">
@@ -8261,8 +8584,8 @@
         </p:nvSpPr>
         <p:spPr>
           <a:xfrm>
-            <a:off x="838200" y="1466032"/>
-            <a:ext cx="8508558" cy="1754326"/>
+            <a:off x="838200" y="1827954"/>
+            <a:ext cx="7800723" cy="369332"/>
           </a:xfrm>
           <a:prstGeom prst="rect">
             <a:avLst/>
@@ -8275,435 +8598,89 @@
           </a:bodyPr>
           <a:lstStyle/>
           <a:p>
-            <a:pPr lvl="0" fontAlgn="base"/>
             <a:r>
               <a:rPr lang="en-US" altLang="ko-KR" dirty="0"/>
               <a:t>1. </a:t>
             </a:r>
             <a:r>
-              <a:rPr lang="en-US" altLang="ko-KR" dirty="0" err="1"/>
-              <a:t>sudo</a:t>
+              <a:rPr lang="ko-KR" altLang="ko-KR" dirty="0"/>
+              <a:t>방화벽 실행</a:t>
             </a:r>
             <a:r>
               <a:rPr lang="en-US" altLang="ko-KR" dirty="0"/>
-              <a:t> apt-get update</a:t>
-            </a:r>
-          </a:p>
-          <a:p>
-            <a:pPr lvl="0" fontAlgn="base"/>
+              <a:t> -&gt; </a:t>
+            </a:r>
+            <a:r>
+              <a:rPr lang="ko-KR" altLang="ko-KR" dirty="0"/>
+              <a:t>고급 보안이 포함된</a:t>
+            </a:r>
             <a:r>
               <a:rPr lang="en-US" altLang="ko-KR" dirty="0"/>
-              <a:t>2. </a:t>
-            </a:r>
-            <a:r>
-              <a:rPr lang="en-US" altLang="ko-KR" dirty="0" err="1"/>
-              <a:t>sudo</a:t>
+              <a:t> Windows Defender </a:t>
+            </a:r>
+            <a:r>
+              <a:rPr lang="ko-KR" altLang="ko-KR" dirty="0"/>
+              <a:t>방화벽</a:t>
             </a:r>
             <a:r>
               <a:rPr lang="en-US" altLang="ko-KR" dirty="0"/>
-              <a:t> apt install </a:t>
-            </a:r>
-            <a:r>
-              <a:rPr lang="en-US" altLang="ko-KR" dirty="0" err="1"/>
-              <a:t>chrony</a:t>
-            </a:r>
-            <a:endParaRPr lang="en-US" altLang="ko-KR" dirty="0"/>
-          </a:p>
-          <a:p>
-            <a:pPr lvl="0" fontAlgn="base"/>
+              <a:t>' </a:t>
+            </a:r>
+            <a:r>
+              <a:rPr lang="ko-KR" altLang="ko-KR" dirty="0"/>
+              <a:t>실행</a:t>
+            </a:r>
             <a:r>
               <a:rPr lang="en-US" altLang="ko-KR" dirty="0"/>
-              <a:t>3. </a:t>
-            </a:r>
-            <a:r>
-              <a:rPr lang="en-US" altLang="ko-KR" dirty="0" err="1"/>
-              <a:t>sudo</a:t>
-            </a:r>
-            <a:r>
-              <a:rPr lang="en-US" altLang="ko-KR" dirty="0"/>
-              <a:t> </a:t>
-            </a:r>
-            <a:r>
-              <a:rPr lang="en-US" altLang="ko-KR" dirty="0" err="1"/>
-              <a:t>nano</a:t>
-            </a:r>
-            <a:r>
-              <a:rPr lang="en-US" altLang="ko-KR" dirty="0"/>
-              <a:t> /</a:t>
-            </a:r>
-            <a:r>
-              <a:rPr lang="en-US" altLang="ko-KR" dirty="0" err="1"/>
-              <a:t>etc</a:t>
-            </a:r>
-            <a:r>
-              <a:rPr lang="en-US" altLang="ko-KR" dirty="0"/>
-              <a:t>/</a:t>
-            </a:r>
-            <a:r>
-              <a:rPr lang="en-US" altLang="ko-KR" dirty="0" err="1"/>
-              <a:t>chrony</a:t>
-            </a:r>
-            <a:r>
-              <a:rPr lang="en-US" altLang="ko-KR" dirty="0"/>
-              <a:t>/</a:t>
-            </a:r>
-            <a:r>
-              <a:rPr lang="en-US" altLang="ko-KR" dirty="0" err="1"/>
-              <a:t>chrony.conf</a:t>
-            </a:r>
-            <a:r>
-              <a:rPr lang="en-US" altLang="ko-KR" dirty="0"/>
-              <a:t>(or /</a:t>
-            </a:r>
-            <a:r>
-              <a:rPr lang="en-US" altLang="ko-KR" dirty="0" err="1"/>
-              <a:t>etc</a:t>
-            </a:r>
-            <a:r>
-              <a:rPr lang="en-US" altLang="ko-KR" dirty="0"/>
-              <a:t>/</a:t>
-            </a:r>
-            <a:r>
-              <a:rPr lang="en-US" altLang="ko-KR" dirty="0" err="1"/>
-              <a:t>chrony.conf</a:t>
-            </a:r>
-            <a:r>
-              <a:rPr lang="en-US" altLang="ko-KR" dirty="0"/>
-              <a:t>) </a:t>
-            </a:r>
-            <a:r>
-              <a:rPr lang="ko-KR" altLang="en-US" dirty="0"/>
-              <a:t>수정</a:t>
-            </a:r>
-            <a:endParaRPr lang="en-US" altLang="ko-KR" dirty="0"/>
-          </a:p>
-          <a:p>
-            <a:pPr lvl="0" fontAlgn="base"/>
-            <a:r>
-              <a:rPr lang="en-US" altLang="ko-KR" dirty="0"/>
-              <a:t>4. </a:t>
-            </a:r>
-            <a:r>
-              <a:rPr lang="en-US" altLang="ko-KR" dirty="0" err="1"/>
-              <a:t>sudo</a:t>
-            </a:r>
-            <a:r>
-              <a:rPr lang="en-US" altLang="ko-KR" dirty="0"/>
-              <a:t> </a:t>
-            </a:r>
-            <a:r>
-              <a:rPr lang="en-US" altLang="ko-KR" dirty="0" err="1"/>
-              <a:t>systemctl</a:t>
-            </a:r>
-            <a:r>
-              <a:rPr lang="en-US" altLang="ko-KR" dirty="0"/>
-              <a:t> enable </a:t>
-            </a:r>
-            <a:r>
-              <a:rPr lang="en-US" altLang="ko-KR" dirty="0" err="1"/>
-              <a:t>chrony</a:t>
-            </a:r>
-            <a:r>
-              <a:rPr lang="en-US" altLang="ko-KR" dirty="0"/>
-              <a:t>    --&gt; </a:t>
-            </a:r>
-            <a:r>
-              <a:rPr lang="ko-KR" altLang="en-US" dirty="0"/>
-              <a:t>부팅 이후에도 </a:t>
-            </a:r>
-            <a:r>
-              <a:rPr lang="en-US" altLang="ko-KR" dirty="0" err="1"/>
-              <a:t>chrony</a:t>
-            </a:r>
-            <a:r>
-              <a:rPr lang="ko-KR" altLang="en-US" dirty="0"/>
-              <a:t>가 실행되도록 함</a:t>
-            </a:r>
-            <a:endParaRPr lang="en-US" altLang="ko-KR" dirty="0"/>
-          </a:p>
-          <a:p>
-            <a:pPr lvl="0" fontAlgn="base"/>
-            <a:r>
-              <a:rPr lang="en-US" altLang="ko-KR" dirty="0"/>
-              <a:t>5. </a:t>
-            </a:r>
-            <a:r>
-              <a:rPr lang="en-US" altLang="ko-KR" dirty="0" err="1"/>
-              <a:t>sudo</a:t>
-            </a:r>
-            <a:r>
-              <a:rPr lang="en-US" altLang="ko-KR" dirty="0"/>
-              <a:t> </a:t>
-            </a:r>
-            <a:r>
-              <a:rPr lang="en-US" altLang="ko-KR" dirty="0" err="1"/>
-              <a:t>systemctl</a:t>
-            </a:r>
-            <a:r>
-              <a:rPr lang="en-US" altLang="ko-KR" dirty="0"/>
-              <a:t> start </a:t>
-            </a:r>
-            <a:r>
-              <a:rPr lang="en-US" altLang="ko-KR" dirty="0" err="1"/>
-              <a:t>chrony</a:t>
-            </a:r>
-            <a:endParaRPr lang="en-US" altLang="ko-KR" dirty="0"/>
-          </a:p>
-          <a:p>
-            <a:pPr lvl="0" fontAlgn="base"/>
+              <a:t> </a:t>
+            </a:r>
             <a:endParaRPr lang="ko-KR" altLang="ko-KR" dirty="0"/>
           </a:p>
         </p:txBody>
       </p:sp>
-      <p:grpSp>
-        <p:nvGrpSpPr>
-          <p:cNvPr id="25" name="그룹 24">
-            <a:extLst>
-              <a:ext uri="{FF2B5EF4-FFF2-40B4-BE49-F238E27FC236}">
-                <a16:creationId xmlns:a16="http://schemas.microsoft.com/office/drawing/2014/main" id="{98D16406-A322-4E8D-9706-B4EE005C6057}"/>
-              </a:ext>
-            </a:extLst>
-          </p:cNvPr>
-          <p:cNvGrpSpPr/>
+      <p:pic>
+        <p:nvPicPr>
+          <p:cNvPr id="25" name="그림 24" descr="C:\Users\KETI_UnstructedWork\AppData\Local\Microsoft\Windows\INetCache\Content.MSO\9D040B2B.tmp">
+            <a:extLst>
+              <a:ext uri="{FF2B5EF4-FFF2-40B4-BE49-F238E27FC236}">
+                <a16:creationId xmlns:a16="http://schemas.microsoft.com/office/drawing/2014/main" id="{D3B124BF-904F-463C-8D69-EC70AD26BCC2}"/>
+              </a:ext>
+            </a:extLst>
+          </p:cNvPr>
+          <p:cNvPicPr/>
           <p:nvPr/>
-        </p:nvGrpSpPr>
-        <p:grpSpPr>
+        </p:nvPicPr>
+        <p:blipFill>
+          <a:blip r:embed="rId3" cstate="print">
+            <a:extLst>
+              <a:ext uri="{28A0092B-C50C-407E-A947-70E740481C1C}">
+                <a14:useLocalDpi xmlns:a14="http://schemas.microsoft.com/office/drawing/2010/main" val="0"/>
+              </a:ext>
+            </a:extLst>
+          </a:blip>
+          <a:srcRect/>
+          <a:stretch>
+            <a:fillRect/>
+          </a:stretch>
+        </p:blipFill>
+        <p:spPr bwMode="auto">
           <a:xfrm>
-            <a:off x="6881851" y="3744401"/>
-            <a:ext cx="4299008" cy="2295356"/>
-            <a:chOff x="7365556" y="3148907"/>
-            <a:chExt cx="4299008" cy="2295356"/>
-          </a:xfrm>
-        </p:grpSpPr>
-        <p:pic>
-          <p:nvPicPr>
-            <p:cNvPr id="9" name="그림 8">
-              <a:extLst>
-                <a:ext uri="{FF2B5EF4-FFF2-40B4-BE49-F238E27FC236}">
-                  <a16:creationId xmlns:a16="http://schemas.microsoft.com/office/drawing/2014/main" id="{1D001BBC-BA93-46D8-9832-B78CB9F20F60}"/>
-                </a:ext>
-              </a:extLst>
-            </p:cNvPr>
-            <p:cNvPicPr>
-              <a:picLocks noChangeAspect="1"/>
-            </p:cNvPicPr>
-            <p:nvPr/>
-          </p:nvPicPr>
-          <p:blipFill>
-            <a:blip r:embed="rId2"/>
-            <a:stretch>
-              <a:fillRect/>
-            </a:stretch>
-          </p:blipFill>
-          <p:spPr>
-            <a:xfrm>
-              <a:off x="7365556" y="3148907"/>
-              <a:ext cx="4299008" cy="2110690"/>
-            </a:xfrm>
-            <a:prstGeom prst="rect">
-              <a:avLst/>
-            </a:prstGeom>
-          </p:spPr>
-        </p:pic>
-        <p:sp>
-          <p:nvSpPr>
-            <p:cNvPr id="21" name="직사각형 20">
-              <a:extLst>
-                <a:ext uri="{FF2B5EF4-FFF2-40B4-BE49-F238E27FC236}">
-                  <a16:creationId xmlns:a16="http://schemas.microsoft.com/office/drawing/2014/main" id="{5EA86BFC-FA43-4C7F-9BA8-3FC4F9BFCB1F}"/>
-                </a:ext>
-              </a:extLst>
-            </p:cNvPr>
-            <p:cNvSpPr/>
-            <p:nvPr/>
-          </p:nvSpPr>
-          <p:spPr>
-            <a:xfrm>
-              <a:off x="9604385" y="5259597"/>
-              <a:ext cx="2060179" cy="184666"/>
-            </a:xfrm>
-            <a:prstGeom prst="rect">
-              <a:avLst/>
-            </a:prstGeom>
-          </p:spPr>
-          <p:txBody>
-            <a:bodyPr wrap="none">
-              <a:spAutoFit/>
-            </a:bodyPr>
-            <a:lstStyle/>
-            <a:p>
-              <a:r>
-                <a:rPr lang="ko-KR" altLang="en-US" sz="600" dirty="0">
-                  <a:hlinkClick r:id="rId3"/>
-                </a:rPr>
-                <a:t>https://chrony.tuxfamily.org/doc/3.4/chrony.conf.html</a:t>
-              </a:r>
-              <a:endParaRPr lang="ko-KR" altLang="en-US" sz="600" dirty="0"/>
-            </a:p>
-          </p:txBody>
-        </p:sp>
-      </p:grpSp>
-      <p:grpSp>
-        <p:nvGrpSpPr>
-          <p:cNvPr id="24" name="그룹 23">
-            <a:extLst>
-              <a:ext uri="{FF2B5EF4-FFF2-40B4-BE49-F238E27FC236}">
-                <a16:creationId xmlns:a16="http://schemas.microsoft.com/office/drawing/2014/main" id="{9E675D14-FC1D-4993-9005-F025C47B3A8C}"/>
-              </a:ext>
-            </a:extLst>
-          </p:cNvPr>
-          <p:cNvGrpSpPr/>
-          <p:nvPr/>
-        </p:nvGrpSpPr>
-        <p:grpSpPr>
-          <a:xfrm>
-            <a:off x="1324443" y="3086794"/>
-            <a:ext cx="3881785" cy="3661672"/>
-            <a:chOff x="634754" y="2275762"/>
-            <a:chExt cx="3881785" cy="3661672"/>
-          </a:xfrm>
-        </p:grpSpPr>
-        <p:pic>
-          <p:nvPicPr>
-            <p:cNvPr id="20" name="그림 19">
-              <a:extLst>
-                <a:ext uri="{FF2B5EF4-FFF2-40B4-BE49-F238E27FC236}">
-                  <a16:creationId xmlns:a16="http://schemas.microsoft.com/office/drawing/2014/main" id="{0ECFB8A6-47B1-4A29-83F8-21D73E9DC932}"/>
-                </a:ext>
-              </a:extLst>
-            </p:cNvPr>
-            <p:cNvPicPr>
-              <a:picLocks noChangeAspect="1"/>
-            </p:cNvPicPr>
-            <p:nvPr/>
-          </p:nvPicPr>
-          <p:blipFill>
-            <a:blip r:embed="rId4"/>
-            <a:stretch>
-              <a:fillRect/>
-            </a:stretch>
-          </p:blipFill>
-          <p:spPr>
-            <a:xfrm>
-              <a:off x="634755" y="2275762"/>
-              <a:ext cx="3881784" cy="3477006"/>
-            </a:xfrm>
-            <a:prstGeom prst="rect">
-              <a:avLst/>
-            </a:prstGeom>
-          </p:spPr>
-        </p:pic>
-        <p:sp>
-          <p:nvSpPr>
-            <p:cNvPr id="22" name="직사각형 21">
-              <a:extLst>
-                <a:ext uri="{FF2B5EF4-FFF2-40B4-BE49-F238E27FC236}">
-                  <a16:creationId xmlns:a16="http://schemas.microsoft.com/office/drawing/2014/main" id="{095ACDDC-AD75-415C-8395-727296805677}"/>
-                </a:ext>
-              </a:extLst>
-            </p:cNvPr>
-            <p:cNvSpPr/>
-            <p:nvPr/>
-          </p:nvSpPr>
-          <p:spPr>
-            <a:xfrm>
-              <a:off x="634755" y="5752768"/>
-              <a:ext cx="2434742" cy="184666"/>
-            </a:xfrm>
-            <a:prstGeom prst="rect">
-              <a:avLst/>
-            </a:prstGeom>
-          </p:spPr>
-          <p:txBody>
-            <a:bodyPr wrap="square">
-              <a:spAutoFit/>
-            </a:bodyPr>
-            <a:lstStyle/>
-            <a:p>
-              <a:r>
-                <a:rPr lang="en-US" altLang="ko-KR" sz="600" dirty="0"/>
-                <a:t>allow</a:t>
-              </a:r>
-              <a:r>
-                <a:rPr lang="ko-KR" altLang="en-US" sz="600" dirty="0"/>
-                <a:t>를 설정해준 </a:t>
-              </a:r>
-              <a:r>
-                <a:rPr lang="en-US" altLang="ko-KR" sz="600" dirty="0"/>
-                <a:t>NTP Client IP</a:t>
-              </a:r>
-              <a:r>
-                <a:rPr lang="ko-KR" altLang="en-US" sz="600" dirty="0"/>
-                <a:t>만 </a:t>
-              </a:r>
-              <a:r>
-                <a:rPr lang="en-US" altLang="ko-KR" sz="600" dirty="0"/>
-                <a:t>NTP Server</a:t>
-              </a:r>
-              <a:r>
-                <a:rPr lang="ko-KR" altLang="en-US" sz="600" dirty="0"/>
-                <a:t>에 시간 동기화 가능  </a:t>
-              </a:r>
-            </a:p>
-          </p:txBody>
-        </p:sp>
-        <p:sp>
-          <p:nvSpPr>
-            <p:cNvPr id="23" name="직사각형 22">
-              <a:extLst>
-                <a:ext uri="{FF2B5EF4-FFF2-40B4-BE49-F238E27FC236}">
-                  <a16:creationId xmlns:a16="http://schemas.microsoft.com/office/drawing/2014/main" id="{6C02B89B-1F32-4EC2-8163-AB38D917CD9D}"/>
-                </a:ext>
-              </a:extLst>
-            </p:cNvPr>
-            <p:cNvSpPr/>
-            <p:nvPr/>
-          </p:nvSpPr>
-          <p:spPr>
-            <a:xfrm>
-              <a:off x="634754" y="3805432"/>
-              <a:ext cx="685163" cy="184666"/>
-            </a:xfrm>
-            <a:prstGeom prst="rect">
-              <a:avLst/>
-            </a:prstGeom>
+            <a:off x="5903637" y="2853267"/>
+            <a:ext cx="4654576" cy="2463430"/>
+          </a:xfrm>
+          <a:prstGeom prst="rect">
+            <a:avLst/>
+          </a:prstGeom>
+          <a:noFill/>
+          <a:ln>
             <a:noFill/>
-            <a:ln>
-              <a:solidFill>
-                <a:srgbClr val="FF0000"/>
-              </a:solidFill>
-            </a:ln>
-          </p:spPr>
-          <p:style>
-            <a:lnRef idx="2">
-              <a:schemeClr val="accent1">
-                <a:shade val="50000"/>
-              </a:schemeClr>
-            </a:lnRef>
-            <a:fillRef idx="1">
-              <a:schemeClr val="accent1"/>
-            </a:fillRef>
-            <a:effectRef idx="0">
-              <a:schemeClr val="accent1"/>
-            </a:effectRef>
-            <a:fontRef idx="minor">
-              <a:schemeClr val="lt1"/>
-            </a:fontRef>
-          </p:style>
-          <p:txBody>
-            <a:bodyPr rtlCol="0" anchor="ctr"/>
-            <a:lstStyle/>
-            <a:p>
-              <a:pPr algn="ctr"/>
-              <a:endParaRPr lang="ko-KR" altLang="en-US" dirty="0"/>
-            </a:p>
-          </p:txBody>
-        </p:sp>
-      </p:grpSp>
+          </a:ln>
+        </p:spPr>
+      </p:pic>
     </p:spTree>
     <p:extLst>
       <p:ext uri="{BB962C8B-B14F-4D97-AF65-F5344CB8AC3E}">
-        <p14:creationId xmlns:p14="http://schemas.microsoft.com/office/powerpoint/2010/main" val="1872599803"/>
+        <p14:creationId xmlns:p14="http://schemas.microsoft.com/office/powerpoint/2010/main" val="2881201960"/>
       </p:ext>
     </p:extLst>
   </p:cSld>
@@ -8771,7 +8748,7 @@
             </a:r>
             <a:r>
               <a:rPr lang="en-US" altLang="ko-KR" sz="3200" dirty="0"/>
-              <a:t>Client</a:t>
+              <a:t>Server</a:t>
             </a:r>
             <a:endParaRPr lang="ko-KR" altLang="en-US" sz="3200" dirty="0"/>
           </a:p>
@@ -8792,7 +8769,7 @@
         <p:spPr>
           <a:xfrm>
             <a:off x="838200" y="1827954"/>
-            <a:ext cx="7800723" cy="369332"/>
+            <a:ext cx="10320717" cy="369332"/>
           </a:xfrm>
           <a:prstGeom prst="rect">
             <a:avLst/>
@@ -8807,418 +8784,107 @@
           <a:p>
             <a:r>
               <a:rPr lang="en-US" altLang="ko-KR" dirty="0"/>
-              <a:t>1. </a:t>
-            </a:r>
-            <a:r>
-              <a:rPr lang="ko-KR" altLang="en-US" dirty="0"/>
-              <a:t>명령 프롬프트</a:t>
-            </a:r>
-            <a:r>
-              <a:rPr lang="en-US" altLang="ko-KR" dirty="0"/>
-              <a:t>(CMD)</a:t>
-            </a:r>
-            <a:r>
-              <a:rPr lang="ko-KR" altLang="en-US" dirty="0"/>
-              <a:t>를 관리자 권한으로 실행 </a:t>
+              <a:t>2. </a:t>
+            </a:r>
+            <a:r>
+              <a:rPr lang="ko-KR" altLang="ko-KR" dirty="0" err="1"/>
+              <a:t>인바운드</a:t>
             </a:r>
             <a:r>
               <a:rPr lang="en-US" altLang="ko-KR" dirty="0"/>
               <a:t> </a:t>
             </a:r>
-            <a:endParaRPr lang="ko-KR" altLang="ko-KR" dirty="0"/>
-          </a:p>
-        </p:txBody>
-      </p:sp>
-      <p:grpSp>
-        <p:nvGrpSpPr>
-          <p:cNvPr id="5" name="그룹 4">
-            <a:extLst>
-              <a:ext uri="{FF2B5EF4-FFF2-40B4-BE49-F238E27FC236}">
-                <a16:creationId xmlns:a16="http://schemas.microsoft.com/office/drawing/2014/main" id="{0003366A-EE9D-4780-B2B1-DAE8C2B3FF6D}"/>
-              </a:ext>
-            </a:extLst>
-          </p:cNvPr>
-          <p:cNvGrpSpPr/>
-          <p:nvPr/>
-        </p:nvGrpSpPr>
-        <p:grpSpPr>
-          <a:xfrm>
-            <a:off x="574399" y="2334552"/>
-            <a:ext cx="3494101" cy="2857214"/>
-            <a:chOff x="1718677" y="2226830"/>
-            <a:chExt cx="4771446" cy="3901731"/>
-          </a:xfrm>
-        </p:grpSpPr>
-        <p:sp>
-          <p:nvSpPr>
-            <p:cNvPr id="7" name="직사각형 6">
-              <a:extLst>
-                <a:ext uri="{FF2B5EF4-FFF2-40B4-BE49-F238E27FC236}">
-                  <a16:creationId xmlns:a16="http://schemas.microsoft.com/office/drawing/2014/main" id="{9C046B3C-7D9A-4F0D-AF53-8B6779F317D8}"/>
-                </a:ext>
-              </a:extLst>
-            </p:cNvPr>
-            <p:cNvSpPr/>
-            <p:nvPr/>
-          </p:nvSpPr>
-          <p:spPr>
-            <a:xfrm>
-              <a:off x="1718678" y="5834357"/>
-              <a:ext cx="3157099" cy="294204"/>
-            </a:xfrm>
-            <a:prstGeom prst="rect">
-              <a:avLst/>
-            </a:prstGeom>
-          </p:spPr>
-          <p:txBody>
-            <a:bodyPr wrap="square">
-              <a:spAutoFit/>
-            </a:bodyPr>
-            <a:lstStyle/>
-            <a:p>
-              <a:r>
-                <a:rPr lang="en-US" altLang="ko-KR" sz="800" dirty="0"/>
-                <a:t>w32tm /</a:t>
-              </a:r>
-              <a:r>
-                <a:rPr lang="en-US" altLang="ko-KR" sz="800" dirty="0" err="1"/>
-                <a:t>dumpreg</a:t>
-              </a:r>
-              <a:r>
-                <a:rPr lang="en-US" altLang="ko-KR" sz="800" dirty="0"/>
-                <a:t> /</a:t>
-              </a:r>
-              <a:r>
-                <a:rPr lang="en-US" altLang="ko-KR" sz="800" dirty="0" err="1"/>
-                <a:t>subkey:Parameters</a:t>
-              </a:r>
-              <a:endParaRPr lang="ko-KR" altLang="en-US" sz="800" dirty="0"/>
-            </a:p>
-          </p:txBody>
-        </p:sp>
-        <p:grpSp>
-          <p:nvGrpSpPr>
-            <p:cNvPr id="4" name="그룹 3">
-              <a:extLst>
-                <a:ext uri="{FF2B5EF4-FFF2-40B4-BE49-F238E27FC236}">
-                  <a16:creationId xmlns:a16="http://schemas.microsoft.com/office/drawing/2014/main" id="{CDB6BB19-7246-4D54-A09B-4A070CBE4F0F}"/>
-                </a:ext>
-              </a:extLst>
-            </p:cNvPr>
-            <p:cNvGrpSpPr/>
-            <p:nvPr/>
-          </p:nvGrpSpPr>
-          <p:grpSpPr>
-            <a:xfrm>
-              <a:off x="1721388" y="2467634"/>
-              <a:ext cx="4768735" cy="3366722"/>
-              <a:chOff x="1721388" y="2467634"/>
-              <a:chExt cx="4768735" cy="3366722"/>
-            </a:xfrm>
-          </p:grpSpPr>
-          <p:pic>
-            <p:nvPicPr>
-              <p:cNvPr id="6" name="그림 5">
-                <a:extLst>
-                  <a:ext uri="{FF2B5EF4-FFF2-40B4-BE49-F238E27FC236}">
-                    <a16:creationId xmlns:a16="http://schemas.microsoft.com/office/drawing/2014/main" id="{2837B553-6C24-4C30-9D80-F80CEEA447F4}"/>
-                  </a:ext>
-                </a:extLst>
-              </p:cNvPr>
-              <p:cNvPicPr>
-                <a:picLocks noChangeAspect="1"/>
-              </p:cNvPicPr>
-              <p:nvPr/>
-            </p:nvPicPr>
-            <p:blipFill rotWithShape="1">
-              <a:blip r:embed="rId2"/>
-              <a:srcRect r="31783"/>
-              <a:stretch/>
-            </p:blipFill>
-            <p:spPr>
-              <a:xfrm>
-                <a:off x="1721388" y="2467634"/>
-                <a:ext cx="4768735" cy="3366722"/>
-              </a:xfrm>
-              <a:prstGeom prst="rect">
-                <a:avLst/>
-              </a:prstGeom>
-            </p:spPr>
-          </p:pic>
-          <p:sp>
-            <p:nvSpPr>
-              <p:cNvPr id="8" name="직사각형 7">
-                <a:extLst>
-                  <a:ext uri="{FF2B5EF4-FFF2-40B4-BE49-F238E27FC236}">
-                    <a16:creationId xmlns:a16="http://schemas.microsoft.com/office/drawing/2014/main" id="{32D4256B-F405-4B4B-9090-EB7E8BE6E203}"/>
-                  </a:ext>
-                </a:extLst>
-              </p:cNvPr>
-              <p:cNvSpPr/>
-              <p:nvPr/>
-            </p:nvSpPr>
-            <p:spPr>
-              <a:xfrm>
-                <a:off x="4423115" y="3953115"/>
-                <a:ext cx="1238214" cy="141807"/>
-              </a:xfrm>
-              <a:prstGeom prst="rect">
-                <a:avLst/>
-              </a:prstGeom>
-              <a:noFill/>
-              <a:ln>
+            <a:r>
+              <a:rPr lang="ko-KR" altLang="ko-KR" dirty="0"/>
+              <a:t>규칙에 마우스 오른쪽 버튼을 누르고</a:t>
+            </a:r>
+            <a:r>
+              <a:rPr lang="en-US" altLang="ko-KR" dirty="0"/>
+              <a:t> '</a:t>
+            </a:r>
+            <a:r>
+              <a:rPr lang="ko-KR" altLang="ko-KR" dirty="0"/>
+              <a:t>새 규칙</a:t>
+            </a:r>
+            <a:r>
+              <a:rPr lang="en-US" altLang="ko-KR" dirty="0"/>
+              <a:t>' </a:t>
+            </a:r>
+            <a:r>
+              <a:rPr lang="ko-KR" altLang="ko-KR" dirty="0"/>
+              <a:t>클릭</a:t>
+            </a:r>
+            <a:r>
+              <a:rPr lang="en-US" altLang="ko-KR" dirty="0"/>
+              <a:t>(</a:t>
+            </a:r>
+            <a:r>
+              <a:rPr lang="ko-KR" altLang="ko-KR" dirty="0" err="1">
                 <a:solidFill>
                   <a:srgbClr val="FF0000"/>
                 </a:solidFill>
-              </a:ln>
-            </p:spPr>
-            <p:style>
-              <a:lnRef idx="2">
-                <a:schemeClr val="accent1">
-                  <a:shade val="50000"/>
-                </a:schemeClr>
-              </a:lnRef>
-              <a:fillRef idx="1">
-                <a:schemeClr val="accent1"/>
-              </a:fillRef>
-              <a:effectRef idx="0">
-                <a:schemeClr val="accent1"/>
-              </a:effectRef>
-              <a:fontRef idx="minor">
-                <a:schemeClr val="lt1"/>
-              </a:fontRef>
-            </p:style>
-            <p:txBody>
-              <a:bodyPr rtlCol="0" anchor="ctr"/>
-              <a:lstStyle/>
-              <a:p>
-                <a:pPr algn="ctr"/>
-                <a:endParaRPr lang="ko-KR" altLang="en-US" dirty="0"/>
-              </a:p>
-            </p:txBody>
-          </p:sp>
-        </p:grpSp>
-        <p:sp>
-          <p:nvSpPr>
-            <p:cNvPr id="10" name="직사각형 9">
-              <a:extLst>
-                <a:ext uri="{FF2B5EF4-FFF2-40B4-BE49-F238E27FC236}">
-                  <a16:creationId xmlns:a16="http://schemas.microsoft.com/office/drawing/2014/main" id="{9A1A6A59-AE4B-41B5-AB4C-D7AAD4B81251}"/>
-                </a:ext>
-              </a:extLst>
-            </p:cNvPr>
-            <p:cNvSpPr/>
-            <p:nvPr/>
-          </p:nvSpPr>
-          <p:spPr>
-            <a:xfrm>
-              <a:off x="1718677" y="2226830"/>
-              <a:ext cx="1919277" cy="294204"/>
-            </a:xfrm>
-            <a:prstGeom prst="rect">
-              <a:avLst/>
-            </a:prstGeom>
-          </p:spPr>
-          <p:txBody>
-            <a:bodyPr wrap="square">
-              <a:spAutoFit/>
-            </a:bodyPr>
-            <a:lstStyle/>
-            <a:p>
-              <a:r>
-                <a:rPr lang="ko-KR" altLang="en-US" sz="800" dirty="0"/>
-                <a:t>수정 전 </a:t>
-              </a:r>
-              <a:r>
-                <a:rPr lang="en-US" altLang="ko-KR" sz="800" dirty="0"/>
-                <a:t>NTP </a:t>
-              </a:r>
-              <a:r>
-                <a:rPr lang="ko-KR" altLang="en-US" sz="800" dirty="0"/>
-                <a:t>외부 서버</a:t>
-              </a:r>
-            </a:p>
-          </p:txBody>
-        </p:sp>
-      </p:grpSp>
+              </a:rPr>
+              <a:t>아웃바운드</a:t>
+            </a:r>
+            <a:r>
+              <a:rPr lang="en-US" altLang="ko-KR" dirty="0"/>
+              <a:t> </a:t>
+            </a:r>
+            <a:r>
+              <a:rPr lang="ko-KR" altLang="ko-KR" dirty="0"/>
+              <a:t>규칙도 동일하게 진행</a:t>
+            </a:r>
+            <a:r>
+              <a:rPr lang="en-US" altLang="ko-KR" dirty="0"/>
+              <a:t>)</a:t>
+            </a:r>
+            <a:endParaRPr lang="ko-KR" altLang="ko-KR" dirty="0"/>
+          </a:p>
+        </p:txBody>
+      </p:sp>
       <p:pic>
         <p:nvPicPr>
-          <p:cNvPr id="13" name="그림 12">
-            <a:extLst>
-              <a:ext uri="{FF2B5EF4-FFF2-40B4-BE49-F238E27FC236}">
-                <a16:creationId xmlns:a16="http://schemas.microsoft.com/office/drawing/2014/main" id="{44CCBE96-7F77-4AF6-ABC1-0DA2F555CC6C}"/>
-              </a:ext>
-            </a:extLst>
-          </p:cNvPr>
-          <p:cNvPicPr>
-            <a:picLocks noChangeAspect="1"/>
-          </p:cNvPicPr>
+          <p:cNvPr id="7" name="그림 6" descr="C:\Users\KETI_UnstructedWork\AppData\Local\Microsoft\Windows\INetCache\Content.MSO\6A303971.tmp">
+            <a:extLst>
+              <a:ext uri="{FF2B5EF4-FFF2-40B4-BE49-F238E27FC236}">
+                <a16:creationId xmlns:a16="http://schemas.microsoft.com/office/drawing/2014/main" id="{BA0CD1A2-7BA9-47CB-A126-BAB8C3DFC9CD}"/>
+              </a:ext>
+            </a:extLst>
+          </p:cNvPr>
+          <p:cNvPicPr/>
           <p:nvPr/>
         </p:nvPicPr>
-        <p:blipFill rotWithShape="1">
-          <a:blip r:embed="rId3"/>
-          <a:srcRect r="19201"/>
-          <a:stretch/>
+        <p:blipFill>
+          <a:blip r:embed="rId2" cstate="print">
+            <a:extLst>
+              <a:ext uri="{28A0092B-C50C-407E-A947-70E740481C1C}">
+                <a14:useLocalDpi xmlns:a14="http://schemas.microsoft.com/office/drawing/2010/main" val="0"/>
+              </a:ext>
+            </a:extLst>
+          </a:blip>
+          <a:srcRect/>
+          <a:stretch>
+            <a:fillRect/>
+          </a:stretch>
         </p:blipFill>
-        <p:spPr>
+        <p:spPr bwMode="auto">
           <a:xfrm>
-            <a:off x="4478532" y="2510891"/>
-            <a:ext cx="4092974" cy="2439650"/>
-          </a:xfrm>
-          <a:prstGeom prst="rect">
-            <a:avLst/>
-          </a:prstGeom>
-        </p:spPr>
-      </p:pic>
-      <p:sp>
-        <p:nvSpPr>
-          <p:cNvPr id="14" name="직사각형 13">
-            <a:extLst>
-              <a:ext uri="{FF2B5EF4-FFF2-40B4-BE49-F238E27FC236}">
-                <a16:creationId xmlns:a16="http://schemas.microsoft.com/office/drawing/2014/main" id="{E5832BA1-A0AD-4CB7-8D81-E348F2854911}"/>
-              </a:ext>
-            </a:extLst>
-          </p:cNvPr>
-          <p:cNvSpPr/>
-          <p:nvPr/>
-        </p:nvSpPr>
-        <p:spPr>
-          <a:xfrm>
-            <a:off x="4478532" y="4950541"/>
-            <a:ext cx="3778898" cy="215444"/>
-          </a:xfrm>
-          <a:prstGeom prst="rect">
-            <a:avLst/>
-          </a:prstGeom>
-        </p:spPr>
-        <p:txBody>
-          <a:bodyPr wrap="square">
-            <a:spAutoFit/>
-          </a:bodyPr>
-          <a:lstStyle/>
-          <a:p>
-            <a:r>
-              <a:rPr lang="en-US" altLang="ko-KR" sz="800" dirty="0"/>
-              <a:t>w32tm /config /</a:t>
-            </a:r>
-            <a:r>
-              <a:rPr lang="en-US" altLang="ko-KR" sz="800" dirty="0" err="1"/>
-              <a:t>syncfromflags:manual</a:t>
-            </a:r>
-            <a:r>
-              <a:rPr lang="en-US" altLang="ko-KR" sz="800" dirty="0"/>
-              <a:t> /manualpeerlist:10.252.101.191 /update</a:t>
-            </a:r>
-            <a:endParaRPr lang="ko-KR" altLang="en-US" sz="800" dirty="0"/>
-          </a:p>
-        </p:txBody>
-      </p:sp>
-      <p:sp>
-        <p:nvSpPr>
-          <p:cNvPr id="15" name="직사각형 14">
-            <a:extLst>
-              <a:ext uri="{FF2B5EF4-FFF2-40B4-BE49-F238E27FC236}">
-                <a16:creationId xmlns:a16="http://schemas.microsoft.com/office/drawing/2014/main" id="{423EBA68-78BD-4A94-91E3-B8B3582CB5D0}"/>
-              </a:ext>
-            </a:extLst>
-          </p:cNvPr>
-          <p:cNvSpPr/>
-          <p:nvPr/>
-        </p:nvSpPr>
-        <p:spPr>
-          <a:xfrm>
-            <a:off x="4478532" y="2295447"/>
-            <a:ext cx="2343054" cy="215444"/>
-          </a:xfrm>
-          <a:prstGeom prst="rect">
-            <a:avLst/>
-          </a:prstGeom>
-        </p:spPr>
-        <p:txBody>
-          <a:bodyPr wrap="square">
-            <a:spAutoFit/>
-          </a:bodyPr>
-          <a:lstStyle/>
-          <a:p>
-            <a:r>
-              <a:rPr lang="ko-KR" altLang="en-US" sz="800" dirty="0"/>
-              <a:t>기본 </a:t>
-            </a:r>
-            <a:r>
-              <a:rPr lang="en-US" altLang="ko-KR" sz="800" dirty="0"/>
-              <a:t>NTP </a:t>
-            </a:r>
-            <a:r>
-              <a:rPr lang="ko-KR" altLang="en-US" sz="800" dirty="0"/>
-              <a:t>서버에서 원하는 </a:t>
-            </a:r>
-            <a:r>
-              <a:rPr lang="en-US" altLang="ko-KR" sz="800" dirty="0"/>
-              <a:t>NTP </a:t>
-            </a:r>
-            <a:r>
-              <a:rPr lang="ko-KR" altLang="en-US" sz="800" dirty="0"/>
-              <a:t>서버로 설정</a:t>
-            </a:r>
-          </a:p>
-        </p:txBody>
-      </p:sp>
-      <p:sp>
-        <p:nvSpPr>
-          <p:cNvPr id="17" name="직사각형 16">
-            <a:extLst>
-              <a:ext uri="{FF2B5EF4-FFF2-40B4-BE49-F238E27FC236}">
-                <a16:creationId xmlns:a16="http://schemas.microsoft.com/office/drawing/2014/main" id="{AAE9AA8B-807B-407E-A012-2FB48BB12736}"/>
-              </a:ext>
-            </a:extLst>
-          </p:cNvPr>
-          <p:cNvSpPr/>
-          <p:nvPr/>
-        </p:nvSpPr>
-        <p:spPr>
-          <a:xfrm>
-            <a:off x="7510007" y="3926029"/>
-            <a:ext cx="632240" cy="97331"/>
+            <a:off x="3473745" y="2728567"/>
+            <a:ext cx="4640210" cy="3453572"/>
           </a:xfrm>
           <a:prstGeom prst="rect">
             <a:avLst/>
           </a:prstGeom>
           <a:noFill/>
           <a:ln>
-            <a:solidFill>
-              <a:srgbClr val="FF0000"/>
-            </a:solidFill>
+            <a:noFill/>
           </a:ln>
         </p:spPr>
-        <p:style>
-          <a:lnRef idx="2">
-            <a:schemeClr val="accent1">
-              <a:shade val="50000"/>
-            </a:schemeClr>
-          </a:lnRef>
-          <a:fillRef idx="1">
-            <a:schemeClr val="accent1"/>
-          </a:fillRef>
-          <a:effectRef idx="0">
-            <a:schemeClr val="accent1"/>
-          </a:effectRef>
-          <a:fontRef idx="minor">
-            <a:schemeClr val="lt1"/>
-          </a:fontRef>
-        </p:style>
-        <p:txBody>
-          <a:bodyPr rtlCol="0" anchor="ctr"/>
-          <a:lstStyle/>
-          <a:p>
-            <a:pPr algn="ctr"/>
-            <a:endParaRPr lang="ko-KR" altLang="en-US" dirty="0"/>
-          </a:p>
-        </p:txBody>
-      </p:sp>
+      </p:pic>
     </p:spTree>
     <p:extLst>
       <p:ext uri="{BB962C8B-B14F-4D97-AF65-F5344CB8AC3E}">
-        <p14:creationId xmlns:p14="http://schemas.microsoft.com/office/powerpoint/2010/main" val="2881201960"/>
+        <p14:creationId xmlns:p14="http://schemas.microsoft.com/office/powerpoint/2010/main" val="1587352459"/>
       </p:ext>
     </p:extLst>
   </p:cSld>
@@ -9286,7 +8952,7 @@
             </a:r>
             <a:r>
               <a:rPr lang="en-US" altLang="ko-KR" sz="3200" dirty="0"/>
-              <a:t>Client</a:t>
+              <a:t>Server</a:t>
             </a:r>
             <a:endParaRPr lang="ko-KR" altLang="en-US" sz="3200" dirty="0"/>
           </a:p>
@@ -9307,7 +8973,7 @@
         <p:spPr>
           <a:xfrm>
             <a:off x="838200" y="1827954"/>
-            <a:ext cx="10620122" cy="646331"/>
+            <a:ext cx="10320717" cy="369332"/>
           </a:xfrm>
           <a:prstGeom prst="rect">
             <a:avLst/>
@@ -9320,479 +8986,238 @@
           </a:bodyPr>
           <a:lstStyle/>
           <a:p>
+            <a:pPr lvl="0" fontAlgn="base"/>
             <a:r>
               <a:rPr lang="en-US" altLang="ko-KR" dirty="0"/>
-              <a:t>2. </a:t>
-            </a:r>
-            <a:r>
-              <a:rPr lang="ko-KR" altLang="en-US" dirty="0"/>
-              <a:t>레지스트리 편집기에서 </a:t>
-            </a:r>
-            <a:r>
-              <a:rPr lang="en-US" altLang="ko-KR" dirty="0" err="1"/>
-              <a:t>SpecialPollInterval</a:t>
+              <a:t>3. </a:t>
+            </a:r>
+            <a:r>
+              <a:rPr lang="ko-KR" altLang="ko-KR" dirty="0"/>
+              <a:t>새</a:t>
             </a:r>
             <a:r>
               <a:rPr lang="en-US" altLang="ko-KR" dirty="0"/>
-              <a:t>(258), </a:t>
-            </a:r>
-            <a:r>
-              <a:rPr lang="en-US" altLang="ko-KR" dirty="0" err="1"/>
-              <a:t>MaxPosPhaseCorrection</a:t>
+              <a:t> </a:t>
+            </a:r>
+            <a:r>
+              <a:rPr lang="ko-KR" altLang="ko-KR" dirty="0" err="1"/>
+              <a:t>인바운드</a:t>
             </a:r>
             <a:r>
               <a:rPr lang="en-US" altLang="ko-KR" dirty="0"/>
-              <a:t>(258), </a:t>
-            </a:r>
-            <a:r>
-              <a:rPr lang="en-US" altLang="ko-KR" dirty="0" err="1"/>
-              <a:t>MaxNegPhaseCorrection</a:t>
+              <a:t> </a:t>
+            </a:r>
+            <a:r>
+              <a:rPr lang="ko-KR" altLang="ko-KR" dirty="0"/>
+              <a:t>규칙 생성</a:t>
             </a:r>
             <a:r>
               <a:rPr lang="en-US" altLang="ko-KR" dirty="0"/>
-              <a:t>(258) </a:t>
-            </a:r>
-            <a:r>
-              <a:rPr lang="ko-KR" altLang="en-US" dirty="0"/>
-              <a:t>수정</a:t>
+              <a:t>  </a:t>
             </a:r>
             <a:endParaRPr lang="ko-KR" altLang="ko-KR" dirty="0"/>
           </a:p>
         </p:txBody>
       </p:sp>
-      <p:grpSp>
-        <p:nvGrpSpPr>
-          <p:cNvPr id="17" name="그룹 16">
-            <a:extLst>
-              <a:ext uri="{FF2B5EF4-FFF2-40B4-BE49-F238E27FC236}">
-                <a16:creationId xmlns:a16="http://schemas.microsoft.com/office/drawing/2014/main" id="{524F137A-3849-41DD-9FF7-ADB7D7EEFB8F}"/>
-              </a:ext>
-            </a:extLst>
-          </p:cNvPr>
-          <p:cNvGrpSpPr/>
+      <p:pic>
+        <p:nvPicPr>
+          <p:cNvPr id="11" name="그림 10" descr="C:\Users\KETI_UnstructedWork\AppData\Local\Microsoft\Windows\INetCache\Content.MSO\6C9D4BDF.tmp">
+            <a:extLst>
+              <a:ext uri="{FF2B5EF4-FFF2-40B4-BE49-F238E27FC236}">
+                <a16:creationId xmlns:a16="http://schemas.microsoft.com/office/drawing/2014/main" id="{012D80F8-A7E2-4A9A-94C0-CF1C0B8DD6DA}"/>
+              </a:ext>
+            </a:extLst>
+          </p:cNvPr>
+          <p:cNvPicPr/>
           <p:nvPr/>
-        </p:nvGrpSpPr>
-        <p:grpSpPr>
+        </p:nvPicPr>
+        <p:blipFill>
+          <a:blip r:embed="rId2" cstate="print">
+            <a:extLst>
+              <a:ext uri="{28A0092B-C50C-407E-A947-70E740481C1C}">
+                <a14:useLocalDpi xmlns:a14="http://schemas.microsoft.com/office/drawing/2010/main" val="0"/>
+              </a:ext>
+            </a:extLst>
+          </a:blip>
+          <a:srcRect/>
+          <a:stretch>
+            <a:fillRect/>
+          </a:stretch>
+        </p:blipFill>
+        <p:spPr bwMode="auto">
           <a:xfrm>
-            <a:off x="609186" y="2674557"/>
-            <a:ext cx="4459924" cy="3633762"/>
-            <a:chOff x="609186" y="2674557"/>
-            <a:chExt cx="4459924" cy="3633762"/>
-          </a:xfrm>
-        </p:grpSpPr>
-        <p:pic>
-          <p:nvPicPr>
-            <p:cNvPr id="5" name="그림 4">
-              <a:extLst>
-                <a:ext uri="{FF2B5EF4-FFF2-40B4-BE49-F238E27FC236}">
-                  <a16:creationId xmlns:a16="http://schemas.microsoft.com/office/drawing/2014/main" id="{2B9D4A98-6153-4FA8-B9B7-7C8146B6D718}"/>
-                </a:ext>
-              </a:extLst>
-            </p:cNvPr>
-            <p:cNvPicPr>
-              <a:picLocks noChangeAspect="1"/>
-            </p:cNvPicPr>
-            <p:nvPr/>
-          </p:nvPicPr>
-          <p:blipFill>
-            <a:blip r:embed="rId2"/>
-            <a:stretch>
-              <a:fillRect/>
-            </a:stretch>
-          </p:blipFill>
-          <p:spPr>
-            <a:xfrm>
-              <a:off x="609186" y="2674557"/>
-              <a:ext cx="4459924" cy="3418318"/>
-            </a:xfrm>
-            <a:prstGeom prst="rect">
-              <a:avLst/>
-            </a:prstGeom>
-          </p:spPr>
-        </p:pic>
-        <p:sp>
-          <p:nvSpPr>
-            <p:cNvPr id="10" name="직사각형 9">
-              <a:extLst>
-                <a:ext uri="{FF2B5EF4-FFF2-40B4-BE49-F238E27FC236}">
-                  <a16:creationId xmlns:a16="http://schemas.microsoft.com/office/drawing/2014/main" id="{77EC1DBE-CE7A-4D72-9A95-EB21B692B97E}"/>
-                </a:ext>
-              </a:extLst>
-            </p:cNvPr>
-            <p:cNvSpPr/>
-            <p:nvPr/>
-          </p:nvSpPr>
-          <p:spPr>
-            <a:xfrm>
-              <a:off x="609186" y="6092875"/>
-              <a:ext cx="4364355" cy="215444"/>
-            </a:xfrm>
-            <a:prstGeom prst="rect">
-              <a:avLst/>
-            </a:prstGeom>
-          </p:spPr>
-          <p:txBody>
-            <a:bodyPr wrap="square">
-              <a:spAutoFit/>
-            </a:bodyPr>
-            <a:lstStyle/>
-            <a:p>
-              <a:r>
-                <a:rPr lang="ko-KR" altLang="en-US" sz="800" dirty="0"/>
-                <a:t>컴퓨터</a:t>
-              </a:r>
-              <a:r>
-                <a:rPr lang="en-US" altLang="ko-KR" sz="800" dirty="0"/>
-                <a:t>\HKEY_LOCAL_MACHINE\SYSTEM\</a:t>
-              </a:r>
-              <a:r>
-                <a:rPr lang="en-US" altLang="ko-KR" sz="800" dirty="0" err="1"/>
-                <a:t>CurrentControlSet</a:t>
-              </a:r>
-              <a:r>
-                <a:rPr lang="en-US" altLang="ko-KR" sz="800" dirty="0"/>
-                <a:t>\Services\W32Time\Config</a:t>
-              </a:r>
-              <a:endParaRPr lang="ko-KR" altLang="en-US" sz="800" dirty="0"/>
-            </a:p>
-          </p:txBody>
-        </p:sp>
-        <p:sp>
-          <p:nvSpPr>
-            <p:cNvPr id="13" name="직사각형 12">
-              <a:extLst>
-                <a:ext uri="{FF2B5EF4-FFF2-40B4-BE49-F238E27FC236}">
-                  <a16:creationId xmlns:a16="http://schemas.microsoft.com/office/drawing/2014/main" id="{836F2281-30A6-46F8-A806-E7F3AD56C1CE}"/>
-                </a:ext>
-              </a:extLst>
-            </p:cNvPr>
-            <p:cNvSpPr/>
-            <p:nvPr/>
-          </p:nvSpPr>
-          <p:spPr>
-            <a:xfrm>
-              <a:off x="1668272" y="3873020"/>
-              <a:ext cx="534240" cy="74803"/>
-            </a:xfrm>
-            <a:prstGeom prst="rect">
-              <a:avLst/>
-            </a:prstGeom>
-            <a:noFill/>
-            <a:ln>
-              <a:solidFill>
-                <a:srgbClr val="FF0000"/>
-              </a:solidFill>
-            </a:ln>
-          </p:spPr>
-          <p:style>
-            <a:lnRef idx="2">
-              <a:schemeClr val="accent1">
-                <a:shade val="50000"/>
-              </a:schemeClr>
-            </a:lnRef>
-            <a:fillRef idx="1">
-              <a:schemeClr val="accent1"/>
-            </a:fillRef>
-            <a:effectRef idx="0">
-              <a:schemeClr val="accent1"/>
-            </a:effectRef>
-            <a:fontRef idx="minor">
-              <a:schemeClr val="lt1"/>
-            </a:fontRef>
-          </p:style>
-          <p:txBody>
-            <a:bodyPr rtlCol="0" anchor="ctr"/>
-            <a:lstStyle/>
-            <a:p>
-              <a:pPr algn="ctr"/>
-              <a:endParaRPr lang="ko-KR" altLang="en-US" dirty="0"/>
-            </a:p>
-          </p:txBody>
-        </p:sp>
-        <p:sp>
-          <p:nvSpPr>
-            <p:cNvPr id="14" name="직사각형 13">
-              <a:extLst>
-                <a:ext uri="{FF2B5EF4-FFF2-40B4-BE49-F238E27FC236}">
-                  <a16:creationId xmlns:a16="http://schemas.microsoft.com/office/drawing/2014/main" id="{6D9259AC-69A1-4422-BEE0-78646266041E}"/>
-                </a:ext>
-              </a:extLst>
-            </p:cNvPr>
-            <p:cNvSpPr/>
-            <p:nvPr/>
-          </p:nvSpPr>
-          <p:spPr>
-            <a:xfrm>
-              <a:off x="1668272" y="3740784"/>
-              <a:ext cx="534240" cy="74803"/>
-            </a:xfrm>
-            <a:prstGeom prst="rect">
-              <a:avLst/>
-            </a:prstGeom>
-            <a:noFill/>
-            <a:ln>
-              <a:solidFill>
-                <a:srgbClr val="FF0000"/>
-              </a:solidFill>
-            </a:ln>
-          </p:spPr>
-          <p:style>
-            <a:lnRef idx="2">
-              <a:schemeClr val="accent1">
-                <a:shade val="50000"/>
-              </a:schemeClr>
-            </a:lnRef>
-            <a:fillRef idx="1">
-              <a:schemeClr val="accent1"/>
-            </a:fillRef>
-            <a:effectRef idx="0">
-              <a:schemeClr val="accent1"/>
-            </a:effectRef>
-            <a:fontRef idx="minor">
-              <a:schemeClr val="lt1"/>
-            </a:fontRef>
-          </p:style>
-          <p:txBody>
-            <a:bodyPr rtlCol="0" anchor="ctr"/>
-            <a:lstStyle/>
-            <a:p>
-              <a:pPr algn="ctr"/>
-              <a:endParaRPr lang="ko-KR" altLang="en-US" dirty="0"/>
-            </a:p>
-          </p:txBody>
-        </p:sp>
-      </p:grpSp>
-      <p:grpSp>
-        <p:nvGrpSpPr>
-          <p:cNvPr id="16" name="그룹 15">
-            <a:extLst>
-              <a:ext uri="{FF2B5EF4-FFF2-40B4-BE49-F238E27FC236}">
-                <a16:creationId xmlns:a16="http://schemas.microsoft.com/office/drawing/2014/main" id="{8E622862-6E93-4983-87BC-6E751C8B55A0}"/>
-              </a:ext>
-            </a:extLst>
-          </p:cNvPr>
-          <p:cNvGrpSpPr/>
-          <p:nvPr/>
-        </p:nvGrpSpPr>
-        <p:grpSpPr>
-          <a:xfrm>
-            <a:off x="5917075" y="2611551"/>
-            <a:ext cx="5242581" cy="3854866"/>
-            <a:chOff x="6278859" y="2611551"/>
-            <a:chExt cx="5242581" cy="3854866"/>
-          </a:xfrm>
-        </p:grpSpPr>
-        <p:pic>
-          <p:nvPicPr>
-            <p:cNvPr id="6" name="그림 5">
-              <a:extLst>
-                <a:ext uri="{FF2B5EF4-FFF2-40B4-BE49-F238E27FC236}">
-                  <a16:creationId xmlns:a16="http://schemas.microsoft.com/office/drawing/2014/main" id="{F0AE5542-466C-482A-B2F1-6B3BF7FFAE73}"/>
-                </a:ext>
-              </a:extLst>
-            </p:cNvPr>
-            <p:cNvPicPr>
-              <a:picLocks noChangeAspect="1"/>
-            </p:cNvPicPr>
-            <p:nvPr/>
-          </p:nvPicPr>
-          <p:blipFill>
-            <a:blip r:embed="rId3"/>
-            <a:stretch>
-              <a:fillRect/>
-            </a:stretch>
-          </p:blipFill>
-          <p:spPr>
-            <a:xfrm>
-              <a:off x="6278859" y="2611551"/>
-              <a:ext cx="4748400" cy="3639422"/>
-            </a:xfrm>
-            <a:prstGeom prst="rect">
-              <a:avLst/>
-            </a:prstGeom>
-          </p:spPr>
-        </p:pic>
-        <p:sp>
-          <p:nvSpPr>
-            <p:cNvPr id="12" name="직사각형 11">
-              <a:extLst>
-                <a:ext uri="{FF2B5EF4-FFF2-40B4-BE49-F238E27FC236}">
-                  <a16:creationId xmlns:a16="http://schemas.microsoft.com/office/drawing/2014/main" id="{9A6167B2-4B0B-4F89-850B-79C284EB3CD1}"/>
-                </a:ext>
-              </a:extLst>
-            </p:cNvPr>
-            <p:cNvSpPr/>
-            <p:nvPr/>
-          </p:nvSpPr>
-          <p:spPr>
-            <a:xfrm>
-              <a:off x="6278859" y="6250973"/>
-              <a:ext cx="5242581" cy="215444"/>
-            </a:xfrm>
-            <a:prstGeom prst="rect">
-              <a:avLst/>
-            </a:prstGeom>
-          </p:spPr>
-          <p:txBody>
-            <a:bodyPr wrap="square">
-              <a:spAutoFit/>
-            </a:bodyPr>
-            <a:lstStyle/>
-            <a:p>
-              <a:r>
-                <a:rPr lang="ko-KR" altLang="en-US" sz="800" dirty="0"/>
-                <a:t>컴퓨터</a:t>
-              </a:r>
-              <a:r>
-                <a:rPr lang="en-US" altLang="ko-KR" sz="800" dirty="0"/>
-                <a:t>\HKEY_LOCAL_MACHINE\SYSTEM\</a:t>
-              </a:r>
-              <a:r>
-                <a:rPr lang="en-US" altLang="ko-KR" sz="800" dirty="0" err="1"/>
-                <a:t>CurrentControlSet</a:t>
-              </a:r>
-              <a:r>
-                <a:rPr lang="en-US" altLang="ko-KR" sz="800" dirty="0"/>
-                <a:t>\Services\W32Time\</a:t>
-              </a:r>
-              <a:r>
-                <a:rPr lang="en-US" altLang="ko-KR" sz="800" dirty="0" err="1"/>
-                <a:t>TimeProviders</a:t>
-              </a:r>
-              <a:r>
-                <a:rPr lang="en-US" altLang="ko-KR" sz="800" dirty="0"/>
-                <a:t>\</a:t>
-              </a:r>
-              <a:r>
-                <a:rPr lang="en-US" altLang="ko-KR" sz="800" dirty="0" err="1"/>
-                <a:t>NtpClient</a:t>
-              </a:r>
-              <a:endParaRPr lang="ko-KR" altLang="en-US" sz="800" dirty="0"/>
-            </a:p>
-          </p:txBody>
-        </p:sp>
-        <p:sp>
-          <p:nvSpPr>
-            <p:cNvPr id="15" name="직사각형 14">
-              <a:extLst>
-                <a:ext uri="{FF2B5EF4-FFF2-40B4-BE49-F238E27FC236}">
-                  <a16:creationId xmlns:a16="http://schemas.microsoft.com/office/drawing/2014/main" id="{834C582A-D85D-40BC-975F-3FB9DAE00288}"/>
-                </a:ext>
-              </a:extLst>
-            </p:cNvPr>
-            <p:cNvSpPr/>
-            <p:nvPr/>
-          </p:nvSpPr>
-          <p:spPr>
-            <a:xfrm>
-              <a:off x="7386585" y="3740784"/>
-              <a:ext cx="497133" cy="103672"/>
-            </a:xfrm>
-            <a:prstGeom prst="rect">
-              <a:avLst/>
-            </a:prstGeom>
-            <a:noFill/>
-            <a:ln>
-              <a:solidFill>
-                <a:srgbClr val="FF0000"/>
-              </a:solidFill>
-            </a:ln>
-          </p:spPr>
-          <p:style>
-            <a:lnRef idx="2">
-              <a:schemeClr val="accent1">
-                <a:shade val="50000"/>
-              </a:schemeClr>
-            </a:lnRef>
-            <a:fillRef idx="1">
-              <a:schemeClr val="accent1"/>
-            </a:fillRef>
-            <a:effectRef idx="0">
-              <a:schemeClr val="accent1"/>
-            </a:effectRef>
-            <a:fontRef idx="minor">
-              <a:schemeClr val="lt1"/>
-            </a:fontRef>
-          </p:style>
-          <p:txBody>
-            <a:bodyPr rtlCol="0" anchor="ctr"/>
-            <a:lstStyle/>
-            <a:p>
-              <a:pPr algn="ctr"/>
-              <a:endParaRPr lang="ko-KR" altLang="en-US" dirty="0"/>
-            </a:p>
-          </p:txBody>
-        </p:sp>
-      </p:grpSp>
-      <p:sp>
-        <p:nvSpPr>
-          <p:cNvPr id="18" name="직사각형 17">
-            <a:extLst>
-              <a:ext uri="{FF2B5EF4-FFF2-40B4-BE49-F238E27FC236}">
-                <a16:creationId xmlns:a16="http://schemas.microsoft.com/office/drawing/2014/main" id="{F3F2AE80-E71A-4098-984B-F55C47DC4A87}"/>
-              </a:ext>
-            </a:extLst>
-          </p:cNvPr>
-          <p:cNvSpPr/>
-          <p:nvPr/>
-        </p:nvSpPr>
-        <p:spPr>
-          <a:xfrm>
-            <a:off x="7320915" y="6492875"/>
-            <a:ext cx="4790164" cy="338554"/>
+            <a:off x="5600884" y="4633476"/>
+            <a:ext cx="3149398" cy="1745184"/>
           </a:xfrm>
           <a:prstGeom prst="rect">
             <a:avLst/>
           </a:prstGeom>
+          <a:noFill/>
+          <a:ln>
+            <a:noFill/>
+          </a:ln>
         </p:spPr>
-        <p:txBody>
-          <a:bodyPr wrap="square">
-            <a:spAutoFit/>
-          </a:bodyPr>
-          <a:lstStyle/>
-          <a:p>
-            <a:r>
-              <a:rPr lang="en-US" altLang="ko-KR" sz="800" dirty="0" err="1"/>
-              <a:t>SpecialPollInterval</a:t>
-            </a:r>
-            <a:r>
-              <a:rPr lang="en-US" altLang="ko-KR" sz="800" dirty="0"/>
-              <a:t>: N</a:t>
-            </a:r>
-            <a:r>
-              <a:rPr lang="ko-KR" altLang="en-US" sz="800" dirty="0"/>
-              <a:t>초 주기로 동기화하겠다는 의미</a:t>
-            </a:r>
-            <a:endParaRPr lang="en-US" altLang="ko-KR" sz="800" dirty="0"/>
-          </a:p>
-          <a:p>
-            <a:r>
-              <a:rPr lang="en-US" altLang="ko-KR" sz="800" dirty="0" err="1"/>
-              <a:t>MaxPosPhaseCorrection</a:t>
-            </a:r>
-            <a:r>
-              <a:rPr lang="en-US" altLang="ko-KR" sz="800" dirty="0"/>
-              <a:t>, </a:t>
-            </a:r>
-            <a:r>
-              <a:rPr lang="en-US" altLang="ko-KR" sz="800" dirty="0" err="1"/>
-              <a:t>MaxNegPhaseCorrection</a:t>
-            </a:r>
-            <a:r>
-              <a:rPr lang="en-US" altLang="ko-KR" sz="800" dirty="0"/>
-              <a:t>: N</a:t>
-            </a:r>
-            <a:r>
-              <a:rPr lang="ko-KR" altLang="en-US" sz="800" dirty="0"/>
-              <a:t>초 이상 차이가 나면 동기화하지 않는다는 의미</a:t>
-            </a:r>
-          </a:p>
-        </p:txBody>
-      </p:sp>
+      </p:pic>
+      <p:pic>
+        <p:nvPicPr>
+          <p:cNvPr id="12" name="그림 11" descr="C:\Users\KETI_UnstructedWork\AppData\Local\Microsoft\Windows\INetCache\Content.MSO\264BEDA7.tmp">
+            <a:extLst>
+              <a:ext uri="{FF2B5EF4-FFF2-40B4-BE49-F238E27FC236}">
+                <a16:creationId xmlns:a16="http://schemas.microsoft.com/office/drawing/2014/main" id="{04880B52-5FE6-4940-96B6-F7A3F0D2A671}"/>
+              </a:ext>
+            </a:extLst>
+          </p:cNvPr>
+          <p:cNvPicPr/>
+          <p:nvPr/>
+        </p:nvPicPr>
+        <p:blipFill>
+          <a:blip r:embed="rId3" cstate="print">
+            <a:extLst>
+              <a:ext uri="{28A0092B-C50C-407E-A947-70E740481C1C}">
+                <a14:useLocalDpi xmlns:a14="http://schemas.microsoft.com/office/drawing/2010/main" val="0"/>
+              </a:ext>
+            </a:extLst>
+          </a:blip>
+          <a:srcRect/>
+          <a:stretch>
+            <a:fillRect/>
+          </a:stretch>
+        </p:blipFill>
+        <p:spPr bwMode="auto">
+          <a:xfrm>
+            <a:off x="1072473" y="2479557"/>
+            <a:ext cx="3144996" cy="1767180"/>
+          </a:xfrm>
+          <a:prstGeom prst="rect">
+            <a:avLst/>
+          </a:prstGeom>
+          <a:noFill/>
+          <a:ln>
+            <a:noFill/>
+          </a:ln>
+        </p:spPr>
+      </p:pic>
+      <p:pic>
+        <p:nvPicPr>
+          <p:cNvPr id="13" name="그림 12" descr="C:\Users\KETI_UnstructedWork\AppData\Local\Microsoft\Windows\INetCache\Content.MSO\8F294D4D.tmp">
+            <a:extLst>
+              <a:ext uri="{FF2B5EF4-FFF2-40B4-BE49-F238E27FC236}">
+                <a16:creationId xmlns:a16="http://schemas.microsoft.com/office/drawing/2014/main" id="{5357FAC3-C3AB-4500-A031-2C604F3F584E}"/>
+              </a:ext>
+            </a:extLst>
+          </p:cNvPr>
+          <p:cNvPicPr/>
+          <p:nvPr/>
+        </p:nvPicPr>
+        <p:blipFill>
+          <a:blip r:embed="rId4" cstate="print">
+            <a:extLst>
+              <a:ext uri="{28A0092B-C50C-407E-A947-70E740481C1C}">
+                <a14:useLocalDpi xmlns:a14="http://schemas.microsoft.com/office/drawing/2010/main" val="0"/>
+              </a:ext>
+            </a:extLst>
+          </a:blip>
+          <a:srcRect/>
+          <a:stretch>
+            <a:fillRect/>
+          </a:stretch>
+        </p:blipFill>
+        <p:spPr bwMode="auto">
+          <a:xfrm>
+            <a:off x="4384910" y="2475890"/>
+            <a:ext cx="3169196" cy="1774514"/>
+          </a:xfrm>
+          <a:prstGeom prst="rect">
+            <a:avLst/>
+          </a:prstGeom>
+          <a:noFill/>
+          <a:ln>
+            <a:noFill/>
+          </a:ln>
+        </p:spPr>
+      </p:pic>
+      <p:pic>
+        <p:nvPicPr>
+          <p:cNvPr id="14" name="그림 13" descr="C:\Users\KETI_UnstructedWork\AppData\Local\Microsoft\Windows\INetCache\Content.MSO\2DFD19E3.tmp">
+            <a:extLst>
+              <a:ext uri="{FF2B5EF4-FFF2-40B4-BE49-F238E27FC236}">
+                <a16:creationId xmlns:a16="http://schemas.microsoft.com/office/drawing/2014/main" id="{C99A504B-19E9-45B1-BBF4-7D8B1AC4AAD4}"/>
+              </a:ext>
+            </a:extLst>
+          </p:cNvPr>
+          <p:cNvPicPr/>
+          <p:nvPr/>
+        </p:nvPicPr>
+        <p:blipFill>
+          <a:blip r:embed="rId5" cstate="print">
+            <a:extLst>
+              <a:ext uri="{28A0092B-C50C-407E-A947-70E740481C1C}">
+                <a14:useLocalDpi xmlns:a14="http://schemas.microsoft.com/office/drawing/2010/main" val="0"/>
+              </a:ext>
+            </a:extLst>
+          </a:blip>
+          <a:srcRect/>
+          <a:stretch>
+            <a:fillRect/>
+          </a:stretch>
+        </p:blipFill>
+        <p:spPr bwMode="auto">
+          <a:xfrm>
+            <a:off x="7721547" y="2483222"/>
+            <a:ext cx="3150130" cy="1759850"/>
+          </a:xfrm>
+          <a:prstGeom prst="rect">
+            <a:avLst/>
+          </a:prstGeom>
+          <a:noFill/>
+          <a:ln>
+            <a:noFill/>
+          </a:ln>
+        </p:spPr>
+      </p:pic>
+      <p:pic>
+        <p:nvPicPr>
+          <p:cNvPr id="15" name="그림 14" descr="C:\Users\KETI_UnstructedWork\AppData\Local\Microsoft\Windows\INetCache\Content.MSO\602510E9.tmp">
+            <a:extLst>
+              <a:ext uri="{FF2B5EF4-FFF2-40B4-BE49-F238E27FC236}">
+                <a16:creationId xmlns:a16="http://schemas.microsoft.com/office/drawing/2014/main" id="{5C77FB6C-9CD0-4762-8A69-FFF6F09B2DCB}"/>
+              </a:ext>
+            </a:extLst>
+          </p:cNvPr>
+          <p:cNvPicPr/>
+          <p:nvPr/>
+        </p:nvPicPr>
+        <p:blipFill>
+          <a:blip r:embed="rId6" cstate="print">
+            <a:extLst>
+              <a:ext uri="{28A0092B-C50C-407E-A947-70E740481C1C}">
+                <a14:useLocalDpi xmlns:a14="http://schemas.microsoft.com/office/drawing/2010/main" val="0"/>
+              </a:ext>
+            </a:extLst>
+          </a:blip>
+          <a:srcRect/>
+          <a:stretch>
+            <a:fillRect/>
+          </a:stretch>
+        </p:blipFill>
+        <p:spPr bwMode="auto">
+          <a:xfrm>
+            <a:off x="2284362" y="4622476"/>
+            <a:ext cx="3144998" cy="1756184"/>
+          </a:xfrm>
+          <a:prstGeom prst="rect">
+            <a:avLst/>
+          </a:prstGeom>
+          <a:noFill/>
+          <a:ln>
+            <a:noFill/>
+          </a:ln>
+        </p:spPr>
+      </p:pic>
     </p:spTree>
     <p:extLst>
       <p:ext uri="{BB962C8B-B14F-4D97-AF65-F5344CB8AC3E}">
-        <p14:creationId xmlns:p14="http://schemas.microsoft.com/office/powerpoint/2010/main" val="1587352459"/>
+        <p14:creationId xmlns:p14="http://schemas.microsoft.com/office/powerpoint/2010/main" val="2985876166"/>
       </p:ext>
     </p:extLst>
   </p:cSld>
@@ -9860,7 +9285,7 @@
             </a:r>
             <a:r>
               <a:rPr lang="en-US" altLang="ko-KR" sz="3200" dirty="0"/>
-              <a:t>Client</a:t>
+              <a:t>Server</a:t>
             </a:r>
             <a:endParaRPr lang="ko-KR" altLang="en-US" sz="3200" dirty="0"/>
           </a:p>
@@ -9894,59 +9319,161 @@
           </a:bodyPr>
           <a:lstStyle/>
           <a:p>
-            <a:pPr lvl="0" fontAlgn="base"/>
+            <a:pPr fontAlgn="base"/>
             <a:r>
               <a:rPr lang="en-US" altLang="ko-KR" dirty="0"/>
-              <a:t>3. Windows Time </a:t>
-            </a:r>
-            <a:r>
-              <a:rPr lang="ko-KR" altLang="en-US" dirty="0"/>
-              <a:t>서비스가 자동으로 시작되도록 설정 </a:t>
+              <a:t>4. </a:t>
+            </a:r>
+            <a:r>
+              <a:rPr lang="ko-KR" altLang="ko-KR" dirty="0"/>
+              <a:t>레지스트리 편집기에서</a:t>
             </a:r>
             <a:r>
               <a:rPr lang="en-US" altLang="ko-KR" dirty="0"/>
               <a:t> </a:t>
             </a:r>
+            <a:r>
+              <a:rPr lang="en-US" altLang="ko-KR" dirty="0" err="1"/>
+              <a:t>AnnounceFlags</a:t>
+            </a:r>
+            <a:r>
+              <a:rPr lang="en-US" altLang="ko-KR" dirty="0"/>
+              <a:t>(5)</a:t>
+            </a:r>
+            <a:r>
+              <a:rPr lang="ko-KR" altLang="ko-KR" dirty="0"/>
+              <a:t>와</a:t>
+            </a:r>
+            <a:r>
+              <a:rPr lang="en-US" altLang="ko-KR" dirty="0"/>
+              <a:t> Enabled(1) </a:t>
+            </a:r>
+            <a:r>
+              <a:rPr lang="ko-KR" altLang="ko-KR" dirty="0"/>
+              <a:t>값 수정</a:t>
+            </a:r>
+            <a:r>
+              <a:rPr lang="en-US" altLang="ko-KR" dirty="0"/>
+              <a:t>  </a:t>
+            </a:r>
             <a:endParaRPr lang="ko-KR" altLang="ko-KR" dirty="0"/>
           </a:p>
         </p:txBody>
       </p:sp>
       <p:pic>
         <p:nvPicPr>
-          <p:cNvPr id="9" name="그림 8">
-            <a:extLst>
-              <a:ext uri="{FF2B5EF4-FFF2-40B4-BE49-F238E27FC236}">
-                <a16:creationId xmlns:a16="http://schemas.microsoft.com/office/drawing/2014/main" id="{FAE11FEC-1E49-4B57-BD1E-2F257E63371F}"/>
-              </a:ext>
-            </a:extLst>
-          </p:cNvPr>
-          <p:cNvPicPr>
-            <a:picLocks noChangeAspect="1"/>
-          </p:cNvPicPr>
+          <p:cNvPr id="9" name="그림 8" descr="C:\Users\KETI_UnstructedWork\AppData\Local\Microsoft\Windows\INetCache\Content.MSO\DCFCA045.tmp">
+            <a:extLst>
+              <a:ext uri="{FF2B5EF4-FFF2-40B4-BE49-F238E27FC236}">
+                <a16:creationId xmlns:a16="http://schemas.microsoft.com/office/drawing/2014/main" id="{2F4D34A0-8B33-4BA6-A730-2EE2F269417A}"/>
+              </a:ext>
+            </a:extLst>
+          </p:cNvPr>
+          <p:cNvPicPr/>
           <p:nvPr/>
         </p:nvPicPr>
         <p:blipFill>
-          <a:blip r:embed="rId2"/>
+          <a:blip r:embed="rId2" cstate="print">
+            <a:extLst>
+              <a:ext uri="{28A0092B-C50C-407E-A947-70E740481C1C}">
+                <a14:useLocalDpi xmlns:a14="http://schemas.microsoft.com/office/drawing/2010/main" val="0"/>
+              </a:ext>
+            </a:extLst>
+          </a:blip>
+          <a:srcRect/>
           <a:stretch>
             <a:fillRect/>
           </a:stretch>
         </p:blipFill>
+        <p:spPr bwMode="auto">
+          <a:xfrm>
+            <a:off x="597661" y="2968002"/>
+            <a:ext cx="4199368" cy="2032876"/>
+          </a:xfrm>
+          <a:prstGeom prst="rect">
+            <a:avLst/>
+          </a:prstGeom>
+          <a:noFill/>
+          <a:ln>
+            <a:noFill/>
+          </a:ln>
+        </p:spPr>
+      </p:pic>
+      <p:sp>
+        <p:nvSpPr>
+          <p:cNvPr id="4" name="직사각형 3">
+            <a:extLst>
+              <a:ext uri="{FF2B5EF4-FFF2-40B4-BE49-F238E27FC236}">
+                <a16:creationId xmlns:a16="http://schemas.microsoft.com/office/drawing/2014/main" id="{E4E65F70-1B08-4CB7-B255-B0BF98A4A516}"/>
+              </a:ext>
+            </a:extLst>
+          </p:cNvPr>
+          <p:cNvSpPr/>
+          <p:nvPr/>
+        </p:nvSpPr>
         <p:spPr>
           <a:xfrm>
-            <a:off x="838200" y="2419743"/>
-            <a:ext cx="7733522" cy="3714020"/>
+            <a:off x="597661" y="5000878"/>
+            <a:ext cx="4377322" cy="215444"/>
           </a:xfrm>
           <a:prstGeom prst="rect">
             <a:avLst/>
           </a:prstGeom>
         </p:spPr>
-      </p:pic>
-      <p:sp>
-        <p:nvSpPr>
-          <p:cNvPr id="16" name="직사각형 15">
-            <a:extLst>
-              <a:ext uri="{FF2B5EF4-FFF2-40B4-BE49-F238E27FC236}">
-                <a16:creationId xmlns:a16="http://schemas.microsoft.com/office/drawing/2014/main" id="{432B1B43-7FD9-48FF-9813-DE6F679F4B58}"/>
+        <p:txBody>
+          <a:bodyPr wrap="square">
+            <a:spAutoFit/>
+          </a:bodyPr>
+          <a:lstStyle/>
+          <a:p>
+            <a:r>
+              <a:rPr lang="ko-KR" altLang="ko-KR" sz="800" dirty="0">
+                <a:solidFill>
+                  <a:srgbClr val="333333"/>
+                </a:solidFill>
+                <a:cs typeface="Times New Roman" panose="02020603050405020304" pitchFamily="18" charset="0"/>
+              </a:rPr>
+              <a:t>컴퓨터</a:t>
+            </a:r>
+            <a:r>
+              <a:rPr lang="en-US" altLang="ko-KR" sz="800" dirty="0">
+                <a:solidFill>
+                  <a:srgbClr val="333333"/>
+                </a:solidFill>
+                <a:cs typeface="Times New Roman" panose="02020603050405020304" pitchFamily="18" charset="0"/>
+              </a:rPr>
+              <a:t>\HKEY_LOCAL_MACHINE\SYSTEM\</a:t>
+            </a:r>
+            <a:r>
+              <a:rPr lang="en-US" altLang="ko-KR" sz="800" dirty="0" err="1">
+                <a:solidFill>
+                  <a:srgbClr val="333333"/>
+                </a:solidFill>
+                <a:latin typeface="맑은 고딕" panose="020B0503020000020004" pitchFamily="50" charset="-127"/>
+                <a:cs typeface="Times New Roman" panose="02020603050405020304" pitchFamily="18" charset="0"/>
+              </a:rPr>
+              <a:t>CurrentControlSet</a:t>
+            </a:r>
+            <a:r>
+              <a:rPr lang="en-US" altLang="ko-KR" sz="800" dirty="0">
+                <a:solidFill>
+                  <a:srgbClr val="333333"/>
+                </a:solidFill>
+                <a:latin typeface="맑은 고딕" panose="020B0503020000020004" pitchFamily="50" charset="-127"/>
+                <a:cs typeface="Times New Roman" panose="02020603050405020304" pitchFamily="18" charset="0"/>
+              </a:rPr>
+              <a:t>\Services\W32Time\Config </a:t>
+            </a:r>
+            <a:endParaRPr lang="ko-KR" altLang="en-US" sz="800" dirty="0"/>
+          </a:p>
+        </p:txBody>
+      </p:sp>
+      <p:sp>
+        <p:nvSpPr>
+          <p:cNvPr id="5" name="직사각형 4">
+            <a:extLst>
+              <a:ext uri="{FF2B5EF4-FFF2-40B4-BE49-F238E27FC236}">
+                <a16:creationId xmlns:a16="http://schemas.microsoft.com/office/drawing/2014/main" id="{7466B9B7-2D16-4E19-A948-E3BBB6F23D3B}"/>
               </a:ext>
             </a:extLst>
           </p:cNvPr>
@@ -9955,8 +9482,8 @@
         </p:nvSpPr>
         <p:spPr>
           <a:xfrm>
-            <a:off x="8702637" y="3869051"/>
-            <a:ext cx="3204439" cy="707886"/>
+            <a:off x="5784084" y="4660715"/>
+            <a:ext cx="5306921" cy="215444"/>
           </a:xfrm>
           <a:prstGeom prst="rect">
             <a:avLst/>
@@ -9969,70 +9496,131 @@
           <a:lstStyle/>
           <a:p>
             <a:r>
-              <a:rPr lang="en-US" altLang="ko-KR" sz="800" dirty="0" err="1"/>
-              <a:t>sc</a:t>
-            </a:r>
-            <a:r>
-              <a:rPr lang="en-US" altLang="ko-KR" sz="800" dirty="0"/>
-              <a:t> config w32time start=auto</a:t>
-            </a:r>
-          </a:p>
-          <a:p>
-            <a:r>
-              <a:rPr lang="en-US" altLang="ko-KR" sz="800" dirty="0" err="1"/>
-              <a:t>sc</a:t>
-            </a:r>
-            <a:r>
-              <a:rPr lang="en-US" altLang="ko-KR" sz="800" dirty="0"/>
-              <a:t> </a:t>
-            </a:r>
-            <a:r>
-              <a:rPr lang="en-US" altLang="ko-KR" sz="800" dirty="0" err="1"/>
-              <a:t>triggerinfo</a:t>
-            </a:r>
-            <a:r>
-              <a:rPr lang="en-US" altLang="ko-KR" sz="800" dirty="0"/>
-              <a:t> w32time start/</a:t>
-            </a:r>
-            <a:r>
-              <a:rPr lang="en-US" altLang="ko-KR" sz="800" dirty="0" err="1"/>
-              <a:t>networkon</a:t>
-            </a:r>
-            <a:r>
-              <a:rPr lang="en-US" altLang="ko-KR" sz="800" dirty="0"/>
-              <a:t> stop/</a:t>
-            </a:r>
-            <a:r>
-              <a:rPr lang="en-US" altLang="ko-KR" sz="800" dirty="0" err="1"/>
-              <a:t>networkoff</a:t>
-            </a:r>
-            <a:endParaRPr lang="en-US" altLang="ko-KR" sz="800" dirty="0"/>
-          </a:p>
-          <a:p>
-            <a:r>
-              <a:rPr lang="en-US" altLang="ko-KR" sz="800" dirty="0"/>
-              <a:t>net stop w32time</a:t>
-            </a:r>
-          </a:p>
-          <a:p>
-            <a:r>
-              <a:rPr lang="en-US" altLang="ko-KR" sz="800" dirty="0"/>
-              <a:t>net start w32time</a:t>
-            </a:r>
-          </a:p>
-          <a:p>
-            <a:r>
-              <a:rPr lang="en-US" altLang="ko-KR" sz="800" dirty="0"/>
-              <a:t>w32tm /resync</a:t>
+              <a:rPr lang="ko-KR" altLang="ko-KR" sz="800" dirty="0">
+                <a:solidFill>
+                  <a:srgbClr val="333333"/>
+                </a:solidFill>
+                <a:cs typeface="Times New Roman" panose="02020603050405020304" pitchFamily="18" charset="0"/>
+              </a:rPr>
+              <a:t>컴퓨터</a:t>
+            </a:r>
+            <a:r>
+              <a:rPr lang="en-US" altLang="ko-KR" sz="800" dirty="0">
+                <a:solidFill>
+                  <a:srgbClr val="333333"/>
+                </a:solidFill>
+                <a:latin typeface="맑은 고딕" panose="020B0503020000020004" pitchFamily="50" charset="-127"/>
+                <a:cs typeface="Times New Roman" panose="02020603050405020304" pitchFamily="18" charset="0"/>
+              </a:rPr>
+              <a:t>\HKEY_LOCAL_MACHINE\SYSTEM\</a:t>
+            </a:r>
+            <a:r>
+              <a:rPr lang="en-US" altLang="ko-KR" sz="800" dirty="0" err="1">
+                <a:solidFill>
+                  <a:srgbClr val="333333"/>
+                </a:solidFill>
+                <a:latin typeface="맑은 고딕" panose="020B0503020000020004" pitchFamily="50" charset="-127"/>
+                <a:cs typeface="Times New Roman" panose="02020603050405020304" pitchFamily="18" charset="0"/>
+              </a:rPr>
+              <a:t>CurrentControlSet</a:t>
+            </a:r>
+            <a:r>
+              <a:rPr lang="en-US" altLang="ko-KR" sz="800" dirty="0">
+                <a:solidFill>
+                  <a:srgbClr val="333333"/>
+                </a:solidFill>
+                <a:latin typeface="맑은 고딕" panose="020B0503020000020004" pitchFamily="50" charset="-127"/>
+                <a:cs typeface="Times New Roman" panose="02020603050405020304" pitchFamily="18" charset="0"/>
+              </a:rPr>
+              <a:t>\Services\W32Time\</a:t>
+            </a:r>
+            <a:r>
+              <a:rPr lang="en-US" altLang="ko-KR" sz="800" dirty="0" err="1">
+                <a:solidFill>
+                  <a:srgbClr val="333333"/>
+                </a:solidFill>
+                <a:latin typeface="맑은 고딕" panose="020B0503020000020004" pitchFamily="50" charset="-127"/>
+                <a:cs typeface="Times New Roman" panose="02020603050405020304" pitchFamily="18" charset="0"/>
+              </a:rPr>
+              <a:t>TimeProviders</a:t>
+            </a:r>
+            <a:r>
+              <a:rPr lang="en-US" altLang="ko-KR" sz="800" dirty="0">
+                <a:solidFill>
+                  <a:srgbClr val="333333"/>
+                </a:solidFill>
+                <a:latin typeface="맑은 고딕" panose="020B0503020000020004" pitchFamily="50" charset="-127"/>
+                <a:cs typeface="Times New Roman" panose="02020603050405020304" pitchFamily="18" charset="0"/>
+              </a:rPr>
+              <a:t>\</a:t>
+            </a:r>
+            <a:r>
+              <a:rPr lang="en-US" altLang="ko-KR" sz="800" dirty="0" err="1">
+                <a:solidFill>
+                  <a:srgbClr val="333333"/>
+                </a:solidFill>
+                <a:latin typeface="맑은 고딕" panose="020B0503020000020004" pitchFamily="50" charset="-127"/>
+                <a:cs typeface="Times New Roman" panose="02020603050405020304" pitchFamily="18" charset="0"/>
+              </a:rPr>
+              <a:t>NtpServer</a:t>
+            </a:r>
+            <a:r>
+              <a:rPr lang="en-US" altLang="ko-KR" sz="800" dirty="0">
+                <a:solidFill>
+                  <a:srgbClr val="333333"/>
+                </a:solidFill>
+                <a:latin typeface="맑은 고딕" panose="020B0503020000020004" pitchFamily="50" charset="-127"/>
+                <a:cs typeface="Times New Roman" panose="02020603050405020304" pitchFamily="18" charset="0"/>
+              </a:rPr>
+              <a:t> </a:t>
             </a:r>
             <a:endParaRPr lang="ko-KR" altLang="en-US" sz="800" dirty="0"/>
           </a:p>
         </p:txBody>
       </p:sp>
+      <p:pic>
+        <p:nvPicPr>
+          <p:cNvPr id="16" name="그림 15" descr="C:\Users\KETI_UnstructedWork\AppData\Local\Microsoft\Windows\INetCache\Content.MSO\EE8FFF9B.tmp">
+            <a:extLst>
+              <a:ext uri="{FF2B5EF4-FFF2-40B4-BE49-F238E27FC236}">
+                <a16:creationId xmlns:a16="http://schemas.microsoft.com/office/drawing/2014/main" id="{318B80E5-6784-4359-AD9D-7BBBA0408632}"/>
+              </a:ext>
+            </a:extLst>
+          </p:cNvPr>
+          <p:cNvPicPr/>
+          <p:nvPr/>
+        </p:nvPicPr>
+        <p:blipFill>
+          <a:blip r:embed="rId3">
+            <a:extLst>
+              <a:ext uri="{28A0092B-C50C-407E-A947-70E740481C1C}">
+                <a14:useLocalDpi xmlns:a14="http://schemas.microsoft.com/office/drawing/2010/main" val="0"/>
+              </a:ext>
+            </a:extLst>
+          </a:blip>
+          <a:srcRect/>
+          <a:stretch>
+            <a:fillRect/>
+          </a:stretch>
+        </p:blipFill>
+        <p:spPr bwMode="auto">
+          <a:xfrm>
+            <a:off x="5784084" y="3028687"/>
+            <a:ext cx="5707326" cy="1632028"/>
+          </a:xfrm>
+          <a:prstGeom prst="rect">
+            <a:avLst/>
+          </a:prstGeom>
+          <a:noFill/>
+          <a:ln>
+            <a:noFill/>
+          </a:ln>
+        </p:spPr>
+      </p:pic>
     </p:spTree>
     <p:extLst>
       <p:ext uri="{BB962C8B-B14F-4D97-AF65-F5344CB8AC3E}">
-        <p14:creationId xmlns:p14="http://schemas.microsoft.com/office/powerpoint/2010/main" val="2985876166"/>
+        <p14:creationId xmlns:p14="http://schemas.microsoft.com/office/powerpoint/2010/main" val="2159062526"/>
       </p:ext>
     </p:extLst>
   </p:cSld>
@@ -10100,7 +9688,7 @@
             </a:r>
             <a:r>
               <a:rPr lang="en-US" altLang="ko-KR" sz="3200" dirty="0"/>
-              <a:t>Client</a:t>
+              <a:t>Server</a:t>
             </a:r>
             <a:endParaRPr lang="ko-KR" altLang="en-US" sz="3200" dirty="0"/>
           </a:p>
@@ -10121,7 +9709,7 @@
         <p:spPr>
           <a:xfrm>
             <a:off x="838200" y="1827954"/>
-            <a:ext cx="11162288" cy="369332"/>
+            <a:ext cx="10320717" cy="369332"/>
           </a:xfrm>
           <a:prstGeom prst="rect">
             <a:avLst/>
@@ -10134,56 +9722,95 @@
           </a:bodyPr>
           <a:lstStyle/>
           <a:p>
-            <a:pPr fontAlgn="base"/>
+            <a:pPr lvl="0" fontAlgn="base"/>
             <a:r>
               <a:rPr lang="en-US" altLang="ko-KR" dirty="0"/>
-              <a:t>4. </a:t>
-            </a:r>
-            <a:r>
-              <a:rPr lang="ko-KR" altLang="en-US" dirty="0"/>
-              <a:t>날짜 및 시간 조정 </a:t>
+              <a:t>5. Windows NTP Server </a:t>
+            </a:r>
+            <a:r>
+              <a:rPr lang="ko-KR" altLang="ko-KR" dirty="0"/>
+              <a:t>설정확인</a:t>
             </a:r>
             <a:r>
               <a:rPr lang="en-US" altLang="ko-KR" dirty="0"/>
-              <a:t>-&gt; </a:t>
-            </a:r>
-            <a:r>
-              <a:rPr lang="ko-KR" altLang="en-US" dirty="0"/>
-              <a:t>다른 시간대에 대한 시계 추가 </a:t>
+              <a:t> – </a:t>
+            </a:r>
+            <a:r>
+              <a:rPr lang="ko-KR" altLang="ko-KR" dirty="0"/>
+              <a:t>관리자 권한으로</a:t>
             </a:r>
             <a:r>
               <a:rPr lang="en-US" altLang="ko-KR" dirty="0"/>
-              <a:t>-&gt; </a:t>
-            </a:r>
-            <a:r>
-              <a:rPr lang="ko-KR" altLang="en-US" dirty="0"/>
-              <a:t>인터넷 시간 </a:t>
+              <a:t> </a:t>
+            </a:r>
+            <a:r>
+              <a:rPr lang="en-US" altLang="ko-KR" dirty="0" err="1"/>
+              <a:t>cmd</a:t>
             </a:r>
             <a:r>
               <a:rPr lang="en-US" altLang="ko-KR" dirty="0"/>
-              <a:t>-&gt; </a:t>
-            </a:r>
-            <a:r>
-              <a:rPr lang="ko-KR" altLang="en-US" dirty="0"/>
-              <a:t>설정 변경 </a:t>
+              <a:t> </a:t>
+            </a:r>
+            <a:r>
+              <a:rPr lang="ko-KR" altLang="ko-KR" dirty="0"/>
+              <a:t>실행</a:t>
             </a:r>
             <a:r>
               <a:rPr lang="en-US" altLang="ko-KR" dirty="0"/>
-              <a:t>-&gt; </a:t>
-            </a:r>
-            <a:r>
-              <a:rPr lang="ko-KR" altLang="en-US" dirty="0"/>
-              <a:t>서버 입력 </a:t>
-            </a:r>
-            <a:r>
-              <a:rPr lang="en-US" altLang="ko-KR" dirty="0"/>
-              <a:t>-&gt; </a:t>
-            </a:r>
-            <a:r>
-              <a:rPr lang="ko-KR" altLang="en-US" dirty="0"/>
-              <a:t>확인 </a:t>
+              <a:t>  </a:t>
             </a:r>
             <a:endParaRPr lang="ko-KR" altLang="ko-KR" dirty="0"/>
+          </a:p>
+        </p:txBody>
+      </p:sp>
+      <p:sp>
+        <p:nvSpPr>
+          <p:cNvPr id="11" name="직사각형 10">
+            <a:extLst>
+              <a:ext uri="{FF2B5EF4-FFF2-40B4-BE49-F238E27FC236}">
+                <a16:creationId xmlns:a16="http://schemas.microsoft.com/office/drawing/2014/main" id="{9DDF875A-7209-4828-8C5A-CABC6A44CB6A}"/>
+              </a:ext>
+            </a:extLst>
+          </p:cNvPr>
+          <p:cNvSpPr/>
+          <p:nvPr/>
+        </p:nvSpPr>
+        <p:spPr>
+          <a:xfrm>
+            <a:off x="4090375" y="5283365"/>
+            <a:ext cx="2434742" cy="184666"/>
+          </a:xfrm>
+          <a:prstGeom prst="rect">
+            <a:avLst/>
+          </a:prstGeom>
+        </p:spPr>
+        <p:txBody>
+          <a:bodyPr wrap="square">
+            <a:spAutoFit/>
+          </a:bodyPr>
+          <a:lstStyle/>
+          <a:p>
+            <a:r>
+              <a:rPr lang="en-US" altLang="ko-KR" sz="600" dirty="0"/>
+              <a:t>UDP 123 port</a:t>
+            </a:r>
+            <a:r>
+              <a:rPr lang="ko-KR" altLang="en-US" sz="600" dirty="0"/>
+              <a:t>가 보이지 않을 경우</a:t>
+            </a:r>
+            <a:r>
+              <a:rPr lang="en-US" altLang="ko-KR" sz="600" dirty="0"/>
+              <a:t>, </a:t>
+            </a:r>
+            <a:r>
+              <a:rPr lang="ko-KR" altLang="en-US" sz="600" dirty="0"/>
+              <a:t>자동으로 시간 설정 다시 켜기</a:t>
+            </a:r>
+            <a:r>
+              <a:rPr lang="en-US" altLang="ko-KR" sz="600" dirty="0"/>
+              <a:t> </a:t>
+            </a:r>
+            <a:endParaRPr lang="ko-KR" altLang="en-US" sz="600" dirty="0"/>
           </a:p>
         </p:txBody>
       </p:sp>
@@ -10192,7 +9819,7 @@
           <p:cNvPr id="7" name="그룹 6">
             <a:extLst>
               <a:ext uri="{FF2B5EF4-FFF2-40B4-BE49-F238E27FC236}">
-                <a16:creationId xmlns:a16="http://schemas.microsoft.com/office/drawing/2014/main" id="{65F636A0-592A-49C1-A3CC-A30FEA98CFE6}"/>
+                <a16:creationId xmlns:a16="http://schemas.microsoft.com/office/drawing/2014/main" id="{82CCB226-0B3C-47E9-A0CE-84BE04C5E4F2}"/>
               </a:ext>
             </a:extLst>
           </p:cNvPr>
@@ -10201,48 +9828,57 @@
         </p:nvGrpSpPr>
         <p:grpSpPr>
           <a:xfrm>
-            <a:off x="491842" y="2598698"/>
-            <a:ext cx="2553614" cy="2755488"/>
-            <a:chOff x="937115" y="2598699"/>
-            <a:chExt cx="2553614" cy="2755488"/>
+            <a:off x="1171858" y="2652098"/>
+            <a:ext cx="2704392" cy="2912648"/>
+            <a:chOff x="1042836" y="2551458"/>
+            <a:chExt cx="3504565" cy="3774440"/>
           </a:xfrm>
         </p:grpSpPr>
         <p:pic>
           <p:nvPicPr>
-            <p:cNvPr id="12" name="그림 11">
+            <p:cNvPr id="10" name="그림 9" descr="C:\Users\KETI_UnstructedWork\AppData\Local\Microsoft\Windows\INetCache\Content.MSO\E92DA44B.tmp">
               <a:extLst>
                 <a:ext uri="{FF2B5EF4-FFF2-40B4-BE49-F238E27FC236}">
-                  <a16:creationId xmlns:a16="http://schemas.microsoft.com/office/drawing/2014/main" id="{B07E32C4-1BC6-4522-B160-232B606909B9}"/>
+                  <a16:creationId xmlns:a16="http://schemas.microsoft.com/office/drawing/2014/main" id="{43F45B98-66DB-4130-B5D4-2BC58C5C338A}"/>
                 </a:ext>
               </a:extLst>
             </p:cNvPr>
-            <p:cNvPicPr>
-              <a:picLocks noChangeAspect="1"/>
-            </p:cNvPicPr>
+            <p:cNvPicPr/>
             <p:nvPr/>
           </p:nvPicPr>
           <p:blipFill>
-            <a:blip r:embed="rId2"/>
+            <a:blip r:embed="rId2" cstate="print">
+              <a:extLst>
+                <a:ext uri="{28A0092B-C50C-407E-A947-70E740481C1C}">
+                  <a14:useLocalDpi xmlns:a14="http://schemas.microsoft.com/office/drawing/2010/main" val="0"/>
+                </a:ext>
+              </a:extLst>
+            </a:blip>
+            <a:srcRect/>
             <a:stretch>
               <a:fillRect/>
             </a:stretch>
           </p:blipFill>
-          <p:spPr>
+          <p:spPr bwMode="auto">
             <a:xfrm>
-              <a:off x="937115" y="2598699"/>
-              <a:ext cx="2553614" cy="2755488"/>
+              <a:off x="1042836" y="2551458"/>
+              <a:ext cx="3504565" cy="3774440"/>
             </a:xfrm>
             <a:prstGeom prst="rect">
               <a:avLst/>
             </a:prstGeom>
+            <a:noFill/>
+            <a:ln>
+              <a:noFill/>
+            </a:ln>
           </p:spPr>
         </p:pic>
         <p:sp>
           <p:nvSpPr>
-            <p:cNvPr id="13" name="직사각형 12">
+            <p:cNvPr id="6" name="직사각형 5">
               <a:extLst>
                 <a:ext uri="{FF2B5EF4-FFF2-40B4-BE49-F238E27FC236}">
-                  <a16:creationId xmlns:a16="http://schemas.microsoft.com/office/drawing/2014/main" id="{CFFCE0C3-096A-4240-B1D9-3A37400DF52E}"/>
+                  <a16:creationId xmlns:a16="http://schemas.microsoft.com/office/drawing/2014/main" id="{4BB21B76-77C4-48C1-87E8-C58F5B3F26A6}"/>
                 </a:ext>
               </a:extLst>
             </p:cNvPr>
@@ -10251,8 +9887,8 @@
           </p:nvSpPr>
           <p:spPr>
             <a:xfrm>
-              <a:off x="1973782" y="4525066"/>
-              <a:ext cx="670027" cy="131007"/>
+              <a:off x="2496710" y="3371353"/>
+              <a:ext cx="564542" cy="242515"/>
             </a:xfrm>
             <a:prstGeom prst="rect">
               <a:avLst/>
@@ -10292,10 +9928,10 @@
       </p:grpSp>
       <p:grpSp>
         <p:nvGrpSpPr>
-          <p:cNvPr id="6" name="그룹 5">
-            <a:extLst>
-              <a:ext uri="{FF2B5EF4-FFF2-40B4-BE49-F238E27FC236}">
-                <a16:creationId xmlns:a16="http://schemas.microsoft.com/office/drawing/2014/main" id="{1B598CAF-27CF-42AA-9F2E-D985E0F9D6F3}"/>
+          <p:cNvPr id="8" name="그룹 7">
+            <a:extLst>
+              <a:ext uri="{FF2B5EF4-FFF2-40B4-BE49-F238E27FC236}">
+                <a16:creationId xmlns:a16="http://schemas.microsoft.com/office/drawing/2014/main" id="{BF88D8BB-1DF8-4CC8-9A24-352CAAE3A83F}"/>
               </a:ext>
             </a:extLst>
           </p:cNvPr>
@@ -10304,18 +9940,18 @@
         </p:nvGrpSpPr>
         <p:grpSpPr>
           <a:xfrm>
-            <a:off x="3404491" y="2935214"/>
-            <a:ext cx="1788358" cy="2206850"/>
-            <a:chOff x="4182116" y="2902225"/>
-            <a:chExt cx="1788358" cy="2206850"/>
+            <a:off x="4090375" y="2933479"/>
+            <a:ext cx="3382116" cy="2349886"/>
+            <a:chOff x="4959971" y="2916094"/>
+            <a:chExt cx="4382812" cy="3045168"/>
           </a:xfrm>
         </p:grpSpPr>
         <p:pic>
           <p:nvPicPr>
-            <p:cNvPr id="11" name="그림 10">
+            <p:cNvPr id="17" name="그림 16">
               <a:extLst>
                 <a:ext uri="{FF2B5EF4-FFF2-40B4-BE49-F238E27FC236}">
-                  <a16:creationId xmlns:a16="http://schemas.microsoft.com/office/drawing/2014/main" id="{7AFE9B60-DC98-4E97-ADEF-9E96AB380472}"/>
+                  <a16:creationId xmlns:a16="http://schemas.microsoft.com/office/drawing/2014/main" id="{2EE6F07B-EA05-4476-9C44-7EF3A1DA9784}"/>
                 </a:ext>
               </a:extLst>
             </p:cNvPr>
@@ -10324,16 +9960,21 @@
             </p:cNvPicPr>
             <p:nvPr/>
           </p:nvPicPr>
-          <p:blipFill>
-            <a:blip r:embed="rId3"/>
-            <a:stretch>
-              <a:fillRect/>
-            </a:stretch>
+          <p:blipFill rotWithShape="1">
+            <a:blip r:embed="rId3">
+              <a:extLst>
+                <a:ext uri="{28A0092B-C50C-407E-A947-70E740481C1C}">
+                  <a14:useLocalDpi xmlns:a14="http://schemas.microsoft.com/office/drawing/2010/main" val="0"/>
+                </a:ext>
+              </a:extLst>
+            </a:blip>
+            <a:srcRect t="1363" r="32061"/>
+            <a:stretch/>
           </p:blipFill>
           <p:spPr>
             <a:xfrm>
-              <a:off x="4182116" y="2902225"/>
-              <a:ext cx="1788358" cy="2206850"/>
+              <a:off x="4959971" y="2916094"/>
+              <a:ext cx="4382812" cy="3045168"/>
             </a:xfrm>
             <a:prstGeom prst="rect">
               <a:avLst/>
@@ -10345,7 +9986,7 @@
             <p:cNvPr id="14" name="직사각형 13">
               <a:extLst>
                 <a:ext uri="{FF2B5EF4-FFF2-40B4-BE49-F238E27FC236}">
-                  <a16:creationId xmlns:a16="http://schemas.microsoft.com/office/drawing/2014/main" id="{FF020384-3F9C-4386-8E10-6B9D2C49CC5B}"/>
+                  <a16:creationId xmlns:a16="http://schemas.microsoft.com/office/drawing/2014/main" id="{3F50FEA9-9356-409C-AD0E-3E3EBF570600}"/>
                 </a:ext>
               </a:extLst>
             </p:cNvPr>
@@ -10354,8 +9995,8 @@
           </p:nvSpPr>
           <p:spPr>
             <a:xfrm>
-              <a:off x="5215264" y="4168861"/>
-              <a:ext cx="670027" cy="131007"/>
+              <a:off x="5030524" y="5514403"/>
+              <a:ext cx="1871207" cy="256430"/>
             </a:xfrm>
             <a:prstGeom prst="rect">
               <a:avLst/>
@@ -10393,12 +10034,50 @@
           </p:txBody>
         </p:sp>
       </p:grpSp>
+      <p:sp>
+        <p:nvSpPr>
+          <p:cNvPr id="19" name="직사각형 18">
+            <a:extLst>
+              <a:ext uri="{FF2B5EF4-FFF2-40B4-BE49-F238E27FC236}">
+                <a16:creationId xmlns:a16="http://schemas.microsoft.com/office/drawing/2014/main" id="{EF49FFD8-E5C1-4797-A19E-E37938E5A549}"/>
+              </a:ext>
+            </a:extLst>
+          </p:cNvPr>
+          <p:cNvSpPr/>
+          <p:nvPr/>
+        </p:nvSpPr>
+        <p:spPr>
+          <a:xfrm>
+            <a:off x="7846725" y="3982927"/>
+            <a:ext cx="1143513" cy="184666"/>
+          </a:xfrm>
+          <a:prstGeom prst="rect">
+            <a:avLst/>
+          </a:prstGeom>
+        </p:spPr>
+        <p:txBody>
+          <a:bodyPr wrap="square">
+            <a:spAutoFit/>
+          </a:bodyPr>
+          <a:lstStyle/>
+          <a:p>
+            <a:r>
+              <a:rPr lang="en-US" altLang="ko-KR" sz="600" dirty="0"/>
+              <a:t>w32time process </a:t>
+            </a:r>
+            <a:r>
+              <a:rPr lang="ko-KR" altLang="en-US" sz="600" dirty="0"/>
+              <a:t>실행 확인</a:t>
+            </a:r>
+          </a:p>
+        </p:txBody>
+      </p:sp>
       <p:grpSp>
         <p:nvGrpSpPr>
-          <p:cNvPr id="19" name="그룹 18">
-            <a:extLst>
-              <a:ext uri="{FF2B5EF4-FFF2-40B4-BE49-F238E27FC236}">
-                <a16:creationId xmlns:a16="http://schemas.microsoft.com/office/drawing/2014/main" id="{397F5A88-6CEB-41B2-AA1E-89A73CBF1E8E}"/>
+          <p:cNvPr id="23" name="그룹 22">
+            <a:extLst>
+              <a:ext uri="{FF2B5EF4-FFF2-40B4-BE49-F238E27FC236}">
+                <a16:creationId xmlns:a16="http://schemas.microsoft.com/office/drawing/2014/main" id="{93DFBA6E-1B0D-422E-8F6E-CED07C5C1D40}"/>
               </a:ext>
             </a:extLst>
           </p:cNvPr>
@@ -10407,48 +10086,57 @@
         </p:nvGrpSpPr>
         <p:grpSpPr>
           <a:xfrm>
-            <a:off x="5551884" y="3366548"/>
-            <a:ext cx="2105572" cy="1448440"/>
-            <a:chOff x="6661861" y="3434134"/>
-            <a:chExt cx="2105572" cy="1448440"/>
+            <a:off x="7846725" y="3054595"/>
+            <a:ext cx="3312192" cy="928332"/>
+            <a:chOff x="7501564" y="2869178"/>
+            <a:chExt cx="3312192" cy="928332"/>
           </a:xfrm>
         </p:grpSpPr>
         <p:pic>
           <p:nvPicPr>
-            <p:cNvPr id="10" name="그림 9">
+            <p:cNvPr id="15" name="그림 14" descr="C:\Users\KETI_UnstructedWork\AppData\Local\Microsoft\Windows\INetCache\Content.MSO\19127117.tmp">
               <a:extLst>
                 <a:ext uri="{FF2B5EF4-FFF2-40B4-BE49-F238E27FC236}">
-                  <a16:creationId xmlns:a16="http://schemas.microsoft.com/office/drawing/2014/main" id="{F8B0A226-E173-4256-930F-24362289369F}"/>
+                  <a16:creationId xmlns:a16="http://schemas.microsoft.com/office/drawing/2014/main" id="{DF34C667-A646-4E23-9514-8137F28C8F24}"/>
                 </a:ext>
               </a:extLst>
             </p:cNvPr>
-            <p:cNvPicPr>
-              <a:picLocks noChangeAspect="1"/>
-            </p:cNvPicPr>
+            <p:cNvPicPr/>
             <p:nvPr/>
           </p:nvPicPr>
           <p:blipFill>
-            <a:blip r:embed="rId4"/>
+            <a:blip r:embed="rId4">
+              <a:extLst>
+                <a:ext uri="{28A0092B-C50C-407E-A947-70E740481C1C}">
+                  <a14:useLocalDpi xmlns:a14="http://schemas.microsoft.com/office/drawing/2010/main" val="0"/>
+                </a:ext>
+              </a:extLst>
+            </a:blip>
+            <a:srcRect/>
             <a:stretch>
               <a:fillRect/>
             </a:stretch>
           </p:blipFill>
-          <p:spPr>
+          <p:spPr bwMode="auto">
             <a:xfrm>
-              <a:off x="6661861" y="3434134"/>
-              <a:ext cx="2105572" cy="1448440"/>
+              <a:off x="7501564" y="2869178"/>
+              <a:ext cx="3312192" cy="928332"/>
             </a:xfrm>
             <a:prstGeom prst="rect">
               <a:avLst/>
             </a:prstGeom>
+            <a:noFill/>
+            <a:ln>
+              <a:noFill/>
+            </a:ln>
           </p:spPr>
         </p:pic>
         <p:sp>
           <p:nvSpPr>
-            <p:cNvPr id="15" name="직사각형 14">
+            <p:cNvPr id="20" name="직사각형 19">
               <a:extLst>
                 <a:ext uri="{FF2B5EF4-FFF2-40B4-BE49-F238E27FC236}">
-                  <a16:creationId xmlns:a16="http://schemas.microsoft.com/office/drawing/2014/main" id="{49D95D87-3AB6-4094-BE36-F19FE2132E65}"/>
+                  <a16:creationId xmlns:a16="http://schemas.microsoft.com/office/drawing/2014/main" id="{7974C640-2D21-432E-851C-047CC80813F9}"/>
                 </a:ext>
               </a:extLst>
             </p:cNvPr>
@@ -10457,60 +10145,8 @@
           </p:nvSpPr>
           <p:spPr>
             <a:xfrm>
-              <a:off x="7123578" y="3914246"/>
-              <a:ext cx="477870" cy="124393"/>
-            </a:xfrm>
-            <a:prstGeom prst="rect">
-              <a:avLst/>
-            </a:prstGeom>
-            <a:noFill/>
-            <a:ln>
-              <a:solidFill>
-                <a:srgbClr val="FF0000"/>
-              </a:solidFill>
-            </a:ln>
-          </p:spPr>
-          <p:style>
-            <a:lnRef idx="2">
-              <a:schemeClr val="accent1">
-                <a:shade val="50000"/>
-              </a:schemeClr>
-            </a:lnRef>
-            <a:fillRef idx="1">
-              <a:schemeClr val="accent1"/>
-            </a:fillRef>
-            <a:effectRef idx="0">
-              <a:schemeClr val="accent1"/>
-            </a:effectRef>
-            <a:fontRef idx="minor">
-              <a:schemeClr val="lt1"/>
-            </a:fontRef>
-          </p:style>
-          <p:txBody>
-            <a:bodyPr rtlCol="0" anchor="ctr"/>
-            <a:lstStyle/>
-            <a:p>
-              <a:pPr algn="ctr"/>
-              <a:endParaRPr lang="ko-KR" altLang="en-US"/>
-            </a:p>
-          </p:txBody>
-        </p:sp>
-        <p:sp>
-          <p:nvSpPr>
-            <p:cNvPr id="17" name="직사각형 16">
-              <a:extLst>
-                <a:ext uri="{FF2B5EF4-FFF2-40B4-BE49-F238E27FC236}">
-                  <a16:creationId xmlns:a16="http://schemas.microsoft.com/office/drawing/2014/main" id="{1EC20F4D-B139-44C8-BDED-8585F41A1F53}"/>
-                </a:ext>
-              </a:extLst>
-            </p:cNvPr>
-            <p:cNvSpPr/>
-            <p:nvPr/>
-          </p:nvSpPr>
-          <p:spPr>
-            <a:xfrm>
-              <a:off x="7867816" y="4656073"/>
-              <a:ext cx="393589" cy="130612"/>
+              <a:off x="8758362" y="3234405"/>
+              <a:ext cx="489006" cy="98939"/>
             </a:xfrm>
             <a:prstGeom prst="rect">
               <a:avLst/>
@@ -10548,160 +10184,27 @@
           </p:txBody>
         </p:sp>
       </p:grpSp>
-      <p:pic>
-        <p:nvPicPr>
-          <p:cNvPr id="18" name="그림 17">
-            <a:extLst>
-              <a:ext uri="{FF2B5EF4-FFF2-40B4-BE49-F238E27FC236}">
-                <a16:creationId xmlns:a16="http://schemas.microsoft.com/office/drawing/2014/main" id="{AD56F97D-A856-4D98-BEE4-0A332FB092D6}"/>
-              </a:ext>
-            </a:extLst>
-          </p:cNvPr>
-          <p:cNvPicPr>
-            <a:picLocks noChangeAspect="1"/>
-          </p:cNvPicPr>
+      <p:sp>
+        <p:nvSpPr>
+          <p:cNvPr id="21" name="직사각형 20">
+            <a:extLst>
+              <a:ext uri="{FF2B5EF4-FFF2-40B4-BE49-F238E27FC236}">
+                <a16:creationId xmlns:a16="http://schemas.microsoft.com/office/drawing/2014/main" id="{2CCEC15C-DDEB-470A-A178-1BEA795FBC6C}"/>
+              </a:ext>
+            </a:extLst>
+          </p:cNvPr>
+          <p:cNvSpPr/>
           <p:nvPr/>
-        </p:nvPicPr>
-        <p:blipFill rotWithShape="1">
-          <a:blip r:embed="rId5"/>
-          <a:srcRect r="44433"/>
-          <a:stretch/>
-        </p:blipFill>
+        </p:nvSpPr>
         <p:spPr>
           <a:xfrm>
-            <a:off x="8606830" y="3128746"/>
-            <a:ext cx="2105572" cy="1819786"/>
+            <a:off x="7846724" y="5287243"/>
+            <a:ext cx="2222882" cy="184666"/>
           </a:xfrm>
           <a:prstGeom prst="rect">
             <a:avLst/>
           </a:prstGeom>
         </p:spPr>
-      </p:pic>
-      <p:sp>
-        <p:nvSpPr>
-          <p:cNvPr id="20" name="직사각형 19">
-            <a:extLst>
-              <a:ext uri="{FF2B5EF4-FFF2-40B4-BE49-F238E27FC236}">
-                <a16:creationId xmlns:a16="http://schemas.microsoft.com/office/drawing/2014/main" id="{FFC50DF6-9860-4680-8F20-7A1533978CEF}"/>
-              </a:ext>
-            </a:extLst>
-          </p:cNvPr>
-          <p:cNvSpPr/>
-          <p:nvPr/>
-        </p:nvSpPr>
-        <p:spPr>
-          <a:xfrm>
-            <a:off x="8606830" y="4594706"/>
-            <a:ext cx="652464" cy="124393"/>
-          </a:xfrm>
-          <a:prstGeom prst="rect">
-            <a:avLst/>
-          </a:prstGeom>
-          <a:noFill/>
-          <a:ln>
-            <a:solidFill>
-              <a:srgbClr val="FF0000"/>
-            </a:solidFill>
-          </a:ln>
-        </p:spPr>
-        <p:style>
-          <a:lnRef idx="2">
-            <a:schemeClr val="accent1">
-              <a:shade val="50000"/>
-            </a:schemeClr>
-          </a:lnRef>
-          <a:fillRef idx="1">
-            <a:schemeClr val="accent1"/>
-          </a:fillRef>
-          <a:effectRef idx="0">
-            <a:schemeClr val="accent1"/>
-          </a:effectRef>
-          <a:fontRef idx="minor">
-            <a:schemeClr val="lt1"/>
-          </a:fontRef>
-        </p:style>
-        <p:txBody>
-          <a:bodyPr rtlCol="0" anchor="ctr"/>
-          <a:lstStyle/>
-          <a:p>
-            <a:pPr algn="ctr"/>
-            <a:endParaRPr lang="ko-KR" altLang="en-US"/>
-          </a:p>
-        </p:txBody>
-      </p:sp>
-      <p:sp>
-        <p:nvSpPr>
-          <p:cNvPr id="21" name="직사각형 20">
-            <a:extLst>
-              <a:ext uri="{FF2B5EF4-FFF2-40B4-BE49-F238E27FC236}">
-                <a16:creationId xmlns:a16="http://schemas.microsoft.com/office/drawing/2014/main" id="{31739701-B917-4860-9DCB-C6BE1E5457EF}"/>
-              </a:ext>
-            </a:extLst>
-          </p:cNvPr>
-          <p:cNvSpPr/>
-          <p:nvPr/>
-        </p:nvSpPr>
-        <p:spPr>
-          <a:xfrm>
-            <a:off x="9259294" y="4208464"/>
-            <a:ext cx="548640" cy="156809"/>
-          </a:xfrm>
-          <a:prstGeom prst="rect">
-            <a:avLst/>
-          </a:prstGeom>
-          <a:noFill/>
-          <a:ln>
-            <a:solidFill>
-              <a:srgbClr val="FF0000"/>
-            </a:solidFill>
-          </a:ln>
-        </p:spPr>
-        <p:style>
-          <a:lnRef idx="2">
-            <a:schemeClr val="accent1">
-              <a:shade val="50000"/>
-            </a:schemeClr>
-          </a:lnRef>
-          <a:fillRef idx="1">
-            <a:schemeClr val="accent1"/>
-          </a:fillRef>
-          <a:effectRef idx="0">
-            <a:schemeClr val="accent1"/>
-          </a:effectRef>
-          <a:fontRef idx="minor">
-            <a:schemeClr val="lt1"/>
-          </a:fontRef>
-        </p:style>
-        <p:txBody>
-          <a:bodyPr rtlCol="0" anchor="ctr"/>
-          <a:lstStyle/>
-          <a:p>
-            <a:pPr algn="ctr"/>
-            <a:endParaRPr lang="ko-KR" altLang="en-US"/>
-          </a:p>
-        </p:txBody>
-      </p:sp>
-      <p:sp>
-        <p:nvSpPr>
-          <p:cNvPr id="22" name="직사각형 21">
-            <a:extLst>
-              <a:ext uri="{FF2B5EF4-FFF2-40B4-BE49-F238E27FC236}">
-                <a16:creationId xmlns:a16="http://schemas.microsoft.com/office/drawing/2014/main" id="{E7BC72B2-22A4-4082-9CFD-CCED442A8728}"/>
-              </a:ext>
-            </a:extLst>
-          </p:cNvPr>
-          <p:cNvSpPr/>
-          <p:nvPr/>
-        </p:nvSpPr>
-        <p:spPr>
-          <a:xfrm>
-            <a:off x="8606830" y="2941204"/>
-            <a:ext cx="742142" cy="215444"/>
-          </a:xfrm>
-          <a:prstGeom prst="rect">
-            <a:avLst/>
-          </a:prstGeom>
-        </p:spPr>
         <p:txBody>
           <a:bodyPr wrap="square">
             <a:spAutoFit/>
@@ -10709,51 +10212,144 @@
           <a:lstStyle/>
           <a:p>
             <a:r>
-              <a:rPr lang="ko-KR" altLang="en-US" sz="800" dirty="0"/>
-              <a:t>동기화 확인</a:t>
-            </a:r>
-          </a:p>
-        </p:txBody>
-      </p:sp>
-      <p:sp>
-        <p:nvSpPr>
-          <p:cNvPr id="23" name="직사각형 22">
-            <a:extLst>
-              <a:ext uri="{FF2B5EF4-FFF2-40B4-BE49-F238E27FC236}">
-                <a16:creationId xmlns:a16="http://schemas.microsoft.com/office/drawing/2014/main" id="{72EFA21C-039E-4D31-AF7F-EB0102D6D840}"/>
-              </a:ext>
-            </a:extLst>
-          </p:cNvPr>
-          <p:cNvSpPr/>
+              <a:rPr lang="ko-KR" altLang="en-US" sz="600" dirty="0"/>
+              <a:t>외부 </a:t>
+            </a:r>
+            <a:r>
+              <a:rPr lang="en-US" altLang="ko-KR" sz="600" dirty="0"/>
+              <a:t>NTP </a:t>
+            </a:r>
+            <a:r>
+              <a:rPr lang="ko-KR" altLang="en-US" sz="600" dirty="0"/>
+              <a:t>서버</a:t>
+            </a:r>
+            <a:r>
+              <a:rPr lang="en-US" altLang="ko-KR" sz="600" dirty="0"/>
+              <a:t>(time.windows.com)</a:t>
+            </a:r>
+            <a:r>
+              <a:rPr lang="ko-KR" altLang="en-US" sz="600" dirty="0"/>
+              <a:t>와 동기화되었는지 확인</a:t>
+            </a:r>
+          </a:p>
+        </p:txBody>
+      </p:sp>
+      <p:grpSp>
+        <p:nvGrpSpPr>
+          <p:cNvPr id="12" name="그룹 11">
+            <a:extLst>
+              <a:ext uri="{FF2B5EF4-FFF2-40B4-BE49-F238E27FC236}">
+                <a16:creationId xmlns:a16="http://schemas.microsoft.com/office/drawing/2014/main" id="{736F38D7-0FBC-411A-A334-86E8B805D8D1}"/>
+              </a:ext>
+            </a:extLst>
+          </p:cNvPr>
+          <p:cNvGrpSpPr/>
           <p:nvPr/>
-        </p:nvSpPr>
-        <p:spPr>
+        </p:nvGrpSpPr>
+        <p:grpSpPr>
           <a:xfrm>
-            <a:off x="8606829" y="4948532"/>
-            <a:ext cx="1328325" cy="215444"/>
-          </a:xfrm>
-          <a:prstGeom prst="rect">
-            <a:avLst/>
-          </a:prstGeom>
-        </p:spPr>
-        <p:txBody>
-          <a:bodyPr wrap="square">
-            <a:spAutoFit/>
-          </a:bodyPr>
-          <a:lstStyle/>
-          <a:p>
-            <a:r>
-              <a:rPr lang="en-US" altLang="ko-KR" sz="800"/>
-              <a:t>w32tm /query /status</a:t>
-            </a:r>
-            <a:endParaRPr lang="ko-KR" altLang="en-US" sz="800" dirty="0"/>
-          </a:p>
-        </p:txBody>
-      </p:sp>
+            <a:off x="7846725" y="4403953"/>
+            <a:ext cx="2072622" cy="884358"/>
+            <a:chOff x="7501564" y="4218536"/>
+            <a:chExt cx="2072622" cy="884358"/>
+          </a:xfrm>
+        </p:grpSpPr>
+        <p:pic>
+          <p:nvPicPr>
+            <p:cNvPr id="18" name="그림 17" descr="C:\Users\KETI_UnstructedWork\AppData\Local\Microsoft\Windows\INetCache\Content.MSO\FBF2523D.tmp">
+              <a:extLst>
+                <a:ext uri="{FF2B5EF4-FFF2-40B4-BE49-F238E27FC236}">
+                  <a16:creationId xmlns:a16="http://schemas.microsoft.com/office/drawing/2014/main" id="{BA779A8E-CA0D-472F-9627-CD59A1549F07}"/>
+                </a:ext>
+              </a:extLst>
+            </p:cNvPr>
+            <p:cNvPicPr/>
+            <p:nvPr/>
+          </p:nvPicPr>
+          <p:blipFill>
+            <a:blip r:embed="rId5">
+              <a:extLst>
+                <a:ext uri="{28A0092B-C50C-407E-A947-70E740481C1C}">
+                  <a14:useLocalDpi xmlns:a14="http://schemas.microsoft.com/office/drawing/2010/main" val="0"/>
+                </a:ext>
+              </a:extLst>
+            </a:blip>
+            <a:srcRect/>
+            <a:stretch>
+              <a:fillRect/>
+            </a:stretch>
+          </p:blipFill>
+          <p:spPr bwMode="auto">
+            <a:xfrm>
+              <a:off x="7501564" y="4218536"/>
+              <a:ext cx="2072622" cy="884358"/>
+            </a:xfrm>
+            <a:prstGeom prst="rect">
+              <a:avLst/>
+            </a:prstGeom>
+            <a:noFill/>
+            <a:ln>
+              <a:noFill/>
+            </a:ln>
+          </p:spPr>
+        </p:pic>
+        <p:sp>
+          <p:nvSpPr>
+            <p:cNvPr id="22" name="직사각형 21">
+              <a:extLst>
+                <a:ext uri="{FF2B5EF4-FFF2-40B4-BE49-F238E27FC236}">
+                  <a16:creationId xmlns:a16="http://schemas.microsoft.com/office/drawing/2014/main" id="{75D98488-BCC7-4BB0-9AE4-A913B9840B6D}"/>
+                </a:ext>
+              </a:extLst>
+            </p:cNvPr>
+            <p:cNvSpPr/>
+            <p:nvPr/>
+          </p:nvSpPr>
+          <p:spPr>
+            <a:xfrm>
+              <a:off x="8293371" y="4373536"/>
+              <a:ext cx="814847" cy="126902"/>
+            </a:xfrm>
+            <a:prstGeom prst="rect">
+              <a:avLst/>
+            </a:prstGeom>
+            <a:noFill/>
+            <a:ln>
+              <a:solidFill>
+                <a:srgbClr val="FF0000"/>
+              </a:solidFill>
+            </a:ln>
+          </p:spPr>
+          <p:style>
+            <a:lnRef idx="2">
+              <a:schemeClr val="accent1">
+                <a:shade val="50000"/>
+              </a:schemeClr>
+            </a:lnRef>
+            <a:fillRef idx="1">
+              <a:schemeClr val="accent1"/>
+            </a:fillRef>
+            <a:effectRef idx="0">
+              <a:schemeClr val="accent1"/>
+            </a:effectRef>
+            <a:fontRef idx="minor">
+              <a:schemeClr val="lt1"/>
+            </a:fontRef>
+          </p:style>
+          <p:txBody>
+            <a:bodyPr rtlCol="0" anchor="ctr"/>
+            <a:lstStyle/>
+            <a:p>
+              <a:pPr algn="ctr"/>
+              <a:endParaRPr lang="ko-KR" altLang="en-US"/>
+            </a:p>
+          </p:txBody>
+        </p:sp>
+      </p:grpSp>
     </p:spTree>
     <p:extLst>
       <p:ext uri="{BB962C8B-B14F-4D97-AF65-F5344CB8AC3E}">
-        <p14:creationId xmlns:p14="http://schemas.microsoft.com/office/powerpoint/2010/main" val="2159062526"/>
+        <p14:creationId xmlns:p14="http://schemas.microsoft.com/office/powerpoint/2010/main" val="695368211"/>
       </p:ext>
     </p:extLst>
   </p:cSld>

--- a/doc/time_synchronization.pptx
+++ b/doc/time_synchronization.pptx
@@ -12,12 +12,12 @@
     <p:sldId id="258" r:id="rId6"/>
     <p:sldId id="263" r:id="rId7"/>
     <p:sldId id="264" r:id="rId8"/>
-    <p:sldId id="265" r:id="rId9"/>
-    <p:sldId id="266" r:id="rId10"/>
-    <p:sldId id="271" r:id="rId11"/>
-    <p:sldId id="267" r:id="rId12"/>
-    <p:sldId id="268" r:id="rId13"/>
-    <p:sldId id="269" r:id="rId14"/>
+    <p:sldId id="272" r:id="rId9"/>
+    <p:sldId id="265" r:id="rId10"/>
+    <p:sldId id="266" r:id="rId11"/>
+    <p:sldId id="271" r:id="rId12"/>
+    <p:sldId id="267" r:id="rId13"/>
+    <p:sldId id="268" r:id="rId14"/>
     <p:sldId id="270" r:id="rId15"/>
   </p:sldIdLst>
   <p:sldSz cx="12192000" cy="6858000"/>
@@ -272,7 +272,7 @@
           <a:p>
             <a:fld id="{4B52E3D8-F22A-47D7-9F70-F613600D8D26}" type="datetimeFigureOut">
               <a:rPr lang="ko-KR" altLang="en-US" smtClean="0"/>
-              <a:t>2023-01-31</a:t>
+              <a:t>2023-03-15</a:t>
             </a:fld>
             <a:endParaRPr lang="ko-KR" altLang="en-US"/>
           </a:p>
@@ -470,7 +470,7 @@
           <a:p>
             <a:fld id="{4B52E3D8-F22A-47D7-9F70-F613600D8D26}" type="datetimeFigureOut">
               <a:rPr lang="ko-KR" altLang="en-US" smtClean="0"/>
-              <a:t>2023-01-31</a:t>
+              <a:t>2023-03-15</a:t>
             </a:fld>
             <a:endParaRPr lang="ko-KR" altLang="en-US"/>
           </a:p>
@@ -678,7 +678,7 @@
           <a:p>
             <a:fld id="{4B52E3D8-F22A-47D7-9F70-F613600D8D26}" type="datetimeFigureOut">
               <a:rPr lang="ko-KR" altLang="en-US" smtClean="0"/>
-              <a:t>2023-01-31</a:t>
+              <a:t>2023-03-15</a:t>
             </a:fld>
             <a:endParaRPr lang="ko-KR" altLang="en-US"/>
           </a:p>
@@ -876,7 +876,7 @@
           <a:p>
             <a:fld id="{4B52E3D8-F22A-47D7-9F70-F613600D8D26}" type="datetimeFigureOut">
               <a:rPr lang="ko-KR" altLang="en-US" smtClean="0"/>
-              <a:t>2023-01-31</a:t>
+              <a:t>2023-03-15</a:t>
             </a:fld>
             <a:endParaRPr lang="ko-KR" altLang="en-US"/>
           </a:p>
@@ -1151,7 +1151,7 @@
           <a:p>
             <a:fld id="{4B52E3D8-F22A-47D7-9F70-F613600D8D26}" type="datetimeFigureOut">
               <a:rPr lang="ko-KR" altLang="en-US" smtClean="0"/>
-              <a:t>2023-01-31</a:t>
+              <a:t>2023-03-15</a:t>
             </a:fld>
             <a:endParaRPr lang="ko-KR" altLang="en-US"/>
           </a:p>
@@ -1416,7 +1416,7 @@
           <a:p>
             <a:fld id="{4B52E3D8-F22A-47D7-9F70-F613600D8D26}" type="datetimeFigureOut">
               <a:rPr lang="ko-KR" altLang="en-US" smtClean="0"/>
-              <a:t>2023-01-31</a:t>
+              <a:t>2023-03-15</a:t>
             </a:fld>
             <a:endParaRPr lang="ko-KR" altLang="en-US"/>
           </a:p>
@@ -1828,7 +1828,7 @@
           <a:p>
             <a:fld id="{4B52E3D8-F22A-47D7-9F70-F613600D8D26}" type="datetimeFigureOut">
               <a:rPr lang="ko-KR" altLang="en-US" smtClean="0"/>
-              <a:t>2023-01-31</a:t>
+              <a:t>2023-03-15</a:t>
             </a:fld>
             <a:endParaRPr lang="ko-KR" altLang="en-US"/>
           </a:p>
@@ -1969,7 +1969,7 @@
           <a:p>
             <a:fld id="{4B52E3D8-F22A-47D7-9F70-F613600D8D26}" type="datetimeFigureOut">
               <a:rPr lang="ko-KR" altLang="en-US" smtClean="0"/>
-              <a:t>2023-01-31</a:t>
+              <a:t>2023-03-15</a:t>
             </a:fld>
             <a:endParaRPr lang="ko-KR" altLang="en-US"/>
           </a:p>
@@ -2082,7 +2082,7 @@
           <a:p>
             <a:fld id="{4B52E3D8-F22A-47D7-9F70-F613600D8D26}" type="datetimeFigureOut">
               <a:rPr lang="ko-KR" altLang="en-US" smtClean="0"/>
-              <a:t>2023-01-31</a:t>
+              <a:t>2023-03-15</a:t>
             </a:fld>
             <a:endParaRPr lang="ko-KR" altLang="en-US"/>
           </a:p>
@@ -2393,7 +2393,7 @@
           <a:p>
             <a:fld id="{4B52E3D8-F22A-47D7-9F70-F613600D8D26}" type="datetimeFigureOut">
               <a:rPr lang="ko-KR" altLang="en-US" smtClean="0"/>
-              <a:t>2023-01-31</a:t>
+              <a:t>2023-03-15</a:t>
             </a:fld>
             <a:endParaRPr lang="ko-KR" altLang="en-US"/>
           </a:p>
@@ -2681,7 +2681,7 @@
           <a:p>
             <a:fld id="{4B52E3D8-F22A-47D7-9F70-F613600D8D26}" type="datetimeFigureOut">
               <a:rPr lang="ko-KR" altLang="en-US" smtClean="0"/>
-              <a:t>2023-01-31</a:t>
+              <a:t>2023-03-15</a:t>
             </a:fld>
             <a:endParaRPr lang="ko-KR" altLang="en-US"/>
           </a:p>
@@ -2922,7 +2922,7 @@
           <a:p>
             <a:fld id="{4B52E3D8-F22A-47D7-9F70-F613600D8D26}" type="datetimeFigureOut">
               <a:rPr lang="ko-KR" altLang="en-US" smtClean="0"/>
-              <a:t>2023-01-31</a:t>
+              <a:t>2023-03-15</a:t>
             </a:fld>
             <a:endParaRPr lang="ko-KR" altLang="en-US"/>
           </a:p>
@@ -3422,26 +3422,26 @@
           <a:lstStyle/>
           <a:p>
             <a:r>
-              <a:rPr lang="en-US" altLang="ko-KR" sz="3200" dirty="0"/>
+              <a:rPr lang="en-US" altLang="ko-KR" sz="3200" strike="sngStrike" dirty="0"/>
               <a:t>Windows</a:t>
             </a:r>
             <a:r>
-              <a:rPr lang="ko-KR" altLang="en-US" sz="3200" dirty="0"/>
+              <a:rPr lang="ko-KR" altLang="en-US" sz="3200" strike="sngStrike" dirty="0"/>
               <a:t> </a:t>
             </a:r>
             <a:r>
-              <a:rPr lang="en-US" altLang="ko-KR" sz="3200" dirty="0"/>
+              <a:rPr lang="en-US" altLang="ko-KR" sz="3200" strike="sngStrike" dirty="0"/>
               <a:t>NTP</a:t>
             </a:r>
             <a:r>
-              <a:rPr lang="ko-KR" altLang="en-US" sz="3200" dirty="0"/>
+              <a:rPr lang="ko-KR" altLang="en-US" sz="3200" strike="sngStrike" dirty="0"/>
               <a:t> </a:t>
             </a:r>
             <a:r>
-              <a:rPr lang="en-US" altLang="ko-KR" sz="3200" dirty="0"/>
+              <a:rPr lang="en-US" altLang="ko-KR" sz="3200" strike="sngStrike" dirty="0"/>
               <a:t>Server</a:t>
             </a:r>
-            <a:endParaRPr lang="ko-KR" altLang="en-US" sz="3200" dirty="0"/>
+            <a:endParaRPr lang="ko-KR" altLang="en-US" sz="3200" strike="sngStrike" dirty="0"/>
           </a:p>
         </p:txBody>
       </p:sp>
@@ -3476,7 +3476,814 @@
             <a:pPr lvl="0" fontAlgn="base"/>
             <a:r>
               <a:rPr lang="en-US" altLang="ko-KR" dirty="0"/>
-              <a:t>6. Windows Time </a:t>
+              <a:t>6. Windows NTP Server </a:t>
+            </a:r>
+            <a:r>
+              <a:rPr lang="ko-KR" altLang="ko-KR" dirty="0"/>
+              <a:t>설정확인</a:t>
+            </a:r>
+            <a:r>
+              <a:rPr lang="en-US" altLang="ko-KR" dirty="0"/>
+              <a:t> – </a:t>
+            </a:r>
+            <a:r>
+              <a:rPr lang="ko-KR" altLang="ko-KR" dirty="0"/>
+              <a:t>관리자 권한으로</a:t>
+            </a:r>
+            <a:r>
+              <a:rPr lang="en-US" altLang="ko-KR" dirty="0"/>
+              <a:t> </a:t>
+            </a:r>
+            <a:r>
+              <a:rPr lang="en-US" altLang="ko-KR" dirty="0" err="1"/>
+              <a:t>cmd</a:t>
+            </a:r>
+            <a:r>
+              <a:rPr lang="en-US" altLang="ko-KR" dirty="0"/>
+              <a:t> </a:t>
+            </a:r>
+            <a:r>
+              <a:rPr lang="ko-KR" altLang="ko-KR" dirty="0"/>
+              <a:t>실행</a:t>
+            </a:r>
+            <a:r>
+              <a:rPr lang="en-US" altLang="ko-KR" dirty="0"/>
+              <a:t>  </a:t>
+            </a:r>
+            <a:endParaRPr lang="ko-KR" altLang="ko-KR" dirty="0"/>
+          </a:p>
+        </p:txBody>
+      </p:sp>
+      <p:sp>
+        <p:nvSpPr>
+          <p:cNvPr id="11" name="직사각형 10">
+            <a:extLst>
+              <a:ext uri="{FF2B5EF4-FFF2-40B4-BE49-F238E27FC236}">
+                <a16:creationId xmlns:a16="http://schemas.microsoft.com/office/drawing/2014/main" id="{9DDF875A-7209-4828-8C5A-CABC6A44CB6A}"/>
+              </a:ext>
+            </a:extLst>
+          </p:cNvPr>
+          <p:cNvSpPr/>
+          <p:nvPr/>
+        </p:nvSpPr>
+        <p:spPr>
+          <a:xfrm>
+            <a:off x="4090375" y="5283365"/>
+            <a:ext cx="2434742" cy="184666"/>
+          </a:xfrm>
+          <a:prstGeom prst="rect">
+            <a:avLst/>
+          </a:prstGeom>
+        </p:spPr>
+        <p:txBody>
+          <a:bodyPr wrap="square">
+            <a:spAutoFit/>
+          </a:bodyPr>
+          <a:lstStyle/>
+          <a:p>
+            <a:r>
+              <a:rPr lang="en-US" altLang="ko-KR" sz="600" dirty="0"/>
+              <a:t>UDP 123 port</a:t>
+            </a:r>
+            <a:r>
+              <a:rPr lang="ko-KR" altLang="en-US" sz="600" dirty="0"/>
+              <a:t>가 보이지 않을 경우</a:t>
+            </a:r>
+            <a:r>
+              <a:rPr lang="en-US" altLang="ko-KR" sz="600" dirty="0"/>
+              <a:t>, </a:t>
+            </a:r>
+            <a:r>
+              <a:rPr lang="ko-KR" altLang="en-US" sz="600" dirty="0"/>
+              <a:t>자동으로 시간 설정 다시 켜기</a:t>
+            </a:r>
+            <a:r>
+              <a:rPr lang="en-US" altLang="ko-KR" sz="600" dirty="0"/>
+              <a:t> </a:t>
+            </a:r>
+            <a:endParaRPr lang="ko-KR" altLang="en-US" sz="600" dirty="0"/>
+          </a:p>
+        </p:txBody>
+      </p:sp>
+      <p:grpSp>
+        <p:nvGrpSpPr>
+          <p:cNvPr id="7" name="그룹 6">
+            <a:extLst>
+              <a:ext uri="{FF2B5EF4-FFF2-40B4-BE49-F238E27FC236}">
+                <a16:creationId xmlns:a16="http://schemas.microsoft.com/office/drawing/2014/main" id="{82CCB226-0B3C-47E9-A0CE-84BE04C5E4F2}"/>
+              </a:ext>
+            </a:extLst>
+          </p:cNvPr>
+          <p:cNvGrpSpPr/>
+          <p:nvPr/>
+        </p:nvGrpSpPr>
+        <p:grpSpPr>
+          <a:xfrm>
+            <a:off x="1171858" y="2652098"/>
+            <a:ext cx="2704392" cy="2912648"/>
+            <a:chOff x="1042836" y="2551458"/>
+            <a:chExt cx="3504565" cy="3774440"/>
+          </a:xfrm>
+        </p:grpSpPr>
+        <p:pic>
+          <p:nvPicPr>
+            <p:cNvPr id="10" name="그림 9" descr="C:\Users\KETI_UnstructedWork\AppData\Local\Microsoft\Windows\INetCache\Content.MSO\E92DA44B.tmp">
+              <a:extLst>
+                <a:ext uri="{FF2B5EF4-FFF2-40B4-BE49-F238E27FC236}">
+                  <a16:creationId xmlns:a16="http://schemas.microsoft.com/office/drawing/2014/main" id="{43F45B98-66DB-4130-B5D4-2BC58C5C338A}"/>
+                </a:ext>
+              </a:extLst>
+            </p:cNvPr>
+            <p:cNvPicPr/>
+            <p:nvPr/>
+          </p:nvPicPr>
+          <p:blipFill>
+            <a:blip r:embed="rId2" cstate="print">
+              <a:extLst>
+                <a:ext uri="{28A0092B-C50C-407E-A947-70E740481C1C}">
+                  <a14:useLocalDpi xmlns:a14="http://schemas.microsoft.com/office/drawing/2010/main" val="0"/>
+                </a:ext>
+              </a:extLst>
+            </a:blip>
+            <a:srcRect/>
+            <a:stretch>
+              <a:fillRect/>
+            </a:stretch>
+          </p:blipFill>
+          <p:spPr bwMode="auto">
+            <a:xfrm>
+              <a:off x="1042836" y="2551458"/>
+              <a:ext cx="3504565" cy="3774440"/>
+            </a:xfrm>
+            <a:prstGeom prst="rect">
+              <a:avLst/>
+            </a:prstGeom>
+            <a:noFill/>
+            <a:ln>
+              <a:noFill/>
+            </a:ln>
+          </p:spPr>
+        </p:pic>
+        <p:sp>
+          <p:nvSpPr>
+            <p:cNvPr id="6" name="직사각형 5">
+              <a:extLst>
+                <a:ext uri="{FF2B5EF4-FFF2-40B4-BE49-F238E27FC236}">
+                  <a16:creationId xmlns:a16="http://schemas.microsoft.com/office/drawing/2014/main" id="{4BB21B76-77C4-48C1-87E8-C58F5B3F26A6}"/>
+                </a:ext>
+              </a:extLst>
+            </p:cNvPr>
+            <p:cNvSpPr/>
+            <p:nvPr/>
+          </p:nvSpPr>
+          <p:spPr>
+            <a:xfrm>
+              <a:off x="2496710" y="3371353"/>
+              <a:ext cx="564542" cy="242515"/>
+            </a:xfrm>
+            <a:prstGeom prst="rect">
+              <a:avLst/>
+            </a:prstGeom>
+            <a:noFill/>
+            <a:ln>
+              <a:solidFill>
+                <a:srgbClr val="FF0000"/>
+              </a:solidFill>
+            </a:ln>
+          </p:spPr>
+          <p:style>
+            <a:lnRef idx="2">
+              <a:schemeClr val="accent1">
+                <a:shade val="50000"/>
+              </a:schemeClr>
+            </a:lnRef>
+            <a:fillRef idx="1">
+              <a:schemeClr val="accent1"/>
+            </a:fillRef>
+            <a:effectRef idx="0">
+              <a:schemeClr val="accent1"/>
+            </a:effectRef>
+            <a:fontRef idx="minor">
+              <a:schemeClr val="lt1"/>
+            </a:fontRef>
+          </p:style>
+          <p:txBody>
+            <a:bodyPr rtlCol="0" anchor="ctr"/>
+            <a:lstStyle/>
+            <a:p>
+              <a:pPr algn="ctr"/>
+              <a:endParaRPr lang="ko-KR" altLang="en-US"/>
+            </a:p>
+          </p:txBody>
+        </p:sp>
+      </p:grpSp>
+      <p:grpSp>
+        <p:nvGrpSpPr>
+          <p:cNvPr id="8" name="그룹 7">
+            <a:extLst>
+              <a:ext uri="{FF2B5EF4-FFF2-40B4-BE49-F238E27FC236}">
+                <a16:creationId xmlns:a16="http://schemas.microsoft.com/office/drawing/2014/main" id="{BF88D8BB-1DF8-4CC8-9A24-352CAAE3A83F}"/>
+              </a:ext>
+            </a:extLst>
+          </p:cNvPr>
+          <p:cNvGrpSpPr/>
+          <p:nvPr/>
+        </p:nvGrpSpPr>
+        <p:grpSpPr>
+          <a:xfrm>
+            <a:off x="4090375" y="2933479"/>
+            <a:ext cx="3382116" cy="2349886"/>
+            <a:chOff x="4959971" y="2916094"/>
+            <a:chExt cx="4382812" cy="3045168"/>
+          </a:xfrm>
+        </p:grpSpPr>
+        <p:pic>
+          <p:nvPicPr>
+            <p:cNvPr id="17" name="그림 16">
+              <a:extLst>
+                <a:ext uri="{FF2B5EF4-FFF2-40B4-BE49-F238E27FC236}">
+                  <a16:creationId xmlns:a16="http://schemas.microsoft.com/office/drawing/2014/main" id="{2EE6F07B-EA05-4476-9C44-7EF3A1DA9784}"/>
+                </a:ext>
+              </a:extLst>
+            </p:cNvPr>
+            <p:cNvPicPr>
+              <a:picLocks noChangeAspect="1"/>
+            </p:cNvPicPr>
+            <p:nvPr/>
+          </p:nvPicPr>
+          <p:blipFill rotWithShape="1">
+            <a:blip r:embed="rId3">
+              <a:extLst>
+                <a:ext uri="{28A0092B-C50C-407E-A947-70E740481C1C}">
+                  <a14:useLocalDpi xmlns:a14="http://schemas.microsoft.com/office/drawing/2010/main" val="0"/>
+                </a:ext>
+              </a:extLst>
+            </a:blip>
+            <a:srcRect t="1363" r="32061"/>
+            <a:stretch/>
+          </p:blipFill>
+          <p:spPr>
+            <a:xfrm>
+              <a:off x="4959971" y="2916094"/>
+              <a:ext cx="4382812" cy="3045168"/>
+            </a:xfrm>
+            <a:prstGeom prst="rect">
+              <a:avLst/>
+            </a:prstGeom>
+          </p:spPr>
+        </p:pic>
+        <p:sp>
+          <p:nvSpPr>
+            <p:cNvPr id="14" name="직사각형 13">
+              <a:extLst>
+                <a:ext uri="{FF2B5EF4-FFF2-40B4-BE49-F238E27FC236}">
+                  <a16:creationId xmlns:a16="http://schemas.microsoft.com/office/drawing/2014/main" id="{3F50FEA9-9356-409C-AD0E-3E3EBF570600}"/>
+                </a:ext>
+              </a:extLst>
+            </p:cNvPr>
+            <p:cNvSpPr/>
+            <p:nvPr/>
+          </p:nvSpPr>
+          <p:spPr>
+            <a:xfrm>
+              <a:off x="5030524" y="5514403"/>
+              <a:ext cx="1871207" cy="256430"/>
+            </a:xfrm>
+            <a:prstGeom prst="rect">
+              <a:avLst/>
+            </a:prstGeom>
+            <a:noFill/>
+            <a:ln>
+              <a:solidFill>
+                <a:srgbClr val="FF0000"/>
+              </a:solidFill>
+            </a:ln>
+          </p:spPr>
+          <p:style>
+            <a:lnRef idx="2">
+              <a:schemeClr val="accent1">
+                <a:shade val="50000"/>
+              </a:schemeClr>
+            </a:lnRef>
+            <a:fillRef idx="1">
+              <a:schemeClr val="accent1"/>
+            </a:fillRef>
+            <a:effectRef idx="0">
+              <a:schemeClr val="accent1"/>
+            </a:effectRef>
+            <a:fontRef idx="minor">
+              <a:schemeClr val="lt1"/>
+            </a:fontRef>
+          </p:style>
+          <p:txBody>
+            <a:bodyPr rtlCol="0" anchor="ctr"/>
+            <a:lstStyle/>
+            <a:p>
+              <a:pPr algn="ctr"/>
+              <a:endParaRPr lang="ko-KR" altLang="en-US"/>
+            </a:p>
+          </p:txBody>
+        </p:sp>
+      </p:grpSp>
+      <p:sp>
+        <p:nvSpPr>
+          <p:cNvPr id="19" name="직사각형 18">
+            <a:extLst>
+              <a:ext uri="{FF2B5EF4-FFF2-40B4-BE49-F238E27FC236}">
+                <a16:creationId xmlns:a16="http://schemas.microsoft.com/office/drawing/2014/main" id="{EF49FFD8-E5C1-4797-A19E-E37938E5A549}"/>
+              </a:ext>
+            </a:extLst>
+          </p:cNvPr>
+          <p:cNvSpPr/>
+          <p:nvPr/>
+        </p:nvSpPr>
+        <p:spPr>
+          <a:xfrm>
+            <a:off x="7846725" y="3982927"/>
+            <a:ext cx="1143513" cy="184666"/>
+          </a:xfrm>
+          <a:prstGeom prst="rect">
+            <a:avLst/>
+          </a:prstGeom>
+        </p:spPr>
+        <p:txBody>
+          <a:bodyPr wrap="square">
+            <a:spAutoFit/>
+          </a:bodyPr>
+          <a:lstStyle/>
+          <a:p>
+            <a:r>
+              <a:rPr lang="en-US" altLang="ko-KR" sz="600" dirty="0"/>
+              <a:t>w32time process </a:t>
+            </a:r>
+            <a:r>
+              <a:rPr lang="ko-KR" altLang="en-US" sz="600" dirty="0"/>
+              <a:t>실행 확인</a:t>
+            </a:r>
+          </a:p>
+        </p:txBody>
+      </p:sp>
+      <p:grpSp>
+        <p:nvGrpSpPr>
+          <p:cNvPr id="23" name="그룹 22">
+            <a:extLst>
+              <a:ext uri="{FF2B5EF4-FFF2-40B4-BE49-F238E27FC236}">
+                <a16:creationId xmlns:a16="http://schemas.microsoft.com/office/drawing/2014/main" id="{93DFBA6E-1B0D-422E-8F6E-CED07C5C1D40}"/>
+              </a:ext>
+            </a:extLst>
+          </p:cNvPr>
+          <p:cNvGrpSpPr/>
+          <p:nvPr/>
+        </p:nvGrpSpPr>
+        <p:grpSpPr>
+          <a:xfrm>
+            <a:off x="7846725" y="3054595"/>
+            <a:ext cx="3312192" cy="928332"/>
+            <a:chOff x="7501564" y="2869178"/>
+            <a:chExt cx="3312192" cy="928332"/>
+          </a:xfrm>
+        </p:grpSpPr>
+        <p:pic>
+          <p:nvPicPr>
+            <p:cNvPr id="15" name="그림 14" descr="C:\Users\KETI_UnstructedWork\AppData\Local\Microsoft\Windows\INetCache\Content.MSO\19127117.tmp">
+              <a:extLst>
+                <a:ext uri="{FF2B5EF4-FFF2-40B4-BE49-F238E27FC236}">
+                  <a16:creationId xmlns:a16="http://schemas.microsoft.com/office/drawing/2014/main" id="{DF34C667-A646-4E23-9514-8137F28C8F24}"/>
+                </a:ext>
+              </a:extLst>
+            </p:cNvPr>
+            <p:cNvPicPr/>
+            <p:nvPr/>
+          </p:nvPicPr>
+          <p:blipFill>
+            <a:blip r:embed="rId4">
+              <a:extLst>
+                <a:ext uri="{28A0092B-C50C-407E-A947-70E740481C1C}">
+                  <a14:useLocalDpi xmlns:a14="http://schemas.microsoft.com/office/drawing/2010/main" val="0"/>
+                </a:ext>
+              </a:extLst>
+            </a:blip>
+            <a:srcRect/>
+            <a:stretch>
+              <a:fillRect/>
+            </a:stretch>
+          </p:blipFill>
+          <p:spPr bwMode="auto">
+            <a:xfrm>
+              <a:off x="7501564" y="2869178"/>
+              <a:ext cx="3312192" cy="928332"/>
+            </a:xfrm>
+            <a:prstGeom prst="rect">
+              <a:avLst/>
+            </a:prstGeom>
+            <a:noFill/>
+            <a:ln>
+              <a:noFill/>
+            </a:ln>
+          </p:spPr>
+        </p:pic>
+        <p:sp>
+          <p:nvSpPr>
+            <p:cNvPr id="20" name="직사각형 19">
+              <a:extLst>
+                <a:ext uri="{FF2B5EF4-FFF2-40B4-BE49-F238E27FC236}">
+                  <a16:creationId xmlns:a16="http://schemas.microsoft.com/office/drawing/2014/main" id="{7974C640-2D21-432E-851C-047CC80813F9}"/>
+                </a:ext>
+              </a:extLst>
+            </p:cNvPr>
+            <p:cNvSpPr/>
+            <p:nvPr/>
+          </p:nvSpPr>
+          <p:spPr>
+            <a:xfrm>
+              <a:off x="8758362" y="3234405"/>
+              <a:ext cx="489006" cy="98939"/>
+            </a:xfrm>
+            <a:prstGeom prst="rect">
+              <a:avLst/>
+            </a:prstGeom>
+            <a:noFill/>
+            <a:ln>
+              <a:solidFill>
+                <a:srgbClr val="FF0000"/>
+              </a:solidFill>
+            </a:ln>
+          </p:spPr>
+          <p:style>
+            <a:lnRef idx="2">
+              <a:schemeClr val="accent1">
+                <a:shade val="50000"/>
+              </a:schemeClr>
+            </a:lnRef>
+            <a:fillRef idx="1">
+              <a:schemeClr val="accent1"/>
+            </a:fillRef>
+            <a:effectRef idx="0">
+              <a:schemeClr val="accent1"/>
+            </a:effectRef>
+            <a:fontRef idx="minor">
+              <a:schemeClr val="lt1"/>
+            </a:fontRef>
+          </p:style>
+          <p:txBody>
+            <a:bodyPr rtlCol="0" anchor="ctr"/>
+            <a:lstStyle/>
+            <a:p>
+              <a:pPr algn="ctr"/>
+              <a:endParaRPr lang="ko-KR" altLang="en-US"/>
+            </a:p>
+          </p:txBody>
+        </p:sp>
+      </p:grpSp>
+      <p:sp>
+        <p:nvSpPr>
+          <p:cNvPr id="21" name="직사각형 20">
+            <a:extLst>
+              <a:ext uri="{FF2B5EF4-FFF2-40B4-BE49-F238E27FC236}">
+                <a16:creationId xmlns:a16="http://schemas.microsoft.com/office/drawing/2014/main" id="{2CCEC15C-DDEB-470A-A178-1BEA795FBC6C}"/>
+              </a:ext>
+            </a:extLst>
+          </p:cNvPr>
+          <p:cNvSpPr/>
+          <p:nvPr/>
+        </p:nvSpPr>
+        <p:spPr>
+          <a:xfrm>
+            <a:off x="7846724" y="5287243"/>
+            <a:ext cx="2222882" cy="184666"/>
+          </a:xfrm>
+          <a:prstGeom prst="rect">
+            <a:avLst/>
+          </a:prstGeom>
+        </p:spPr>
+        <p:txBody>
+          <a:bodyPr wrap="square">
+            <a:spAutoFit/>
+          </a:bodyPr>
+          <a:lstStyle/>
+          <a:p>
+            <a:r>
+              <a:rPr lang="ko-KR" altLang="en-US" sz="600" dirty="0"/>
+              <a:t>외부 </a:t>
+            </a:r>
+            <a:r>
+              <a:rPr lang="en-US" altLang="ko-KR" sz="600" dirty="0"/>
+              <a:t>NTP </a:t>
+            </a:r>
+            <a:r>
+              <a:rPr lang="ko-KR" altLang="en-US" sz="600" dirty="0"/>
+              <a:t>서버</a:t>
+            </a:r>
+            <a:r>
+              <a:rPr lang="en-US" altLang="ko-KR" sz="600" dirty="0"/>
+              <a:t>(time.windows.com)</a:t>
+            </a:r>
+            <a:r>
+              <a:rPr lang="ko-KR" altLang="en-US" sz="600" dirty="0"/>
+              <a:t>와 동기화되었는지 확인</a:t>
+            </a:r>
+          </a:p>
+        </p:txBody>
+      </p:sp>
+      <p:grpSp>
+        <p:nvGrpSpPr>
+          <p:cNvPr id="12" name="그룹 11">
+            <a:extLst>
+              <a:ext uri="{FF2B5EF4-FFF2-40B4-BE49-F238E27FC236}">
+                <a16:creationId xmlns:a16="http://schemas.microsoft.com/office/drawing/2014/main" id="{736F38D7-0FBC-411A-A334-86E8B805D8D1}"/>
+              </a:ext>
+            </a:extLst>
+          </p:cNvPr>
+          <p:cNvGrpSpPr/>
+          <p:nvPr/>
+        </p:nvGrpSpPr>
+        <p:grpSpPr>
+          <a:xfrm>
+            <a:off x="7846725" y="4403953"/>
+            <a:ext cx="2072622" cy="884358"/>
+            <a:chOff x="7501564" y="4218536"/>
+            <a:chExt cx="2072622" cy="884358"/>
+          </a:xfrm>
+        </p:grpSpPr>
+        <p:pic>
+          <p:nvPicPr>
+            <p:cNvPr id="18" name="그림 17" descr="C:\Users\KETI_UnstructedWork\AppData\Local\Microsoft\Windows\INetCache\Content.MSO\FBF2523D.tmp">
+              <a:extLst>
+                <a:ext uri="{FF2B5EF4-FFF2-40B4-BE49-F238E27FC236}">
+                  <a16:creationId xmlns:a16="http://schemas.microsoft.com/office/drawing/2014/main" id="{BA779A8E-CA0D-472F-9627-CD59A1549F07}"/>
+                </a:ext>
+              </a:extLst>
+            </p:cNvPr>
+            <p:cNvPicPr/>
+            <p:nvPr/>
+          </p:nvPicPr>
+          <p:blipFill>
+            <a:blip r:embed="rId5">
+              <a:extLst>
+                <a:ext uri="{28A0092B-C50C-407E-A947-70E740481C1C}">
+                  <a14:useLocalDpi xmlns:a14="http://schemas.microsoft.com/office/drawing/2010/main" val="0"/>
+                </a:ext>
+              </a:extLst>
+            </a:blip>
+            <a:srcRect/>
+            <a:stretch>
+              <a:fillRect/>
+            </a:stretch>
+          </p:blipFill>
+          <p:spPr bwMode="auto">
+            <a:xfrm>
+              <a:off x="7501564" y="4218536"/>
+              <a:ext cx="2072622" cy="884358"/>
+            </a:xfrm>
+            <a:prstGeom prst="rect">
+              <a:avLst/>
+            </a:prstGeom>
+            <a:noFill/>
+            <a:ln>
+              <a:noFill/>
+            </a:ln>
+          </p:spPr>
+        </p:pic>
+        <p:sp>
+          <p:nvSpPr>
+            <p:cNvPr id="22" name="직사각형 21">
+              <a:extLst>
+                <a:ext uri="{FF2B5EF4-FFF2-40B4-BE49-F238E27FC236}">
+                  <a16:creationId xmlns:a16="http://schemas.microsoft.com/office/drawing/2014/main" id="{75D98488-BCC7-4BB0-9AE4-A913B9840B6D}"/>
+                </a:ext>
+              </a:extLst>
+            </p:cNvPr>
+            <p:cNvSpPr/>
+            <p:nvPr/>
+          </p:nvSpPr>
+          <p:spPr>
+            <a:xfrm>
+              <a:off x="8293371" y="4373536"/>
+              <a:ext cx="814847" cy="126902"/>
+            </a:xfrm>
+            <a:prstGeom prst="rect">
+              <a:avLst/>
+            </a:prstGeom>
+            <a:noFill/>
+            <a:ln>
+              <a:solidFill>
+                <a:srgbClr val="FF0000"/>
+              </a:solidFill>
+            </a:ln>
+          </p:spPr>
+          <p:style>
+            <a:lnRef idx="2">
+              <a:schemeClr val="accent1">
+                <a:shade val="50000"/>
+              </a:schemeClr>
+            </a:lnRef>
+            <a:fillRef idx="1">
+              <a:schemeClr val="accent1"/>
+            </a:fillRef>
+            <a:effectRef idx="0">
+              <a:schemeClr val="accent1"/>
+            </a:effectRef>
+            <a:fontRef idx="minor">
+              <a:schemeClr val="lt1"/>
+            </a:fontRef>
+          </p:style>
+          <p:txBody>
+            <a:bodyPr rtlCol="0" anchor="ctr"/>
+            <a:lstStyle/>
+            <a:p>
+              <a:pPr algn="ctr"/>
+              <a:endParaRPr lang="ko-KR" altLang="en-US"/>
+            </a:p>
+          </p:txBody>
+        </p:sp>
+      </p:grpSp>
+      <p:sp>
+        <p:nvSpPr>
+          <p:cNvPr id="26" name="TextBox 25">
+            <a:extLst>
+              <a:ext uri="{FF2B5EF4-FFF2-40B4-BE49-F238E27FC236}">
+                <a16:creationId xmlns:a16="http://schemas.microsoft.com/office/drawing/2014/main" id="{F0C912C3-6827-4BCD-A3E7-1F31B3CD13C1}"/>
+              </a:ext>
+            </a:extLst>
+          </p:cNvPr>
+          <p:cNvSpPr txBox="1"/>
+          <p:nvPr/>
+        </p:nvSpPr>
+        <p:spPr>
+          <a:xfrm>
+            <a:off x="858918" y="1346216"/>
+            <a:ext cx="2003552" cy="215444"/>
+          </a:xfrm>
+          <a:prstGeom prst="rect">
+            <a:avLst/>
+          </a:prstGeom>
+          <a:noFill/>
+        </p:spPr>
+        <p:txBody>
+          <a:bodyPr wrap="square" rtlCol="0">
+            <a:spAutoFit/>
+          </a:bodyPr>
+          <a:lstStyle/>
+          <a:p>
+            <a:r>
+              <a:rPr lang="en-US" altLang="ko-KR" sz="800" dirty="0">
+                <a:solidFill>
+                  <a:srgbClr val="FF0000"/>
+                </a:solidFill>
+                <a:hlinkClick r:id="rId6" action="ppaction://hlinksldjump"/>
+              </a:rPr>
+              <a:t>8</a:t>
+            </a:r>
+            <a:r>
+              <a:rPr lang="ko-KR" altLang="en-US" sz="800" dirty="0">
+                <a:solidFill>
+                  <a:srgbClr val="FF0000"/>
+                </a:solidFill>
+                <a:hlinkClick r:id="rId6" action="ppaction://hlinksldjump"/>
+              </a:rPr>
+              <a:t>페이지 </a:t>
+            </a:r>
+            <a:r>
+              <a:rPr lang="ko-KR" altLang="en-US" sz="800" dirty="0">
+                <a:solidFill>
+                  <a:srgbClr val="FF0000"/>
+                </a:solidFill>
+              </a:rPr>
+              <a:t>설정을 진행한 경우</a:t>
+            </a:r>
+            <a:r>
+              <a:rPr lang="en-US" altLang="ko-KR" sz="800" dirty="0">
+                <a:solidFill>
+                  <a:srgbClr val="FF0000"/>
+                </a:solidFill>
+              </a:rPr>
+              <a:t>, </a:t>
+            </a:r>
+            <a:r>
+              <a:rPr lang="ko-KR" altLang="en-US" sz="800" dirty="0">
+                <a:solidFill>
+                  <a:srgbClr val="FF0000"/>
+                </a:solidFill>
+              </a:rPr>
+              <a:t>넘어가기</a:t>
+            </a:r>
+            <a:endParaRPr lang="ko-KR" altLang="ko-KR" sz="800" dirty="0">
+              <a:solidFill>
+                <a:srgbClr val="FF0000"/>
+              </a:solidFill>
+            </a:endParaRPr>
+          </a:p>
+        </p:txBody>
+      </p:sp>
+    </p:spTree>
+    <p:extLst>
+      <p:ext uri="{BB962C8B-B14F-4D97-AF65-F5344CB8AC3E}">
+        <p14:creationId xmlns:p14="http://schemas.microsoft.com/office/powerpoint/2010/main" val="695368211"/>
+      </p:ext>
+    </p:extLst>
+  </p:cSld>
+  <p:clrMapOvr>
+    <a:masterClrMapping/>
+  </p:clrMapOvr>
+</p:sld>
+</file>
+
+<file path=ppt/slides/slide11.xml><?xml version="1.0" encoding="utf-8"?>
+<p:sld xmlns:a="http://schemas.openxmlformats.org/drawingml/2006/main" xmlns:r="http://schemas.openxmlformats.org/officeDocument/2006/relationships" xmlns:p="http://schemas.openxmlformats.org/presentationml/2006/main">
+  <p:cSld>
+    <p:spTree>
+      <p:nvGrpSpPr>
+        <p:cNvPr id="1" name=""/>
+        <p:cNvGrpSpPr/>
+        <p:nvPr/>
+      </p:nvGrpSpPr>
+      <p:grpSpPr>
+        <a:xfrm>
+          <a:off x="0" y="0"/>
+          <a:ext cx="0" cy="0"/>
+          <a:chOff x="0" y="0"/>
+          <a:chExt cx="0" cy="0"/>
+        </a:xfrm>
+      </p:grpSpPr>
+      <p:sp>
+        <p:nvSpPr>
+          <p:cNvPr id="2" name="제목 1">
+            <a:extLst>
+              <a:ext uri="{FF2B5EF4-FFF2-40B4-BE49-F238E27FC236}">
+                <a16:creationId xmlns:a16="http://schemas.microsoft.com/office/drawing/2014/main" id="{29908C75-3F04-4CF3-9AE5-D3E0FEF8FCC1}"/>
+              </a:ext>
+            </a:extLst>
+          </p:cNvPr>
+          <p:cNvSpPr>
+            <a:spLocks noGrp="1"/>
+          </p:cNvSpPr>
+          <p:nvPr>
+            <p:ph type="title"/>
+          </p:nvPr>
+        </p:nvSpPr>
+        <p:spPr/>
+        <p:txBody>
+          <a:bodyPr>
+            <a:normAutofit/>
+          </a:bodyPr>
+          <a:lstStyle/>
+          <a:p>
+            <a:r>
+              <a:rPr lang="en-US" altLang="ko-KR" sz="3200" strike="sngStrike" dirty="0"/>
+              <a:t>Windows</a:t>
+            </a:r>
+            <a:r>
+              <a:rPr lang="ko-KR" altLang="en-US" sz="3200" strike="sngStrike" dirty="0"/>
+              <a:t> </a:t>
+            </a:r>
+            <a:r>
+              <a:rPr lang="en-US" altLang="ko-KR" sz="3200" strike="sngStrike" dirty="0"/>
+              <a:t>NTP</a:t>
+            </a:r>
+            <a:r>
+              <a:rPr lang="ko-KR" altLang="en-US" sz="3200" strike="sngStrike" dirty="0"/>
+              <a:t> </a:t>
+            </a:r>
+            <a:r>
+              <a:rPr lang="en-US" altLang="ko-KR" sz="3200" strike="sngStrike" dirty="0"/>
+              <a:t>Server</a:t>
+            </a:r>
+            <a:endParaRPr lang="ko-KR" altLang="en-US" sz="3200" strike="sngStrike" dirty="0"/>
+          </a:p>
+        </p:txBody>
+      </p:sp>
+      <p:sp>
+        <p:nvSpPr>
+          <p:cNvPr id="3" name="TextBox 2">
+            <a:extLst>
+              <a:ext uri="{FF2B5EF4-FFF2-40B4-BE49-F238E27FC236}">
+                <a16:creationId xmlns:a16="http://schemas.microsoft.com/office/drawing/2014/main" id="{FF53656A-FE07-42F5-B5F8-BDA79EA2D6A0}"/>
+              </a:ext>
+            </a:extLst>
+          </p:cNvPr>
+          <p:cNvSpPr txBox="1"/>
+          <p:nvPr/>
+        </p:nvSpPr>
+        <p:spPr>
+          <a:xfrm>
+            <a:off x="838200" y="1827954"/>
+            <a:ext cx="10320717" cy="369332"/>
+          </a:xfrm>
+          <a:prstGeom prst="rect">
+            <a:avLst/>
+          </a:prstGeom>
+          <a:noFill/>
+        </p:spPr>
+        <p:txBody>
+          <a:bodyPr wrap="square" rtlCol="0">
+            <a:spAutoFit/>
+          </a:bodyPr>
+          <a:lstStyle/>
+          <a:p>
+            <a:pPr lvl="0" fontAlgn="base"/>
+            <a:r>
+              <a:rPr lang="en-US" altLang="ko-KR" dirty="0"/>
+              <a:t>7. Windows Time </a:t>
             </a:r>
             <a:r>
               <a:rPr lang="ko-KR" altLang="en-US" dirty="0"/>
@@ -3604,6 +4411,84 @@
               <a:t>w32tm /resync</a:t>
             </a:r>
             <a:endParaRPr lang="ko-KR" altLang="en-US" sz="800" dirty="0"/>
+          </a:p>
+        </p:txBody>
+      </p:sp>
+      <p:sp>
+        <p:nvSpPr>
+          <p:cNvPr id="8" name="TextBox 7">
+            <a:extLst>
+              <a:ext uri="{FF2B5EF4-FFF2-40B4-BE49-F238E27FC236}">
+                <a16:creationId xmlns:a16="http://schemas.microsoft.com/office/drawing/2014/main" id="{03AE9523-1D3F-4165-914D-2B8424D50304}"/>
+              </a:ext>
+            </a:extLst>
+          </p:cNvPr>
+          <p:cNvSpPr txBox="1"/>
+          <p:nvPr/>
+        </p:nvSpPr>
+        <p:spPr>
+          <a:xfrm>
+            <a:off x="858918" y="1346216"/>
+            <a:ext cx="2003552" cy="215444"/>
+          </a:xfrm>
+          <a:prstGeom prst="rect">
+            <a:avLst/>
+          </a:prstGeom>
+          <a:noFill/>
+        </p:spPr>
+        <p:txBody>
+          <a:bodyPr wrap="square" rtlCol="0">
+            <a:spAutoFit/>
+          </a:bodyPr>
+          <a:lstStyle/>
+          <a:p>
+            <a:r>
+              <a:rPr lang="en-US" altLang="ko-KR" sz="800" dirty="0">
+                <a:solidFill>
+                  <a:srgbClr val="FF0000"/>
+                </a:solidFill>
+                <a:hlinkClick r:id="rId3" action="ppaction://hlinksldjump"/>
+              </a:rPr>
+              <a:t>8</a:t>
+            </a:r>
+            <a:r>
+              <a:rPr lang="ko-KR" altLang="en-US" sz="800" dirty="0">
+                <a:solidFill>
+                  <a:srgbClr val="FF0000"/>
+                </a:solidFill>
+                <a:hlinkClick r:id="rId3" action="ppaction://hlinksldjump"/>
+              </a:rPr>
+              <a:t>페이지 </a:t>
+            </a:r>
+            <a:r>
+              <a:rPr lang="ko-KR" altLang="en-US" sz="800" dirty="0">
+                <a:solidFill>
+                  <a:srgbClr val="FF0000"/>
+                </a:solidFill>
+              </a:rPr>
+              <a:t>설정을 진행한 경우</a:t>
+            </a:r>
+            <a:r>
+              <a:rPr lang="en-US" altLang="ko-KR" sz="800" dirty="0">
+                <a:solidFill>
+                  <a:srgbClr val="FF0000"/>
+                </a:solidFill>
+              </a:rPr>
+              <a:t>, </a:t>
+            </a:r>
+            <a:r>
+              <a:rPr lang="ko-KR" altLang="en-US" sz="800" dirty="0">
+                <a:solidFill>
+                  <a:srgbClr val="FF0000"/>
+                </a:solidFill>
+              </a:rPr>
+              <a:t>넘어가기</a:t>
+            </a:r>
+            <a:endParaRPr lang="ko-KR" altLang="ko-KR" sz="800" dirty="0">
+              <a:solidFill>
+                <a:srgbClr val="FF0000"/>
+              </a:solidFill>
+            </a:endParaRPr>
           </a:p>
         </p:txBody>
       </p:sp>
@@ -3620,7 +4505,7 @@
 </p:sld>
 </file>
 
-<file path=ppt/slides/slide11.xml><?xml version="1.0" encoding="utf-8"?>
+<file path=ppt/slides/slide12.xml><?xml version="1.0" encoding="utf-8"?>
 <p:sld xmlns:a="http://schemas.openxmlformats.org/drawingml/2006/main" xmlns:r="http://schemas.openxmlformats.org/officeDocument/2006/relationships" xmlns:p="http://schemas.openxmlformats.org/presentationml/2006/main">
   <p:cSld>
     <p:spTree>
@@ -4437,7 +5322,7 @@
 </p:sld>
 </file>
 
-<file path=ppt/slides/slide12.xml><?xml version="1.0" encoding="utf-8"?>
+<file path=ppt/slides/slide13.xml><?xml version="1.0" encoding="utf-8"?>
 <p:sld xmlns:a="http://schemas.openxmlformats.org/drawingml/2006/main" xmlns:r="http://schemas.openxmlformats.org/officeDocument/2006/relationships" xmlns:p="http://schemas.openxmlformats.org/presentationml/2006/main">
   <p:cSld>
     <p:spTree>
@@ -5113,329 +5998,6 @@
     <p:extLst>
       <p:ext uri="{BB962C8B-B14F-4D97-AF65-F5344CB8AC3E}">
         <p14:creationId xmlns:p14="http://schemas.microsoft.com/office/powerpoint/2010/main" val="3078110461"/>
-      </p:ext>
-    </p:extLst>
-  </p:cSld>
-  <p:clrMapOvr>
-    <a:masterClrMapping/>
-  </p:clrMapOvr>
-</p:sld>
-</file>
-
-<file path=ppt/slides/slide13.xml><?xml version="1.0" encoding="utf-8"?>
-<p:sld xmlns:a="http://schemas.openxmlformats.org/drawingml/2006/main" xmlns:r="http://schemas.openxmlformats.org/officeDocument/2006/relationships" xmlns:p="http://schemas.openxmlformats.org/presentationml/2006/main">
-  <p:cSld>
-    <p:spTree>
-      <p:nvGrpSpPr>
-        <p:cNvPr id="1" name=""/>
-        <p:cNvGrpSpPr/>
-        <p:nvPr/>
-      </p:nvGrpSpPr>
-      <p:grpSpPr>
-        <a:xfrm>
-          <a:off x="0" y="0"/>
-          <a:ext cx="0" cy="0"/>
-          <a:chOff x="0" y="0"/>
-          <a:chExt cx="0" cy="0"/>
-        </a:xfrm>
-      </p:grpSpPr>
-      <p:sp>
-        <p:nvSpPr>
-          <p:cNvPr id="2" name="제목 1">
-            <a:extLst>
-              <a:ext uri="{FF2B5EF4-FFF2-40B4-BE49-F238E27FC236}">
-                <a16:creationId xmlns:a16="http://schemas.microsoft.com/office/drawing/2014/main" id="{C3376818-FDD0-4447-80F1-76CE17536633}"/>
-              </a:ext>
-            </a:extLst>
-          </p:cNvPr>
-          <p:cNvSpPr>
-            <a:spLocks noGrp="1"/>
-          </p:cNvSpPr>
-          <p:nvPr>
-            <p:ph type="title"/>
-          </p:nvPr>
-        </p:nvSpPr>
-        <p:spPr/>
-        <p:txBody>
-          <a:bodyPr>
-            <a:normAutofit/>
-          </a:bodyPr>
-          <a:lstStyle/>
-          <a:p>
-            <a:r>
-              <a:rPr lang="ko-KR" altLang="en-US" sz="3200" strike="sngStrike" dirty="0"/>
-              <a:t>부팅 후 설정 </a:t>
-            </a:r>
-            <a:r>
-              <a:rPr lang="en-US" altLang="ko-KR" sz="3200" strike="sngStrike" dirty="0"/>
-              <a:t>(Windows) </a:t>
-            </a:r>
-            <a:endParaRPr lang="ko-KR" altLang="en-US" sz="3200" strike="sngStrike" dirty="0"/>
-          </a:p>
-        </p:txBody>
-      </p:sp>
-      <p:sp>
-        <p:nvSpPr>
-          <p:cNvPr id="4" name="TextBox 3">
-            <a:extLst>
-              <a:ext uri="{FF2B5EF4-FFF2-40B4-BE49-F238E27FC236}">
-                <a16:creationId xmlns:a16="http://schemas.microsoft.com/office/drawing/2014/main" id="{11CA96AC-C9F6-4660-A01D-77E36DB27913}"/>
-              </a:ext>
-            </a:extLst>
-          </p:cNvPr>
-          <p:cNvSpPr txBox="1"/>
-          <p:nvPr/>
-        </p:nvSpPr>
-        <p:spPr>
-          <a:xfrm>
-            <a:off x="838200" y="1827954"/>
-            <a:ext cx="7800723" cy="369332"/>
-          </a:xfrm>
-          <a:prstGeom prst="rect">
-            <a:avLst/>
-          </a:prstGeom>
-          <a:noFill/>
-        </p:spPr>
-        <p:txBody>
-          <a:bodyPr wrap="square" rtlCol="0">
-            <a:spAutoFit/>
-          </a:bodyPr>
-          <a:lstStyle/>
-          <a:p>
-            <a:r>
-              <a:rPr lang="en-US" altLang="ko-KR" dirty="0"/>
-              <a:t>‘</a:t>
-            </a:r>
-            <a:r>
-              <a:rPr lang="ko-KR" altLang="en-US" dirty="0"/>
-              <a:t>자동으로 시간 설정’</a:t>
-            </a:r>
-            <a:r>
-              <a:rPr lang="en-US" altLang="ko-KR" dirty="0"/>
-              <a:t> </a:t>
-            </a:r>
-            <a:r>
-              <a:rPr lang="ko-KR" altLang="en-US" dirty="0"/>
-              <a:t>다시 켜기</a:t>
-            </a:r>
-            <a:endParaRPr lang="ko-KR" altLang="ko-KR" dirty="0"/>
-          </a:p>
-        </p:txBody>
-      </p:sp>
-      <p:grpSp>
-        <p:nvGrpSpPr>
-          <p:cNvPr id="6" name="그룹 5">
-            <a:extLst>
-              <a:ext uri="{FF2B5EF4-FFF2-40B4-BE49-F238E27FC236}">
-                <a16:creationId xmlns:a16="http://schemas.microsoft.com/office/drawing/2014/main" id="{AB8B8FFA-AEF7-49D2-8AD4-AF9C48C51190}"/>
-              </a:ext>
-            </a:extLst>
-          </p:cNvPr>
-          <p:cNvGrpSpPr/>
-          <p:nvPr/>
-        </p:nvGrpSpPr>
-        <p:grpSpPr>
-          <a:xfrm>
-            <a:off x="925357" y="2386615"/>
-            <a:ext cx="3197394" cy="3443614"/>
-            <a:chOff x="1042836" y="2551458"/>
-            <a:chExt cx="3504565" cy="3774440"/>
-          </a:xfrm>
-        </p:grpSpPr>
-        <p:pic>
-          <p:nvPicPr>
-            <p:cNvPr id="7" name="그림 6" descr="C:\Users\KETI_UnstructedWork\AppData\Local\Microsoft\Windows\INetCache\Content.MSO\E92DA44B.tmp">
-              <a:extLst>
-                <a:ext uri="{FF2B5EF4-FFF2-40B4-BE49-F238E27FC236}">
-                  <a16:creationId xmlns:a16="http://schemas.microsoft.com/office/drawing/2014/main" id="{6E538DA3-0C8B-4A0B-994A-A088B3423825}"/>
-                </a:ext>
-              </a:extLst>
-            </p:cNvPr>
-            <p:cNvPicPr/>
-            <p:nvPr/>
-          </p:nvPicPr>
-          <p:blipFill>
-            <a:blip r:embed="rId2" cstate="print">
-              <a:extLst>
-                <a:ext uri="{28A0092B-C50C-407E-A947-70E740481C1C}">
-                  <a14:useLocalDpi xmlns:a14="http://schemas.microsoft.com/office/drawing/2010/main" val="0"/>
-                </a:ext>
-              </a:extLst>
-            </a:blip>
-            <a:srcRect/>
-            <a:stretch>
-              <a:fillRect/>
-            </a:stretch>
-          </p:blipFill>
-          <p:spPr bwMode="auto">
-            <a:xfrm>
-              <a:off x="1042836" y="2551458"/>
-              <a:ext cx="3504565" cy="3774440"/>
-            </a:xfrm>
-            <a:prstGeom prst="rect">
-              <a:avLst/>
-            </a:prstGeom>
-            <a:noFill/>
-            <a:ln>
-              <a:noFill/>
-            </a:ln>
-          </p:spPr>
-        </p:pic>
-        <p:sp>
-          <p:nvSpPr>
-            <p:cNvPr id="8" name="직사각형 7">
-              <a:extLst>
-                <a:ext uri="{FF2B5EF4-FFF2-40B4-BE49-F238E27FC236}">
-                  <a16:creationId xmlns:a16="http://schemas.microsoft.com/office/drawing/2014/main" id="{843906AC-CB03-40EF-A57E-0235518EAF43}"/>
-                </a:ext>
-              </a:extLst>
-            </p:cNvPr>
-            <p:cNvSpPr/>
-            <p:nvPr/>
-          </p:nvSpPr>
-          <p:spPr>
-            <a:xfrm>
-              <a:off x="2496710" y="3371353"/>
-              <a:ext cx="564542" cy="242515"/>
-            </a:xfrm>
-            <a:prstGeom prst="rect">
-              <a:avLst/>
-            </a:prstGeom>
-            <a:noFill/>
-            <a:ln>
-              <a:solidFill>
-                <a:srgbClr val="FF0000"/>
-              </a:solidFill>
-            </a:ln>
-          </p:spPr>
-          <p:style>
-            <a:lnRef idx="2">
-              <a:schemeClr val="accent1">
-                <a:shade val="50000"/>
-              </a:schemeClr>
-            </a:lnRef>
-            <a:fillRef idx="1">
-              <a:schemeClr val="accent1"/>
-            </a:fillRef>
-            <a:effectRef idx="0">
-              <a:schemeClr val="accent1"/>
-            </a:effectRef>
-            <a:fontRef idx="minor">
-              <a:schemeClr val="lt1"/>
-            </a:fontRef>
-          </p:style>
-          <p:txBody>
-            <a:bodyPr rtlCol="0" anchor="ctr"/>
-            <a:lstStyle/>
-            <a:p>
-              <a:pPr algn="ctr"/>
-              <a:endParaRPr lang="ko-KR" altLang="en-US"/>
-            </a:p>
-          </p:txBody>
-        </p:sp>
-      </p:grpSp>
-      <p:sp>
-        <p:nvSpPr>
-          <p:cNvPr id="9" name="TextBox 8">
-            <a:extLst>
-              <a:ext uri="{FF2B5EF4-FFF2-40B4-BE49-F238E27FC236}">
-                <a16:creationId xmlns:a16="http://schemas.microsoft.com/office/drawing/2014/main" id="{13AF88B9-D9C8-45F4-A1AF-64F61572E6A1}"/>
-              </a:ext>
-            </a:extLst>
-          </p:cNvPr>
-          <p:cNvSpPr txBox="1"/>
-          <p:nvPr/>
-        </p:nvSpPr>
-        <p:spPr>
-          <a:xfrm>
-            <a:off x="858918" y="1346216"/>
-            <a:ext cx="2198359" cy="215444"/>
-          </a:xfrm>
-          <a:prstGeom prst="rect">
-            <a:avLst/>
-          </a:prstGeom>
-          <a:noFill/>
-        </p:spPr>
-        <p:txBody>
-          <a:bodyPr wrap="square" rtlCol="0">
-            <a:spAutoFit/>
-          </a:bodyPr>
-          <a:lstStyle/>
-          <a:p>
-            <a:r>
-              <a:rPr lang="en-US" altLang="ko-KR" sz="800" dirty="0">
-                <a:solidFill>
-                  <a:srgbClr val="FF0000"/>
-                </a:solidFill>
-                <a:hlinkClick r:id="rId3" action="ppaction://hlinksldjump">
-                  <a:extLst>
-                    <a:ext uri="{A12FA001-AC4F-418D-AE19-62706E023703}">
-                      <ahyp:hlinkClr xmlns:ahyp="http://schemas.microsoft.com/office/drawing/2018/hyperlinkcolor" val="tx"/>
-                    </a:ext>
-                  </a:extLst>
-                </a:hlinkClick>
-              </a:rPr>
-              <a:t>10</a:t>
-            </a:r>
-            <a:r>
-              <a:rPr lang="ko-KR" altLang="en-US" sz="800" dirty="0">
-                <a:solidFill>
-                  <a:srgbClr val="FF0000"/>
-                </a:solidFill>
-                <a:hlinkClick r:id="rId3" action="ppaction://hlinksldjump">
-                  <a:extLst>
-                    <a:ext uri="{A12FA001-AC4F-418D-AE19-62706E023703}">
-                      <ahyp:hlinkClr xmlns:ahyp="http://schemas.microsoft.com/office/drawing/2018/hyperlinkcolor" val="tx"/>
-                    </a:ext>
-                  </a:extLst>
-                </a:hlinkClick>
-              </a:rPr>
-              <a:t>페이지</a:t>
-            </a:r>
-            <a:r>
-              <a:rPr lang="ko-KR" altLang="en-US" sz="800" dirty="0">
-                <a:solidFill>
-                  <a:srgbClr val="FF0000"/>
-                </a:solidFill>
-              </a:rPr>
-              <a:t> 설정 추가 시</a:t>
-            </a:r>
-            <a:r>
-              <a:rPr lang="en-US" altLang="ko-KR" sz="800" dirty="0">
-                <a:solidFill>
-                  <a:srgbClr val="FF0000"/>
-                </a:solidFill>
-              </a:rPr>
-              <a:t>, </a:t>
-            </a:r>
-            <a:r>
-              <a:rPr lang="ko-KR" altLang="en-US" sz="800" dirty="0">
-                <a:solidFill>
-                  <a:srgbClr val="FF0000"/>
-                </a:solidFill>
-              </a:rPr>
-              <a:t>부팅 후 설정 필요 </a:t>
-            </a:r>
-            <a:r>
-              <a:rPr lang="en-US" altLang="ko-KR" sz="800" dirty="0">
-                <a:solidFill>
-                  <a:srgbClr val="FF0000"/>
-                </a:solidFill>
-              </a:rPr>
-              <a:t>x</a:t>
-            </a:r>
-            <a:endParaRPr lang="ko-KR" altLang="ko-KR" sz="800" dirty="0">
-              <a:solidFill>
-                <a:srgbClr val="FF0000"/>
-              </a:solidFill>
-            </a:endParaRPr>
-          </a:p>
-        </p:txBody>
-      </p:sp>
-    </p:spTree>
-    <p:extLst>
-      <p:ext uri="{BB962C8B-B14F-4D97-AF65-F5344CB8AC3E}">
-        <p14:creationId xmlns:p14="http://schemas.microsoft.com/office/powerpoint/2010/main" val="1523236079"/>
       </p:ext>
     </p:extLst>
   </p:cSld>
@@ -5794,35 +6356,20 @@
           </a:p>
           <a:p>
             <a:r>
-              <a:rPr lang="ko-KR" altLang="en-US" sz="2000" dirty="0">
-                <a:hlinkClick r:id="rId6" action="ppaction://hlinksldjump"/>
-              </a:rPr>
-              <a:t>부팅 후 설정 </a:t>
-            </a:r>
-            <a:r>
               <a:rPr lang="en-US" altLang="ko-KR" sz="2000" dirty="0">
                 <a:hlinkClick r:id="rId6" action="ppaction://hlinksldjump"/>
               </a:rPr>
-              <a:t>(Windows)</a:t>
-            </a:r>
-            <a:endParaRPr lang="en-US" altLang="ko-KR" sz="2000" dirty="0"/>
-          </a:p>
-          <a:p>
-            <a:r>
-              <a:rPr lang="en-US" altLang="ko-KR" sz="2000" dirty="0">
-                <a:hlinkClick r:id="rId7" action="ppaction://hlinksldjump"/>
-              </a:rPr>
               <a:t>Ubuntu </a:t>
             </a:r>
             <a:r>
               <a:rPr lang="en-US" altLang="ko-KR" sz="2000" dirty="0" err="1">
-                <a:hlinkClick r:id="rId7" action="ppaction://hlinksldjump"/>
+                <a:hlinkClick r:id="rId6" action="ppaction://hlinksldjump"/>
               </a:rPr>
               <a:t>bashrc</a:t>
             </a:r>
             <a:r>
               <a:rPr lang="en-US" altLang="ko-KR" sz="2000" dirty="0">
-                <a:hlinkClick r:id="rId7" action="ppaction://hlinksldjump"/>
+                <a:hlinkClick r:id="rId6" action="ppaction://hlinksldjump"/>
               </a:rPr>
               <a:t> </a:t>
             </a:r>
@@ -9325,32 +9872,24 @@
               <a:t>4. </a:t>
             </a:r>
             <a:r>
-              <a:rPr lang="ko-KR" altLang="ko-KR" dirty="0"/>
-              <a:t>레지스트리 편집기에서</a:t>
+              <a:rPr lang="ko-KR" altLang="en-US" dirty="0"/>
+              <a:t>관리자 권한으로 </a:t>
             </a:r>
             <a:r>
               <a:rPr lang="en-US" altLang="ko-KR" dirty="0"/>
-              <a:t> </a:t>
-            </a:r>
-            <a:r>
-              <a:rPr lang="en-US" altLang="ko-KR" dirty="0" err="1"/>
-              <a:t>AnnounceFlags</a:t>
+              <a:t>Anaconda Prompt </a:t>
+            </a:r>
+            <a:r>
+              <a:rPr lang="ko-KR" altLang="en-US" dirty="0"/>
+              <a:t>실행 후</a:t>
             </a:r>
             <a:r>
               <a:rPr lang="en-US" altLang="ko-KR" dirty="0"/>
-              <a:t>(5)</a:t>
-            </a:r>
-            <a:r>
-              <a:rPr lang="ko-KR" altLang="ko-KR" dirty="0"/>
-              <a:t>와</a:t>
-            </a:r>
-            <a:r>
-              <a:rPr lang="en-US" altLang="ko-KR" dirty="0"/>
-              <a:t> Enabled(1) </a:t>
-            </a:r>
-            <a:r>
-              <a:rPr lang="ko-KR" altLang="ko-KR" dirty="0"/>
-              <a:t>값 수정</a:t>
+              <a:t>, window_registry.py </a:t>
+            </a:r>
+            <a:r>
+              <a:rPr lang="ko-KR" altLang="en-US" dirty="0"/>
+              <a:t>실행</a:t>
             </a:r>
             <a:r>
               <a:rPr lang="en-US" altLang="ko-KR" dirty="0"/>
@@ -9362,265 +9901,38 @@
       </p:sp>
       <p:pic>
         <p:nvPicPr>
-          <p:cNvPr id="9" name="그림 8" descr="C:\Users\KETI_UnstructedWork\AppData\Local\Microsoft\Windows\INetCache\Content.MSO\DCFCA045.tmp">
-            <a:extLst>
-              <a:ext uri="{FF2B5EF4-FFF2-40B4-BE49-F238E27FC236}">
-                <a16:creationId xmlns:a16="http://schemas.microsoft.com/office/drawing/2014/main" id="{2F4D34A0-8B33-4BA6-A730-2EE2F269417A}"/>
-              </a:ext>
-            </a:extLst>
-          </p:cNvPr>
-          <p:cNvPicPr/>
+          <p:cNvPr id="6" name="그림 5">
+            <a:extLst>
+              <a:ext uri="{FF2B5EF4-FFF2-40B4-BE49-F238E27FC236}">
+                <a16:creationId xmlns:a16="http://schemas.microsoft.com/office/drawing/2014/main" id="{2DDC25C1-B46F-4B9F-9178-6C1A4480078F}"/>
+              </a:ext>
+            </a:extLst>
+          </p:cNvPr>
+          <p:cNvPicPr>
+            <a:picLocks noChangeAspect="1"/>
+          </p:cNvPicPr>
           <p:nvPr/>
         </p:nvPicPr>
         <p:blipFill>
-          <a:blip r:embed="rId2" cstate="print">
-            <a:extLst>
-              <a:ext uri="{28A0092B-C50C-407E-A947-70E740481C1C}">
-                <a14:useLocalDpi xmlns:a14="http://schemas.microsoft.com/office/drawing/2010/main" val="0"/>
-              </a:ext>
-            </a:extLst>
-          </a:blip>
-          <a:srcRect/>
+          <a:blip r:embed="rId2"/>
           <a:stretch>
             <a:fillRect/>
           </a:stretch>
         </p:blipFill>
-        <p:spPr bwMode="auto">
-          <a:xfrm>
-            <a:off x="597661" y="2968002"/>
-            <a:ext cx="4199368" cy="2032876"/>
+        <p:spPr>
+          <a:xfrm>
+            <a:off x="1070403" y="2334552"/>
+            <a:ext cx="5177046" cy="4036558"/>
           </a:xfrm>
           <a:prstGeom prst="rect">
             <a:avLst/>
           </a:prstGeom>
-          <a:noFill/>
-          <a:ln>
-            <a:noFill/>
-          </a:ln>
-        </p:spPr>
-      </p:pic>
-      <p:sp>
-        <p:nvSpPr>
-          <p:cNvPr id="4" name="직사각형 3">
-            <a:extLst>
-              <a:ext uri="{FF2B5EF4-FFF2-40B4-BE49-F238E27FC236}">
-                <a16:creationId xmlns:a16="http://schemas.microsoft.com/office/drawing/2014/main" id="{E4E65F70-1B08-4CB7-B255-B0BF98A4A516}"/>
-              </a:ext>
-            </a:extLst>
-          </p:cNvPr>
-          <p:cNvSpPr/>
-          <p:nvPr/>
-        </p:nvSpPr>
-        <p:spPr>
-          <a:xfrm>
-            <a:off x="597661" y="5000878"/>
-            <a:ext cx="4377322" cy="215444"/>
-          </a:xfrm>
-          <a:prstGeom prst="rect">
-            <a:avLst/>
-          </a:prstGeom>
-        </p:spPr>
-        <p:txBody>
-          <a:bodyPr wrap="square">
-            <a:spAutoFit/>
-          </a:bodyPr>
-          <a:lstStyle/>
-          <a:p>
-            <a:r>
-              <a:rPr lang="ko-KR" altLang="ko-KR" sz="800" dirty="0">
-                <a:solidFill>
-                  <a:srgbClr val="333333"/>
-                </a:solidFill>
-                <a:cs typeface="Times New Roman" panose="02020603050405020304" pitchFamily="18" charset="0"/>
-              </a:rPr>
-              <a:t>컴퓨터</a:t>
-            </a:r>
-            <a:r>
-              <a:rPr lang="en-US" altLang="ko-KR" sz="800" dirty="0">
-                <a:solidFill>
-                  <a:srgbClr val="333333"/>
-                </a:solidFill>
-                <a:cs typeface="Times New Roman" panose="02020603050405020304" pitchFamily="18" charset="0"/>
-              </a:rPr>
-              <a:t>\HKEY_LOCAL_MACHINE\SYSTEM\</a:t>
-            </a:r>
-            <a:r>
-              <a:rPr lang="en-US" altLang="ko-KR" sz="800" dirty="0" err="1">
-                <a:solidFill>
-                  <a:srgbClr val="333333"/>
-                </a:solidFill>
-                <a:latin typeface="맑은 고딕" panose="020B0503020000020004" pitchFamily="50" charset="-127"/>
-                <a:cs typeface="Times New Roman" panose="02020603050405020304" pitchFamily="18" charset="0"/>
-              </a:rPr>
-              <a:t>CurrentControlSet</a:t>
-            </a:r>
-            <a:r>
-              <a:rPr lang="en-US" altLang="ko-KR" sz="800" dirty="0">
-                <a:solidFill>
-                  <a:srgbClr val="333333"/>
-                </a:solidFill>
-                <a:latin typeface="맑은 고딕" panose="020B0503020000020004" pitchFamily="50" charset="-127"/>
-                <a:cs typeface="Times New Roman" panose="02020603050405020304" pitchFamily="18" charset="0"/>
-              </a:rPr>
-              <a:t>\Services\W32Time\Config </a:t>
-            </a:r>
-            <a:endParaRPr lang="ko-KR" altLang="en-US" sz="800" dirty="0"/>
-          </a:p>
-        </p:txBody>
-      </p:sp>
-      <p:sp>
-        <p:nvSpPr>
-          <p:cNvPr id="5" name="직사각형 4">
-            <a:extLst>
-              <a:ext uri="{FF2B5EF4-FFF2-40B4-BE49-F238E27FC236}">
-                <a16:creationId xmlns:a16="http://schemas.microsoft.com/office/drawing/2014/main" id="{7466B9B7-2D16-4E19-A948-E3BBB6F23D3B}"/>
-              </a:ext>
-            </a:extLst>
-          </p:cNvPr>
-          <p:cNvSpPr/>
-          <p:nvPr/>
-        </p:nvSpPr>
-        <p:spPr>
-          <a:xfrm>
-            <a:off x="5784084" y="4660715"/>
-            <a:ext cx="5306921" cy="215444"/>
-          </a:xfrm>
-          <a:prstGeom prst="rect">
-            <a:avLst/>
-          </a:prstGeom>
-        </p:spPr>
-        <p:txBody>
-          <a:bodyPr wrap="square">
-            <a:spAutoFit/>
-          </a:bodyPr>
-          <a:lstStyle/>
-          <a:p>
-            <a:r>
-              <a:rPr lang="ko-KR" altLang="ko-KR" sz="800" dirty="0">
-                <a:solidFill>
-                  <a:srgbClr val="333333"/>
-                </a:solidFill>
-                <a:cs typeface="Times New Roman" panose="02020603050405020304" pitchFamily="18" charset="0"/>
-              </a:rPr>
-              <a:t>컴퓨터</a:t>
-            </a:r>
-            <a:r>
-              <a:rPr lang="en-US" altLang="ko-KR" sz="800" dirty="0">
-                <a:solidFill>
-                  <a:srgbClr val="333333"/>
-                </a:solidFill>
-                <a:latin typeface="맑은 고딕" panose="020B0503020000020004" pitchFamily="50" charset="-127"/>
-                <a:cs typeface="Times New Roman" panose="02020603050405020304" pitchFamily="18" charset="0"/>
-              </a:rPr>
-              <a:t>\HKEY_LOCAL_MACHINE\SYSTEM\</a:t>
-            </a:r>
-            <a:r>
-              <a:rPr lang="en-US" altLang="ko-KR" sz="800" dirty="0" err="1">
-                <a:solidFill>
-                  <a:srgbClr val="333333"/>
-                </a:solidFill>
-                <a:latin typeface="맑은 고딕" panose="020B0503020000020004" pitchFamily="50" charset="-127"/>
-                <a:cs typeface="Times New Roman" panose="02020603050405020304" pitchFamily="18" charset="0"/>
-              </a:rPr>
-              <a:t>CurrentControlSet</a:t>
-            </a:r>
-            <a:r>
-              <a:rPr lang="en-US" altLang="ko-KR" sz="800" dirty="0">
-                <a:solidFill>
-                  <a:srgbClr val="333333"/>
-                </a:solidFill>
-                <a:latin typeface="맑은 고딕" panose="020B0503020000020004" pitchFamily="50" charset="-127"/>
-                <a:cs typeface="Times New Roman" panose="02020603050405020304" pitchFamily="18" charset="0"/>
-              </a:rPr>
-              <a:t>\Services\W32Time\</a:t>
-            </a:r>
-            <a:r>
-              <a:rPr lang="en-US" altLang="ko-KR" sz="800" dirty="0" err="1">
-                <a:solidFill>
-                  <a:srgbClr val="333333"/>
-                </a:solidFill>
-                <a:latin typeface="맑은 고딕" panose="020B0503020000020004" pitchFamily="50" charset="-127"/>
-                <a:cs typeface="Times New Roman" panose="02020603050405020304" pitchFamily="18" charset="0"/>
-              </a:rPr>
-              <a:t>TimeProviders</a:t>
-            </a:r>
-            <a:r>
-              <a:rPr lang="en-US" altLang="ko-KR" sz="800" dirty="0">
-                <a:solidFill>
-                  <a:srgbClr val="333333"/>
-                </a:solidFill>
-                <a:latin typeface="맑은 고딕" panose="020B0503020000020004" pitchFamily="50" charset="-127"/>
-                <a:cs typeface="Times New Roman" panose="02020603050405020304" pitchFamily="18" charset="0"/>
-              </a:rPr>
-              <a:t>\</a:t>
-            </a:r>
-            <a:r>
-              <a:rPr lang="en-US" altLang="ko-KR" sz="800" dirty="0" err="1">
-                <a:solidFill>
-                  <a:srgbClr val="333333"/>
-                </a:solidFill>
-                <a:latin typeface="맑은 고딕" panose="020B0503020000020004" pitchFamily="50" charset="-127"/>
-                <a:cs typeface="Times New Roman" panose="02020603050405020304" pitchFamily="18" charset="0"/>
-              </a:rPr>
-              <a:t>NtpServer</a:t>
-            </a:r>
-            <a:r>
-              <a:rPr lang="en-US" altLang="ko-KR" sz="800" dirty="0">
-                <a:solidFill>
-                  <a:srgbClr val="333333"/>
-                </a:solidFill>
-                <a:latin typeface="맑은 고딕" panose="020B0503020000020004" pitchFamily="50" charset="-127"/>
-                <a:cs typeface="Times New Roman" panose="02020603050405020304" pitchFamily="18" charset="0"/>
-              </a:rPr>
-              <a:t> </a:t>
-            </a:r>
-            <a:endParaRPr lang="ko-KR" altLang="en-US" sz="800" dirty="0"/>
-          </a:p>
-        </p:txBody>
-      </p:sp>
-      <p:pic>
-        <p:nvPicPr>
-          <p:cNvPr id="16" name="그림 15" descr="C:\Users\KETI_UnstructedWork\AppData\Local\Microsoft\Windows\INetCache\Content.MSO\EE8FFF9B.tmp">
-            <a:extLst>
-              <a:ext uri="{FF2B5EF4-FFF2-40B4-BE49-F238E27FC236}">
-                <a16:creationId xmlns:a16="http://schemas.microsoft.com/office/drawing/2014/main" id="{318B80E5-6784-4359-AD9D-7BBBA0408632}"/>
-              </a:ext>
-            </a:extLst>
-          </p:cNvPr>
-          <p:cNvPicPr/>
-          <p:nvPr/>
-        </p:nvPicPr>
-        <p:blipFill>
-          <a:blip r:embed="rId3">
-            <a:extLst>
-              <a:ext uri="{28A0092B-C50C-407E-A947-70E740481C1C}">
-                <a14:useLocalDpi xmlns:a14="http://schemas.microsoft.com/office/drawing/2010/main" val="0"/>
-              </a:ext>
-            </a:extLst>
-          </a:blip>
-          <a:srcRect/>
-          <a:stretch>
-            <a:fillRect/>
-          </a:stretch>
-        </p:blipFill>
-        <p:spPr bwMode="auto">
-          <a:xfrm>
-            <a:off x="5784084" y="3028687"/>
-            <a:ext cx="5707326" cy="1632028"/>
-          </a:xfrm>
-          <a:prstGeom prst="rect">
-            <a:avLst/>
-          </a:prstGeom>
-          <a:noFill/>
-          <a:ln>
-            <a:noFill/>
-          </a:ln>
         </p:spPr>
       </p:pic>
     </p:spTree>
     <p:extLst>
       <p:ext uri="{BB962C8B-B14F-4D97-AF65-F5344CB8AC3E}">
-        <p14:creationId xmlns:p14="http://schemas.microsoft.com/office/powerpoint/2010/main" val="2159062526"/>
+        <p14:creationId xmlns:p14="http://schemas.microsoft.com/office/powerpoint/2010/main" val="187028842"/>
       </p:ext>
     </p:extLst>
   </p:cSld>
@@ -9671,26 +9983,26 @@
           <a:lstStyle/>
           <a:p>
             <a:r>
-              <a:rPr lang="en-US" altLang="ko-KR" sz="3200" dirty="0"/>
+              <a:rPr lang="en-US" altLang="ko-KR" sz="3200" strike="sngStrike" dirty="0"/>
               <a:t>Windows</a:t>
             </a:r>
             <a:r>
-              <a:rPr lang="ko-KR" altLang="en-US" sz="3200" dirty="0"/>
+              <a:rPr lang="ko-KR" altLang="en-US" sz="3200" strike="sngStrike" dirty="0"/>
               <a:t> </a:t>
             </a:r>
             <a:r>
-              <a:rPr lang="en-US" altLang="ko-KR" sz="3200" dirty="0"/>
+              <a:rPr lang="en-US" altLang="ko-KR" sz="3200" strike="sngStrike" dirty="0"/>
               <a:t>NTP</a:t>
             </a:r>
             <a:r>
-              <a:rPr lang="ko-KR" altLang="en-US" sz="3200" dirty="0"/>
+              <a:rPr lang="ko-KR" altLang="en-US" sz="3200" strike="sngStrike" dirty="0"/>
               <a:t> </a:t>
             </a:r>
             <a:r>
-              <a:rPr lang="en-US" altLang="ko-KR" sz="3200" dirty="0"/>
+              <a:rPr lang="en-US" altLang="ko-KR" sz="3200" strike="sngStrike" dirty="0"/>
               <a:t>Server</a:t>
             </a:r>
-            <a:endParaRPr lang="ko-KR" altLang="en-US" sz="3200" dirty="0"/>
+            <a:endParaRPr lang="ko-KR" altLang="en-US" sz="3200" strike="sngStrike" dirty="0"/>
           </a:p>
         </p:txBody>
       </p:sp>
@@ -9722,38 +10034,38 @@
           </a:bodyPr>
           <a:lstStyle/>
           <a:p>
-            <a:pPr lvl="0" fontAlgn="base"/>
+            <a:pPr fontAlgn="base"/>
             <a:r>
               <a:rPr lang="en-US" altLang="ko-KR" dirty="0"/>
-              <a:t>5. Windows NTP Server </a:t>
+              <a:t>5. </a:t>
             </a:r>
             <a:r>
               <a:rPr lang="ko-KR" altLang="ko-KR" dirty="0"/>
-              <a:t>설정확인</a:t>
+              <a:t>레지스트리 편집기에서</a:t>
             </a:r>
             <a:r>
               <a:rPr lang="en-US" altLang="ko-KR" dirty="0"/>
-              <a:t> – </a:t>
+              <a:t> </a:t>
+            </a:r>
+            <a:r>
+              <a:rPr lang="en-US" altLang="ko-KR" dirty="0" err="1"/>
+              <a:t>AnnounceFlags</a:t>
+            </a:r>
+            <a:r>
+              <a:rPr lang="en-US" altLang="ko-KR" dirty="0"/>
+              <a:t>(5)</a:t>
             </a:r>
             <a:r>
               <a:rPr lang="ko-KR" altLang="ko-KR" dirty="0"/>
-              <a:t>관리자 권한으로</a:t>
+              <a:t>와</a:t>
             </a:r>
             <a:r>
               <a:rPr lang="en-US" altLang="ko-KR" dirty="0"/>
-              <a:t> </a:t>
-            </a:r>
-            <a:r>
-              <a:rPr lang="en-US" altLang="ko-KR" dirty="0" err="1"/>
-              <a:t>cmd</a:t>
-            </a:r>
-            <a:r>
-              <a:rPr lang="en-US" altLang="ko-KR" dirty="0"/>
-              <a:t> </a:t>
+              <a:t> Enabled(1) </a:t>
             </a:r>
             <a:r>
               <a:rPr lang="ko-KR" altLang="ko-KR" dirty="0"/>
-              <a:t>실행</a:t>
+              <a:t>값 수정</a:t>
             </a:r>
             <a:r>
               <a:rPr lang="en-US" altLang="ko-KR" dirty="0"/>
@@ -9763,12 +10075,51 @@
           </a:p>
         </p:txBody>
       </p:sp>
-      <p:sp>
-        <p:nvSpPr>
-          <p:cNvPr id="11" name="직사각형 10">
-            <a:extLst>
-              <a:ext uri="{FF2B5EF4-FFF2-40B4-BE49-F238E27FC236}">
-                <a16:creationId xmlns:a16="http://schemas.microsoft.com/office/drawing/2014/main" id="{9DDF875A-7209-4828-8C5A-CABC6A44CB6A}"/>
+      <p:pic>
+        <p:nvPicPr>
+          <p:cNvPr id="9" name="그림 8" descr="C:\Users\KETI_UnstructedWork\AppData\Local\Microsoft\Windows\INetCache\Content.MSO\DCFCA045.tmp">
+            <a:extLst>
+              <a:ext uri="{FF2B5EF4-FFF2-40B4-BE49-F238E27FC236}">
+                <a16:creationId xmlns:a16="http://schemas.microsoft.com/office/drawing/2014/main" id="{2F4D34A0-8B33-4BA6-A730-2EE2F269417A}"/>
+              </a:ext>
+            </a:extLst>
+          </p:cNvPr>
+          <p:cNvPicPr/>
+          <p:nvPr/>
+        </p:nvPicPr>
+        <p:blipFill>
+          <a:blip r:embed="rId2" cstate="print">
+            <a:extLst>
+              <a:ext uri="{28A0092B-C50C-407E-A947-70E740481C1C}">
+                <a14:useLocalDpi xmlns:a14="http://schemas.microsoft.com/office/drawing/2010/main" val="0"/>
+              </a:ext>
+            </a:extLst>
+          </a:blip>
+          <a:srcRect/>
+          <a:stretch>
+            <a:fillRect/>
+          </a:stretch>
+        </p:blipFill>
+        <p:spPr bwMode="auto">
+          <a:xfrm>
+            <a:off x="597661" y="2968002"/>
+            <a:ext cx="4199368" cy="2032876"/>
+          </a:xfrm>
+          <a:prstGeom prst="rect">
+            <a:avLst/>
+          </a:prstGeom>
+          <a:noFill/>
+          <a:ln>
+            <a:noFill/>
+          </a:ln>
+        </p:spPr>
+      </p:pic>
+      <p:sp>
+        <p:nvSpPr>
+          <p:cNvPr id="4" name="직사각형 3">
+            <a:extLst>
+              <a:ext uri="{FF2B5EF4-FFF2-40B4-BE49-F238E27FC236}">
+                <a16:creationId xmlns:a16="http://schemas.microsoft.com/office/drawing/2014/main" id="{E4E65F70-1B08-4CB7-B255-B0BF98A4A516}"/>
               </a:ext>
             </a:extLst>
           </p:cNvPr>
@@ -9777,8 +10128,8 @@
         </p:nvSpPr>
         <p:spPr>
           <a:xfrm>
-            <a:off x="4090375" y="5283365"/>
-            <a:ext cx="2434742" cy="184666"/>
+            <a:off x="597661" y="5000878"/>
+            <a:ext cx="4377322" cy="215444"/>
           </a:xfrm>
           <a:prstGeom prst="rect">
             <a:avLst/>
@@ -9791,255 +10142,53 @@
           <a:lstStyle/>
           <a:p>
             <a:r>
-              <a:rPr lang="en-US" altLang="ko-KR" sz="600" dirty="0"/>
-              <a:t>UDP 123 port</a:t>
-            </a:r>
-            <a:r>
-              <a:rPr lang="ko-KR" altLang="en-US" sz="600" dirty="0"/>
-              <a:t>가 보이지 않을 경우</a:t>
-            </a:r>
-            <a:r>
-              <a:rPr lang="en-US" altLang="ko-KR" sz="600" dirty="0"/>
-              <a:t>, </a:t>
-            </a:r>
-            <a:r>
-              <a:rPr lang="ko-KR" altLang="en-US" sz="600" dirty="0"/>
-              <a:t>자동으로 시간 설정 다시 켜기</a:t>
-            </a:r>
-            <a:r>
-              <a:rPr lang="en-US" altLang="ko-KR" sz="600" dirty="0"/>
-              <a:t> </a:t>
-            </a:r>
-            <a:endParaRPr lang="ko-KR" altLang="en-US" sz="600" dirty="0"/>
-          </a:p>
-        </p:txBody>
-      </p:sp>
-      <p:grpSp>
-        <p:nvGrpSpPr>
-          <p:cNvPr id="7" name="그룹 6">
-            <a:extLst>
-              <a:ext uri="{FF2B5EF4-FFF2-40B4-BE49-F238E27FC236}">
-                <a16:creationId xmlns:a16="http://schemas.microsoft.com/office/drawing/2014/main" id="{82CCB226-0B3C-47E9-A0CE-84BE04C5E4F2}"/>
-              </a:ext>
-            </a:extLst>
-          </p:cNvPr>
-          <p:cNvGrpSpPr/>
-          <p:nvPr/>
-        </p:nvGrpSpPr>
-        <p:grpSpPr>
-          <a:xfrm>
-            <a:off x="1171858" y="2652098"/>
-            <a:ext cx="2704392" cy="2912648"/>
-            <a:chOff x="1042836" y="2551458"/>
-            <a:chExt cx="3504565" cy="3774440"/>
-          </a:xfrm>
-        </p:grpSpPr>
-        <p:pic>
-          <p:nvPicPr>
-            <p:cNvPr id="10" name="그림 9" descr="C:\Users\KETI_UnstructedWork\AppData\Local\Microsoft\Windows\INetCache\Content.MSO\E92DA44B.tmp">
-              <a:extLst>
-                <a:ext uri="{FF2B5EF4-FFF2-40B4-BE49-F238E27FC236}">
-                  <a16:creationId xmlns:a16="http://schemas.microsoft.com/office/drawing/2014/main" id="{43F45B98-66DB-4130-B5D4-2BC58C5C338A}"/>
-                </a:ext>
-              </a:extLst>
-            </p:cNvPr>
-            <p:cNvPicPr/>
-            <p:nvPr/>
-          </p:nvPicPr>
-          <p:blipFill>
-            <a:blip r:embed="rId2" cstate="print">
-              <a:extLst>
-                <a:ext uri="{28A0092B-C50C-407E-A947-70E740481C1C}">
-                  <a14:useLocalDpi xmlns:a14="http://schemas.microsoft.com/office/drawing/2010/main" val="0"/>
-                </a:ext>
-              </a:extLst>
-            </a:blip>
-            <a:srcRect/>
-            <a:stretch>
-              <a:fillRect/>
-            </a:stretch>
-          </p:blipFill>
-          <p:spPr bwMode="auto">
-            <a:xfrm>
-              <a:off x="1042836" y="2551458"/>
-              <a:ext cx="3504565" cy="3774440"/>
-            </a:xfrm>
-            <a:prstGeom prst="rect">
-              <a:avLst/>
-            </a:prstGeom>
-            <a:noFill/>
-            <a:ln>
-              <a:noFill/>
-            </a:ln>
-          </p:spPr>
-        </p:pic>
-        <p:sp>
-          <p:nvSpPr>
-            <p:cNvPr id="6" name="직사각형 5">
-              <a:extLst>
-                <a:ext uri="{FF2B5EF4-FFF2-40B4-BE49-F238E27FC236}">
-                  <a16:creationId xmlns:a16="http://schemas.microsoft.com/office/drawing/2014/main" id="{4BB21B76-77C4-48C1-87E8-C58F5B3F26A6}"/>
-                </a:ext>
-              </a:extLst>
-            </p:cNvPr>
-            <p:cNvSpPr/>
-            <p:nvPr/>
-          </p:nvSpPr>
-          <p:spPr>
-            <a:xfrm>
-              <a:off x="2496710" y="3371353"/>
-              <a:ext cx="564542" cy="242515"/>
-            </a:xfrm>
-            <a:prstGeom prst="rect">
-              <a:avLst/>
-            </a:prstGeom>
-            <a:noFill/>
-            <a:ln>
-              <a:solidFill>
-                <a:srgbClr val="FF0000"/>
-              </a:solidFill>
-            </a:ln>
-          </p:spPr>
-          <p:style>
-            <a:lnRef idx="2">
-              <a:schemeClr val="accent1">
-                <a:shade val="50000"/>
-              </a:schemeClr>
-            </a:lnRef>
-            <a:fillRef idx="1">
-              <a:schemeClr val="accent1"/>
-            </a:fillRef>
-            <a:effectRef idx="0">
-              <a:schemeClr val="accent1"/>
-            </a:effectRef>
-            <a:fontRef idx="minor">
-              <a:schemeClr val="lt1"/>
-            </a:fontRef>
-          </p:style>
-          <p:txBody>
-            <a:bodyPr rtlCol="0" anchor="ctr"/>
-            <a:lstStyle/>
-            <a:p>
-              <a:pPr algn="ctr"/>
-              <a:endParaRPr lang="ko-KR" altLang="en-US"/>
-            </a:p>
-          </p:txBody>
-        </p:sp>
-      </p:grpSp>
-      <p:grpSp>
-        <p:nvGrpSpPr>
-          <p:cNvPr id="8" name="그룹 7">
-            <a:extLst>
-              <a:ext uri="{FF2B5EF4-FFF2-40B4-BE49-F238E27FC236}">
-                <a16:creationId xmlns:a16="http://schemas.microsoft.com/office/drawing/2014/main" id="{BF88D8BB-1DF8-4CC8-9A24-352CAAE3A83F}"/>
-              </a:ext>
-            </a:extLst>
-          </p:cNvPr>
-          <p:cNvGrpSpPr/>
-          <p:nvPr/>
-        </p:nvGrpSpPr>
-        <p:grpSpPr>
-          <a:xfrm>
-            <a:off x="4090375" y="2933479"/>
-            <a:ext cx="3382116" cy="2349886"/>
-            <a:chOff x="4959971" y="2916094"/>
-            <a:chExt cx="4382812" cy="3045168"/>
-          </a:xfrm>
-        </p:grpSpPr>
-        <p:pic>
-          <p:nvPicPr>
-            <p:cNvPr id="17" name="그림 16">
-              <a:extLst>
-                <a:ext uri="{FF2B5EF4-FFF2-40B4-BE49-F238E27FC236}">
-                  <a16:creationId xmlns:a16="http://schemas.microsoft.com/office/drawing/2014/main" id="{2EE6F07B-EA05-4476-9C44-7EF3A1DA9784}"/>
-                </a:ext>
-              </a:extLst>
-            </p:cNvPr>
-            <p:cNvPicPr>
-              <a:picLocks noChangeAspect="1"/>
-            </p:cNvPicPr>
-            <p:nvPr/>
-          </p:nvPicPr>
-          <p:blipFill rotWithShape="1">
-            <a:blip r:embed="rId3">
-              <a:extLst>
-                <a:ext uri="{28A0092B-C50C-407E-A947-70E740481C1C}">
-                  <a14:useLocalDpi xmlns:a14="http://schemas.microsoft.com/office/drawing/2010/main" val="0"/>
-                </a:ext>
-              </a:extLst>
-            </a:blip>
-            <a:srcRect t="1363" r="32061"/>
-            <a:stretch/>
-          </p:blipFill>
-          <p:spPr>
-            <a:xfrm>
-              <a:off x="4959971" y="2916094"/>
-              <a:ext cx="4382812" cy="3045168"/>
-            </a:xfrm>
-            <a:prstGeom prst="rect">
-              <a:avLst/>
-            </a:prstGeom>
-          </p:spPr>
-        </p:pic>
-        <p:sp>
-          <p:nvSpPr>
-            <p:cNvPr id="14" name="직사각형 13">
-              <a:extLst>
-                <a:ext uri="{FF2B5EF4-FFF2-40B4-BE49-F238E27FC236}">
-                  <a16:creationId xmlns:a16="http://schemas.microsoft.com/office/drawing/2014/main" id="{3F50FEA9-9356-409C-AD0E-3E3EBF570600}"/>
-                </a:ext>
-              </a:extLst>
-            </p:cNvPr>
-            <p:cNvSpPr/>
-            <p:nvPr/>
-          </p:nvSpPr>
-          <p:spPr>
-            <a:xfrm>
-              <a:off x="5030524" y="5514403"/>
-              <a:ext cx="1871207" cy="256430"/>
-            </a:xfrm>
-            <a:prstGeom prst="rect">
-              <a:avLst/>
-            </a:prstGeom>
-            <a:noFill/>
-            <a:ln>
-              <a:solidFill>
-                <a:srgbClr val="FF0000"/>
-              </a:solidFill>
-            </a:ln>
-          </p:spPr>
-          <p:style>
-            <a:lnRef idx="2">
-              <a:schemeClr val="accent1">
-                <a:shade val="50000"/>
-              </a:schemeClr>
-            </a:lnRef>
-            <a:fillRef idx="1">
-              <a:schemeClr val="accent1"/>
-            </a:fillRef>
-            <a:effectRef idx="0">
-              <a:schemeClr val="accent1"/>
-            </a:effectRef>
-            <a:fontRef idx="minor">
-              <a:schemeClr val="lt1"/>
-            </a:fontRef>
-          </p:style>
-          <p:txBody>
-            <a:bodyPr rtlCol="0" anchor="ctr"/>
-            <a:lstStyle/>
-            <a:p>
-              <a:pPr algn="ctr"/>
-              <a:endParaRPr lang="ko-KR" altLang="en-US"/>
-            </a:p>
-          </p:txBody>
-        </p:sp>
-      </p:grpSp>
-      <p:sp>
-        <p:nvSpPr>
-          <p:cNvPr id="19" name="직사각형 18">
-            <a:extLst>
-              <a:ext uri="{FF2B5EF4-FFF2-40B4-BE49-F238E27FC236}">
-                <a16:creationId xmlns:a16="http://schemas.microsoft.com/office/drawing/2014/main" id="{EF49FFD8-E5C1-4797-A19E-E37938E5A549}"/>
+              <a:rPr lang="ko-KR" altLang="ko-KR" sz="800" dirty="0">
+                <a:solidFill>
+                  <a:srgbClr val="333333"/>
+                </a:solidFill>
+                <a:cs typeface="Times New Roman" panose="02020603050405020304" pitchFamily="18" charset="0"/>
+              </a:rPr>
+              <a:t>컴퓨터</a:t>
+            </a:r>
+            <a:r>
+              <a:rPr lang="en-US" altLang="ko-KR" sz="800" dirty="0">
+                <a:solidFill>
+                  <a:srgbClr val="333333"/>
+                </a:solidFill>
+                <a:cs typeface="Times New Roman" panose="02020603050405020304" pitchFamily="18" charset="0"/>
+              </a:rPr>
+              <a:t>\HKEY_LOCAL_MACHINE\SYSTEM\</a:t>
+            </a:r>
+            <a:r>
+              <a:rPr lang="en-US" altLang="ko-KR" sz="800" dirty="0" err="1">
+                <a:solidFill>
+                  <a:srgbClr val="333333"/>
+                </a:solidFill>
+                <a:latin typeface="맑은 고딕" panose="020B0503020000020004" pitchFamily="50" charset="-127"/>
+                <a:cs typeface="Times New Roman" panose="02020603050405020304" pitchFamily="18" charset="0"/>
+              </a:rPr>
+              <a:t>CurrentControlSet</a:t>
+            </a:r>
+            <a:r>
+              <a:rPr lang="en-US" altLang="ko-KR" sz="800" dirty="0">
+                <a:solidFill>
+                  <a:srgbClr val="333333"/>
+                </a:solidFill>
+                <a:latin typeface="맑은 고딕" panose="020B0503020000020004" pitchFamily="50" charset="-127"/>
+                <a:cs typeface="Times New Roman" panose="02020603050405020304" pitchFamily="18" charset="0"/>
+              </a:rPr>
+              <a:t>\Services\W32Time\Config </a:t>
+            </a:r>
+            <a:endParaRPr lang="ko-KR" altLang="en-US" sz="800" dirty="0"/>
+          </a:p>
+        </p:txBody>
+      </p:sp>
+      <p:sp>
+        <p:nvSpPr>
+          <p:cNvPr id="5" name="직사각형 4">
+            <a:extLst>
+              <a:ext uri="{FF2B5EF4-FFF2-40B4-BE49-F238E27FC236}">
+                <a16:creationId xmlns:a16="http://schemas.microsoft.com/office/drawing/2014/main" id="{7466B9B7-2D16-4E19-A948-E3BBB6F23D3B}"/>
               </a:ext>
             </a:extLst>
           </p:cNvPr>
@@ -10048,8 +10197,8 @@
         </p:nvSpPr>
         <p:spPr>
           <a:xfrm>
-            <a:off x="7846725" y="3982927"/>
-            <a:ext cx="1143513" cy="184666"/>
+            <a:off x="5784084" y="4660715"/>
+            <a:ext cx="5306921" cy="215444"/>
           </a:xfrm>
           <a:prstGeom prst="rect">
             <a:avLst/>
@@ -10062,294 +10211,209 @@
           <a:lstStyle/>
           <a:p>
             <a:r>
-              <a:rPr lang="en-US" altLang="ko-KR" sz="600" dirty="0"/>
-              <a:t>w32time process </a:t>
-            </a:r>
-            <a:r>
-              <a:rPr lang="ko-KR" altLang="en-US" sz="600" dirty="0"/>
-              <a:t>실행 확인</a:t>
-            </a:r>
-          </a:p>
-        </p:txBody>
-      </p:sp>
-      <p:grpSp>
-        <p:nvGrpSpPr>
-          <p:cNvPr id="23" name="그룹 22">
-            <a:extLst>
-              <a:ext uri="{FF2B5EF4-FFF2-40B4-BE49-F238E27FC236}">
-                <a16:creationId xmlns:a16="http://schemas.microsoft.com/office/drawing/2014/main" id="{93DFBA6E-1B0D-422E-8F6E-CED07C5C1D40}"/>
-              </a:ext>
-            </a:extLst>
-          </p:cNvPr>
-          <p:cNvGrpSpPr/>
+              <a:rPr lang="ko-KR" altLang="ko-KR" sz="800" dirty="0">
+                <a:solidFill>
+                  <a:srgbClr val="333333"/>
+                </a:solidFill>
+                <a:cs typeface="Times New Roman" panose="02020603050405020304" pitchFamily="18" charset="0"/>
+              </a:rPr>
+              <a:t>컴퓨터</a:t>
+            </a:r>
+            <a:r>
+              <a:rPr lang="en-US" altLang="ko-KR" sz="800" dirty="0">
+                <a:solidFill>
+                  <a:srgbClr val="333333"/>
+                </a:solidFill>
+                <a:latin typeface="맑은 고딕" panose="020B0503020000020004" pitchFamily="50" charset="-127"/>
+                <a:cs typeface="Times New Roman" panose="02020603050405020304" pitchFamily="18" charset="0"/>
+              </a:rPr>
+              <a:t>\HKEY_LOCAL_MACHINE\SYSTEM\</a:t>
+            </a:r>
+            <a:r>
+              <a:rPr lang="en-US" altLang="ko-KR" sz="800" dirty="0" err="1">
+                <a:solidFill>
+                  <a:srgbClr val="333333"/>
+                </a:solidFill>
+                <a:latin typeface="맑은 고딕" panose="020B0503020000020004" pitchFamily="50" charset="-127"/>
+                <a:cs typeface="Times New Roman" panose="02020603050405020304" pitchFamily="18" charset="0"/>
+              </a:rPr>
+              <a:t>CurrentControlSet</a:t>
+            </a:r>
+            <a:r>
+              <a:rPr lang="en-US" altLang="ko-KR" sz="800" dirty="0">
+                <a:solidFill>
+                  <a:srgbClr val="333333"/>
+                </a:solidFill>
+                <a:latin typeface="맑은 고딕" panose="020B0503020000020004" pitchFamily="50" charset="-127"/>
+                <a:cs typeface="Times New Roman" panose="02020603050405020304" pitchFamily="18" charset="0"/>
+              </a:rPr>
+              <a:t>\Services\W32Time\</a:t>
+            </a:r>
+            <a:r>
+              <a:rPr lang="en-US" altLang="ko-KR" sz="800" dirty="0" err="1">
+                <a:solidFill>
+                  <a:srgbClr val="333333"/>
+                </a:solidFill>
+                <a:latin typeface="맑은 고딕" panose="020B0503020000020004" pitchFamily="50" charset="-127"/>
+                <a:cs typeface="Times New Roman" panose="02020603050405020304" pitchFamily="18" charset="0"/>
+              </a:rPr>
+              <a:t>TimeProviders</a:t>
+            </a:r>
+            <a:r>
+              <a:rPr lang="en-US" altLang="ko-KR" sz="800" dirty="0">
+                <a:solidFill>
+                  <a:srgbClr val="333333"/>
+                </a:solidFill>
+                <a:latin typeface="맑은 고딕" panose="020B0503020000020004" pitchFamily="50" charset="-127"/>
+                <a:cs typeface="Times New Roman" panose="02020603050405020304" pitchFamily="18" charset="0"/>
+              </a:rPr>
+              <a:t>\</a:t>
+            </a:r>
+            <a:r>
+              <a:rPr lang="en-US" altLang="ko-KR" sz="800" dirty="0" err="1">
+                <a:solidFill>
+                  <a:srgbClr val="333333"/>
+                </a:solidFill>
+                <a:latin typeface="맑은 고딕" panose="020B0503020000020004" pitchFamily="50" charset="-127"/>
+                <a:cs typeface="Times New Roman" panose="02020603050405020304" pitchFamily="18" charset="0"/>
+              </a:rPr>
+              <a:t>NtpServer</a:t>
+            </a:r>
+            <a:r>
+              <a:rPr lang="en-US" altLang="ko-KR" sz="800" dirty="0">
+                <a:solidFill>
+                  <a:srgbClr val="333333"/>
+                </a:solidFill>
+                <a:latin typeface="맑은 고딕" panose="020B0503020000020004" pitchFamily="50" charset="-127"/>
+                <a:cs typeface="Times New Roman" panose="02020603050405020304" pitchFamily="18" charset="0"/>
+              </a:rPr>
+              <a:t> </a:t>
+            </a:r>
+            <a:endParaRPr lang="ko-KR" altLang="en-US" sz="800" dirty="0"/>
+          </a:p>
+        </p:txBody>
+      </p:sp>
+      <p:pic>
+        <p:nvPicPr>
+          <p:cNvPr id="16" name="그림 15" descr="C:\Users\KETI_UnstructedWork\AppData\Local\Microsoft\Windows\INetCache\Content.MSO\EE8FFF9B.tmp">
+            <a:extLst>
+              <a:ext uri="{FF2B5EF4-FFF2-40B4-BE49-F238E27FC236}">
+                <a16:creationId xmlns:a16="http://schemas.microsoft.com/office/drawing/2014/main" id="{318B80E5-6784-4359-AD9D-7BBBA0408632}"/>
+              </a:ext>
+            </a:extLst>
+          </p:cNvPr>
+          <p:cNvPicPr/>
           <p:nvPr/>
-        </p:nvGrpSpPr>
-        <p:grpSpPr>
-          <a:xfrm>
-            <a:off x="7846725" y="3054595"/>
-            <a:ext cx="3312192" cy="928332"/>
-            <a:chOff x="7501564" y="2869178"/>
-            <a:chExt cx="3312192" cy="928332"/>
-          </a:xfrm>
-        </p:grpSpPr>
-        <p:pic>
-          <p:nvPicPr>
-            <p:cNvPr id="15" name="그림 14" descr="C:\Users\KETI_UnstructedWork\AppData\Local\Microsoft\Windows\INetCache\Content.MSO\19127117.tmp">
-              <a:extLst>
-                <a:ext uri="{FF2B5EF4-FFF2-40B4-BE49-F238E27FC236}">
-                  <a16:creationId xmlns:a16="http://schemas.microsoft.com/office/drawing/2014/main" id="{DF34C667-A646-4E23-9514-8137F28C8F24}"/>
-                </a:ext>
-              </a:extLst>
-            </p:cNvPr>
-            <p:cNvPicPr/>
-            <p:nvPr/>
-          </p:nvPicPr>
-          <p:blipFill>
-            <a:blip r:embed="rId4">
-              <a:extLst>
-                <a:ext uri="{28A0092B-C50C-407E-A947-70E740481C1C}">
-                  <a14:useLocalDpi xmlns:a14="http://schemas.microsoft.com/office/drawing/2010/main" val="0"/>
-                </a:ext>
-              </a:extLst>
-            </a:blip>
-            <a:srcRect/>
-            <a:stretch>
-              <a:fillRect/>
-            </a:stretch>
-          </p:blipFill>
-          <p:spPr bwMode="auto">
-            <a:xfrm>
-              <a:off x="7501564" y="2869178"/>
-              <a:ext cx="3312192" cy="928332"/>
-            </a:xfrm>
-            <a:prstGeom prst="rect">
-              <a:avLst/>
-            </a:prstGeom>
+        </p:nvPicPr>
+        <p:blipFill>
+          <a:blip r:embed="rId3">
+            <a:extLst>
+              <a:ext uri="{28A0092B-C50C-407E-A947-70E740481C1C}">
+                <a14:useLocalDpi xmlns:a14="http://schemas.microsoft.com/office/drawing/2010/main" val="0"/>
+              </a:ext>
+            </a:extLst>
+          </a:blip>
+          <a:srcRect/>
+          <a:stretch>
+            <a:fillRect/>
+          </a:stretch>
+        </p:blipFill>
+        <p:spPr bwMode="auto">
+          <a:xfrm>
+            <a:off x="5784084" y="3028687"/>
+            <a:ext cx="5707326" cy="1632028"/>
+          </a:xfrm>
+          <a:prstGeom prst="rect">
+            <a:avLst/>
+          </a:prstGeom>
+          <a:noFill/>
+          <a:ln>
             <a:noFill/>
-            <a:ln>
-              <a:noFill/>
-            </a:ln>
-          </p:spPr>
-        </p:pic>
-        <p:sp>
-          <p:nvSpPr>
-            <p:cNvPr id="20" name="직사각형 19">
-              <a:extLst>
-                <a:ext uri="{FF2B5EF4-FFF2-40B4-BE49-F238E27FC236}">
-                  <a16:creationId xmlns:a16="http://schemas.microsoft.com/office/drawing/2014/main" id="{7974C640-2D21-432E-851C-047CC80813F9}"/>
-                </a:ext>
-              </a:extLst>
-            </p:cNvPr>
-            <p:cNvSpPr/>
-            <p:nvPr/>
-          </p:nvSpPr>
-          <p:spPr>
-            <a:xfrm>
-              <a:off x="8758362" y="3234405"/>
-              <a:ext cx="489006" cy="98939"/>
-            </a:xfrm>
-            <a:prstGeom prst="rect">
-              <a:avLst/>
-            </a:prstGeom>
-            <a:noFill/>
-            <a:ln>
+          </a:ln>
+        </p:spPr>
+      </p:pic>
+      <p:sp>
+        <p:nvSpPr>
+          <p:cNvPr id="8" name="TextBox 7">
+            <a:extLst>
+              <a:ext uri="{FF2B5EF4-FFF2-40B4-BE49-F238E27FC236}">
+                <a16:creationId xmlns:a16="http://schemas.microsoft.com/office/drawing/2014/main" id="{920F157E-9B79-4317-8740-3D2A3085D582}"/>
+              </a:ext>
+            </a:extLst>
+          </p:cNvPr>
+          <p:cNvSpPr txBox="1"/>
+          <p:nvPr/>
+        </p:nvSpPr>
+        <p:spPr>
+          <a:xfrm>
+            <a:off x="858918" y="1346216"/>
+            <a:ext cx="2003552" cy="215444"/>
+          </a:xfrm>
+          <a:prstGeom prst="rect">
+            <a:avLst/>
+          </a:prstGeom>
+          <a:noFill/>
+        </p:spPr>
+        <p:txBody>
+          <a:bodyPr wrap="square" rtlCol="0">
+            <a:spAutoFit/>
+          </a:bodyPr>
+          <a:lstStyle/>
+          <a:p>
+            <a:r>
+              <a:rPr lang="en-US" altLang="ko-KR" sz="800" dirty="0">
+                <a:solidFill>
+                  <a:srgbClr val="FF0000"/>
+                </a:solidFill>
+                <a:hlinkClick r:id="rId4" action="ppaction://hlinksldjump"/>
+              </a:rPr>
+              <a:t>8</a:t>
+            </a:r>
+            <a:r>
+              <a:rPr lang="ko-KR" altLang="en-US" sz="800" dirty="0">
+                <a:solidFill>
+                  <a:srgbClr val="FF0000"/>
+                </a:solidFill>
+                <a:hlinkClick r:id="rId4" action="ppaction://hlinksldjump"/>
+              </a:rPr>
+              <a:t>페이지 </a:t>
+            </a:r>
+            <a:r>
+              <a:rPr lang="ko-KR" altLang="en-US" sz="800" dirty="0">
+                <a:solidFill>
+                  <a:srgbClr val="FF0000"/>
+                </a:solidFill>
+              </a:rPr>
+              <a:t>설정을 진행한 경우</a:t>
+            </a:r>
+            <a:r>
+              <a:rPr lang="en-US" altLang="ko-KR" sz="800" dirty="0">
+                <a:solidFill>
+                  <a:srgbClr val="FF0000"/>
+                </a:solidFill>
+              </a:rPr>
+              <a:t>, </a:t>
+            </a:r>
+            <a:r>
+              <a:rPr lang="ko-KR" altLang="en-US" sz="800" dirty="0">
+                <a:solidFill>
+                  <a:srgbClr val="FF0000"/>
+                </a:solidFill>
+              </a:rPr>
+              <a:t>넘어가기</a:t>
+            </a:r>
+            <a:endParaRPr lang="ko-KR" altLang="ko-KR" sz="800" dirty="0">
               <a:solidFill>
                 <a:srgbClr val="FF0000"/>
               </a:solidFill>
-            </a:ln>
-          </p:spPr>
-          <p:style>
-            <a:lnRef idx="2">
-              <a:schemeClr val="accent1">
-                <a:shade val="50000"/>
-              </a:schemeClr>
-            </a:lnRef>
-            <a:fillRef idx="1">
-              <a:schemeClr val="accent1"/>
-            </a:fillRef>
-            <a:effectRef idx="0">
-              <a:schemeClr val="accent1"/>
-            </a:effectRef>
-            <a:fontRef idx="minor">
-              <a:schemeClr val="lt1"/>
-            </a:fontRef>
-          </p:style>
-          <p:txBody>
-            <a:bodyPr rtlCol="0" anchor="ctr"/>
-            <a:lstStyle/>
-            <a:p>
-              <a:pPr algn="ctr"/>
-              <a:endParaRPr lang="ko-KR" altLang="en-US"/>
-            </a:p>
-          </p:txBody>
-        </p:sp>
-      </p:grpSp>
-      <p:sp>
-        <p:nvSpPr>
-          <p:cNvPr id="21" name="직사각형 20">
-            <a:extLst>
-              <a:ext uri="{FF2B5EF4-FFF2-40B4-BE49-F238E27FC236}">
-                <a16:creationId xmlns:a16="http://schemas.microsoft.com/office/drawing/2014/main" id="{2CCEC15C-DDEB-470A-A178-1BEA795FBC6C}"/>
-              </a:ext>
-            </a:extLst>
-          </p:cNvPr>
-          <p:cNvSpPr/>
-          <p:nvPr/>
-        </p:nvSpPr>
-        <p:spPr>
-          <a:xfrm>
-            <a:off x="7846724" y="5287243"/>
-            <a:ext cx="2222882" cy="184666"/>
-          </a:xfrm>
-          <a:prstGeom prst="rect">
-            <a:avLst/>
-          </a:prstGeom>
-        </p:spPr>
-        <p:txBody>
-          <a:bodyPr wrap="square">
-            <a:spAutoFit/>
-          </a:bodyPr>
-          <a:lstStyle/>
-          <a:p>
-            <a:r>
-              <a:rPr lang="ko-KR" altLang="en-US" sz="600" dirty="0"/>
-              <a:t>외부 </a:t>
-            </a:r>
-            <a:r>
-              <a:rPr lang="en-US" altLang="ko-KR" sz="600" dirty="0"/>
-              <a:t>NTP </a:t>
-            </a:r>
-            <a:r>
-              <a:rPr lang="ko-KR" altLang="en-US" sz="600" dirty="0"/>
-              <a:t>서버</a:t>
-            </a:r>
-            <a:r>
-              <a:rPr lang="en-US" altLang="ko-KR" sz="600" dirty="0"/>
-              <a:t>(time.windows.com)</a:t>
-            </a:r>
-            <a:r>
-              <a:rPr lang="ko-KR" altLang="en-US" sz="600" dirty="0"/>
-              <a:t>와 동기화되었는지 확인</a:t>
-            </a:r>
-          </a:p>
-        </p:txBody>
-      </p:sp>
-      <p:grpSp>
-        <p:nvGrpSpPr>
-          <p:cNvPr id="12" name="그룹 11">
-            <a:extLst>
-              <a:ext uri="{FF2B5EF4-FFF2-40B4-BE49-F238E27FC236}">
-                <a16:creationId xmlns:a16="http://schemas.microsoft.com/office/drawing/2014/main" id="{736F38D7-0FBC-411A-A334-86E8B805D8D1}"/>
-              </a:ext>
-            </a:extLst>
-          </p:cNvPr>
-          <p:cNvGrpSpPr/>
-          <p:nvPr/>
-        </p:nvGrpSpPr>
-        <p:grpSpPr>
-          <a:xfrm>
-            <a:off x="7846725" y="4403953"/>
-            <a:ext cx="2072622" cy="884358"/>
-            <a:chOff x="7501564" y="4218536"/>
-            <a:chExt cx="2072622" cy="884358"/>
-          </a:xfrm>
-        </p:grpSpPr>
-        <p:pic>
-          <p:nvPicPr>
-            <p:cNvPr id="18" name="그림 17" descr="C:\Users\KETI_UnstructedWork\AppData\Local\Microsoft\Windows\INetCache\Content.MSO\FBF2523D.tmp">
-              <a:extLst>
-                <a:ext uri="{FF2B5EF4-FFF2-40B4-BE49-F238E27FC236}">
-                  <a16:creationId xmlns:a16="http://schemas.microsoft.com/office/drawing/2014/main" id="{BA779A8E-CA0D-472F-9627-CD59A1549F07}"/>
-                </a:ext>
-              </a:extLst>
-            </p:cNvPr>
-            <p:cNvPicPr/>
-            <p:nvPr/>
-          </p:nvPicPr>
-          <p:blipFill>
-            <a:blip r:embed="rId5">
-              <a:extLst>
-                <a:ext uri="{28A0092B-C50C-407E-A947-70E740481C1C}">
-                  <a14:useLocalDpi xmlns:a14="http://schemas.microsoft.com/office/drawing/2010/main" val="0"/>
-                </a:ext>
-              </a:extLst>
-            </a:blip>
-            <a:srcRect/>
-            <a:stretch>
-              <a:fillRect/>
-            </a:stretch>
-          </p:blipFill>
-          <p:spPr bwMode="auto">
-            <a:xfrm>
-              <a:off x="7501564" y="4218536"/>
-              <a:ext cx="2072622" cy="884358"/>
-            </a:xfrm>
-            <a:prstGeom prst="rect">
-              <a:avLst/>
-            </a:prstGeom>
-            <a:noFill/>
-            <a:ln>
-              <a:noFill/>
-            </a:ln>
-          </p:spPr>
-        </p:pic>
-        <p:sp>
-          <p:nvSpPr>
-            <p:cNvPr id="22" name="직사각형 21">
-              <a:extLst>
-                <a:ext uri="{FF2B5EF4-FFF2-40B4-BE49-F238E27FC236}">
-                  <a16:creationId xmlns:a16="http://schemas.microsoft.com/office/drawing/2014/main" id="{75D98488-BCC7-4BB0-9AE4-A913B9840B6D}"/>
-                </a:ext>
-              </a:extLst>
-            </p:cNvPr>
-            <p:cNvSpPr/>
-            <p:nvPr/>
-          </p:nvSpPr>
-          <p:spPr>
-            <a:xfrm>
-              <a:off x="8293371" y="4373536"/>
-              <a:ext cx="814847" cy="126902"/>
-            </a:xfrm>
-            <a:prstGeom prst="rect">
-              <a:avLst/>
-            </a:prstGeom>
-            <a:noFill/>
-            <a:ln>
-              <a:solidFill>
-                <a:srgbClr val="FF0000"/>
-              </a:solidFill>
-            </a:ln>
-          </p:spPr>
-          <p:style>
-            <a:lnRef idx="2">
-              <a:schemeClr val="accent1">
-                <a:shade val="50000"/>
-              </a:schemeClr>
-            </a:lnRef>
-            <a:fillRef idx="1">
-              <a:schemeClr val="accent1"/>
-            </a:fillRef>
-            <a:effectRef idx="0">
-              <a:schemeClr val="accent1"/>
-            </a:effectRef>
-            <a:fontRef idx="minor">
-              <a:schemeClr val="lt1"/>
-            </a:fontRef>
-          </p:style>
-          <p:txBody>
-            <a:bodyPr rtlCol="0" anchor="ctr"/>
-            <a:lstStyle/>
-            <a:p>
-              <a:pPr algn="ctr"/>
-              <a:endParaRPr lang="ko-KR" altLang="en-US"/>
-            </a:p>
-          </p:txBody>
-        </p:sp>
-      </p:grpSp>
+            </a:endParaRPr>
+          </a:p>
+        </p:txBody>
+      </p:sp>
     </p:spTree>
     <p:extLst>
       <p:ext uri="{BB962C8B-B14F-4D97-AF65-F5344CB8AC3E}">
-        <p14:creationId xmlns:p14="http://schemas.microsoft.com/office/powerpoint/2010/main" val="695368211"/>
+        <p14:creationId xmlns:p14="http://schemas.microsoft.com/office/powerpoint/2010/main" val="2159062526"/>
       </p:ext>
     </p:extLst>
   </p:cSld>

--- a/doc/time_synchronization.pptx
+++ b/doc/time_synchronization.pptx
@@ -16,9 +16,10 @@
     <p:sldId id="265" r:id="rId10"/>
     <p:sldId id="266" r:id="rId11"/>
     <p:sldId id="271" r:id="rId12"/>
-    <p:sldId id="267" r:id="rId13"/>
-    <p:sldId id="268" r:id="rId14"/>
-    <p:sldId id="270" r:id="rId15"/>
+    <p:sldId id="273" r:id="rId13"/>
+    <p:sldId id="267" r:id="rId14"/>
+    <p:sldId id="268" r:id="rId15"/>
+    <p:sldId id="270" r:id="rId16"/>
   </p:sldIdLst>
   <p:sldSz cx="12192000" cy="6858000"/>
   <p:notesSz cx="6858000" cy="9144000"/>
@@ -272,7 +273,7 @@
           <a:p>
             <a:fld id="{4B52E3D8-F22A-47D7-9F70-F613600D8D26}" type="datetimeFigureOut">
               <a:rPr lang="ko-KR" altLang="en-US" smtClean="0"/>
-              <a:t>2023-03-15</a:t>
+              <a:t>2023-03-31</a:t>
             </a:fld>
             <a:endParaRPr lang="ko-KR" altLang="en-US"/>
           </a:p>
@@ -470,7 +471,7 @@
           <a:p>
             <a:fld id="{4B52E3D8-F22A-47D7-9F70-F613600D8D26}" type="datetimeFigureOut">
               <a:rPr lang="ko-KR" altLang="en-US" smtClean="0"/>
-              <a:t>2023-03-15</a:t>
+              <a:t>2023-03-31</a:t>
             </a:fld>
             <a:endParaRPr lang="ko-KR" altLang="en-US"/>
           </a:p>
@@ -678,7 +679,7 @@
           <a:p>
             <a:fld id="{4B52E3D8-F22A-47D7-9F70-F613600D8D26}" type="datetimeFigureOut">
               <a:rPr lang="ko-KR" altLang="en-US" smtClean="0"/>
-              <a:t>2023-03-15</a:t>
+              <a:t>2023-03-31</a:t>
             </a:fld>
             <a:endParaRPr lang="ko-KR" altLang="en-US"/>
           </a:p>
@@ -876,7 +877,7 @@
           <a:p>
             <a:fld id="{4B52E3D8-F22A-47D7-9F70-F613600D8D26}" type="datetimeFigureOut">
               <a:rPr lang="ko-KR" altLang="en-US" smtClean="0"/>
-              <a:t>2023-03-15</a:t>
+              <a:t>2023-03-31</a:t>
             </a:fld>
             <a:endParaRPr lang="ko-KR" altLang="en-US"/>
           </a:p>
@@ -1151,7 +1152,7 @@
           <a:p>
             <a:fld id="{4B52E3D8-F22A-47D7-9F70-F613600D8D26}" type="datetimeFigureOut">
               <a:rPr lang="ko-KR" altLang="en-US" smtClean="0"/>
-              <a:t>2023-03-15</a:t>
+              <a:t>2023-03-31</a:t>
             </a:fld>
             <a:endParaRPr lang="ko-KR" altLang="en-US"/>
           </a:p>
@@ -1416,7 +1417,7 @@
           <a:p>
             <a:fld id="{4B52E3D8-F22A-47D7-9F70-F613600D8D26}" type="datetimeFigureOut">
               <a:rPr lang="ko-KR" altLang="en-US" smtClean="0"/>
-              <a:t>2023-03-15</a:t>
+              <a:t>2023-03-31</a:t>
             </a:fld>
             <a:endParaRPr lang="ko-KR" altLang="en-US"/>
           </a:p>
@@ -1828,7 +1829,7 @@
           <a:p>
             <a:fld id="{4B52E3D8-F22A-47D7-9F70-F613600D8D26}" type="datetimeFigureOut">
               <a:rPr lang="ko-KR" altLang="en-US" smtClean="0"/>
-              <a:t>2023-03-15</a:t>
+              <a:t>2023-03-31</a:t>
             </a:fld>
             <a:endParaRPr lang="ko-KR" altLang="en-US"/>
           </a:p>
@@ -1969,7 +1970,7 @@
           <a:p>
             <a:fld id="{4B52E3D8-F22A-47D7-9F70-F613600D8D26}" type="datetimeFigureOut">
               <a:rPr lang="ko-KR" altLang="en-US" smtClean="0"/>
-              <a:t>2023-03-15</a:t>
+              <a:t>2023-03-31</a:t>
             </a:fld>
             <a:endParaRPr lang="ko-KR" altLang="en-US"/>
           </a:p>
@@ -2082,7 +2083,7 @@
           <a:p>
             <a:fld id="{4B52E3D8-F22A-47D7-9F70-F613600D8D26}" type="datetimeFigureOut">
               <a:rPr lang="ko-KR" altLang="en-US" smtClean="0"/>
-              <a:t>2023-03-15</a:t>
+              <a:t>2023-03-31</a:t>
             </a:fld>
             <a:endParaRPr lang="ko-KR" altLang="en-US"/>
           </a:p>
@@ -2393,7 +2394,7 @@
           <a:p>
             <a:fld id="{4B52E3D8-F22A-47D7-9F70-F613600D8D26}" type="datetimeFigureOut">
               <a:rPr lang="ko-KR" altLang="en-US" smtClean="0"/>
-              <a:t>2023-03-15</a:t>
+              <a:t>2023-03-31</a:t>
             </a:fld>
             <a:endParaRPr lang="ko-KR" altLang="en-US"/>
           </a:p>
@@ -2681,7 +2682,7 @@
           <a:p>
             <a:fld id="{4B52E3D8-F22A-47D7-9F70-F613600D8D26}" type="datetimeFigureOut">
               <a:rPr lang="ko-KR" altLang="en-US" smtClean="0"/>
-              <a:t>2023-03-15</a:t>
+              <a:t>2023-03-31</a:t>
             </a:fld>
             <a:endParaRPr lang="ko-KR" altLang="en-US"/>
           </a:p>
@@ -2922,7 +2923,7 @@
           <a:p>
             <a:fld id="{4B52E3D8-F22A-47D7-9F70-F613600D8D26}" type="datetimeFigureOut">
               <a:rPr lang="ko-KR" altLang="en-US" smtClean="0"/>
-              <a:t>2023-03-15</a:t>
+              <a:t>2023-03-31</a:t>
             </a:fld>
             <a:endParaRPr lang="ko-KR" altLang="en-US"/>
           </a:p>
@@ -4583,8 +4584,8 @@
         </p:nvSpPr>
         <p:spPr>
           <a:xfrm>
-            <a:off x="838200" y="1827954"/>
-            <a:ext cx="6806979" cy="923330"/>
+            <a:off x="838200" y="1623232"/>
+            <a:ext cx="6806979" cy="369332"/>
           </a:xfrm>
           <a:prstGeom prst="rect">
             <a:avLst/>
@@ -4608,9 +4609,324 @@
             </a:r>
             <a:r>
               <a:rPr lang="en-US" altLang="ko-KR" dirty="0"/>
-              <a:t> apt-get update</a:t>
-            </a:r>
-          </a:p>
+              <a:t> python linux_chrony.py -</a:t>
+            </a:r>
+            <a:r>
+              <a:rPr lang="en-US" altLang="ko-KR" dirty="0" err="1"/>
+              <a:t>ch</a:t>
+            </a:r>
+            <a:r>
+              <a:rPr lang="en-US" altLang="ko-KR" dirty="0"/>
+              <a:t> –</a:t>
+            </a:r>
+            <a:r>
+              <a:rPr lang="en-US" altLang="ko-KR" dirty="0" err="1"/>
+              <a:t>i</a:t>
+            </a:r>
+            <a:r>
+              <a:rPr lang="en-US" altLang="ko-KR" dirty="0"/>
+              <a:t> {IP} -r -b</a:t>
+            </a:r>
+          </a:p>
+        </p:txBody>
+      </p:sp>
+      <p:pic>
+        <p:nvPicPr>
+          <p:cNvPr id="7" name="그림 6">
+            <a:extLst>
+              <a:ext uri="{FF2B5EF4-FFF2-40B4-BE49-F238E27FC236}">
+                <a16:creationId xmlns:a16="http://schemas.microsoft.com/office/drawing/2014/main" id="{382175F1-0824-45C9-9C93-093A0089386D}"/>
+              </a:ext>
+            </a:extLst>
+          </p:cNvPr>
+          <p:cNvPicPr>
+            <a:picLocks noChangeAspect="1"/>
+          </p:cNvPicPr>
+          <p:nvPr/>
+        </p:nvPicPr>
+        <p:blipFill>
+          <a:blip r:embed="rId2">
+            <a:extLst>
+              <a:ext uri="{28A0092B-C50C-407E-A947-70E740481C1C}">
+                <a14:useLocalDpi xmlns:a14="http://schemas.microsoft.com/office/drawing/2010/main" val="0"/>
+              </a:ext>
+            </a:extLst>
+          </a:blip>
+          <a:stretch>
+            <a:fillRect/>
+          </a:stretch>
+        </p:blipFill>
+        <p:spPr>
+          <a:xfrm>
+            <a:off x="1204012" y="2112962"/>
+            <a:ext cx="4018176" cy="4419072"/>
+          </a:xfrm>
+          <a:prstGeom prst="rect">
+            <a:avLst/>
+          </a:prstGeom>
+        </p:spPr>
+      </p:pic>
+      <p:sp>
+        <p:nvSpPr>
+          <p:cNvPr id="22" name="TextBox 21">
+            <a:extLst>
+              <a:ext uri="{FF2B5EF4-FFF2-40B4-BE49-F238E27FC236}">
+                <a16:creationId xmlns:a16="http://schemas.microsoft.com/office/drawing/2014/main" id="{63A7BEAC-B5EC-46F3-BCD7-A1FABB4A35E2}"/>
+              </a:ext>
+            </a:extLst>
+          </p:cNvPr>
+          <p:cNvSpPr txBox="1"/>
+          <p:nvPr/>
+        </p:nvSpPr>
+        <p:spPr>
+          <a:xfrm>
+            <a:off x="5588000" y="3012295"/>
+            <a:ext cx="6806979" cy="1200329"/>
+          </a:xfrm>
+          <a:prstGeom prst="rect">
+            <a:avLst/>
+          </a:prstGeom>
+          <a:noFill/>
+        </p:spPr>
+        <p:txBody>
+          <a:bodyPr wrap="square" rtlCol="0">
+            <a:spAutoFit/>
+          </a:bodyPr>
+          <a:lstStyle/>
+          <a:p>
+            <a:pPr lvl="0" fontAlgn="base"/>
+            <a:r>
+              <a:rPr lang="en-US" altLang="ko-KR" dirty="0"/>
+              <a:t>-</a:t>
+            </a:r>
+            <a:r>
+              <a:rPr lang="en-US" altLang="ko-KR" dirty="0" err="1"/>
+              <a:t>ch</a:t>
+            </a:r>
+            <a:r>
+              <a:rPr lang="en-US" altLang="ko-KR" dirty="0"/>
+              <a:t> : </a:t>
+            </a:r>
+            <a:r>
+              <a:rPr lang="en-US" altLang="ko-KR" dirty="0" err="1"/>
+              <a:t>chrony</a:t>
+            </a:r>
+            <a:r>
+              <a:rPr lang="en-US" altLang="ko-KR" dirty="0"/>
+              <a:t> </a:t>
+            </a:r>
+            <a:r>
+              <a:rPr lang="ko-KR" altLang="en-US" dirty="0"/>
+              <a:t>설치</a:t>
+            </a:r>
+            <a:endParaRPr lang="en-US" altLang="ko-KR" dirty="0"/>
+          </a:p>
+          <a:p>
+            <a:pPr lvl="0" fontAlgn="base"/>
+            <a:r>
+              <a:rPr lang="en-US" altLang="ko-KR" dirty="0"/>
+              <a:t>-</a:t>
+            </a:r>
+            <a:r>
+              <a:rPr lang="en-US" altLang="ko-KR" dirty="0" err="1"/>
+              <a:t>i</a:t>
+            </a:r>
+            <a:r>
+              <a:rPr lang="en-US" altLang="ko-KR" dirty="0"/>
+              <a:t> {IP}</a:t>
+            </a:r>
+            <a:r>
+              <a:rPr lang="ko-KR" altLang="en-US" dirty="0"/>
+              <a:t> </a:t>
+            </a:r>
+            <a:r>
+              <a:rPr lang="en-US" altLang="ko-KR" dirty="0"/>
+              <a:t>: /</a:t>
+            </a:r>
+            <a:r>
+              <a:rPr lang="en-US" altLang="ko-KR" dirty="0" err="1"/>
+              <a:t>etc</a:t>
+            </a:r>
+            <a:r>
+              <a:rPr lang="en-US" altLang="ko-KR" dirty="0"/>
+              <a:t>/</a:t>
+            </a:r>
+            <a:r>
+              <a:rPr lang="en-US" altLang="ko-KR" dirty="0" err="1"/>
+              <a:t>chrony</a:t>
+            </a:r>
+            <a:r>
+              <a:rPr lang="en-US" altLang="ko-KR" dirty="0"/>
+              <a:t>/</a:t>
+            </a:r>
+            <a:r>
+              <a:rPr lang="en-US" altLang="ko-KR" dirty="0" err="1"/>
+              <a:t>chrony.conf</a:t>
+            </a:r>
+            <a:r>
+              <a:rPr lang="ko-KR" altLang="en-US" dirty="0"/>
+              <a:t> 수정</a:t>
+            </a:r>
+            <a:endParaRPr lang="en-US" altLang="ko-KR" dirty="0"/>
+          </a:p>
+          <a:p>
+            <a:pPr lvl="0" fontAlgn="base"/>
+            <a:r>
+              <a:rPr lang="en-US" altLang="ko-KR" dirty="0"/>
+              <a:t>-r : </a:t>
+            </a:r>
+            <a:r>
+              <a:rPr lang="ko-KR" altLang="en-US" dirty="0"/>
+              <a:t>부팅</a:t>
+            </a:r>
+            <a:r>
+              <a:rPr lang="en-US" altLang="ko-KR" dirty="0"/>
+              <a:t> </a:t>
+            </a:r>
+            <a:r>
+              <a:rPr lang="ko-KR" altLang="en-US" dirty="0"/>
+              <a:t>후에도 </a:t>
+            </a:r>
+            <a:r>
+              <a:rPr lang="en-US" altLang="ko-KR" dirty="0" err="1"/>
+              <a:t>chrony</a:t>
+            </a:r>
+            <a:r>
+              <a:rPr lang="en-US" altLang="ko-KR" dirty="0"/>
+              <a:t> </a:t>
+            </a:r>
+            <a:r>
+              <a:rPr lang="ko-KR" altLang="en-US" dirty="0"/>
+              <a:t>자동 실행 설정</a:t>
+            </a:r>
+            <a:endParaRPr lang="en-US" altLang="ko-KR" dirty="0"/>
+          </a:p>
+          <a:p>
+            <a:pPr lvl="0" fontAlgn="base"/>
+            <a:r>
+              <a:rPr lang="en-US" altLang="ko-KR" dirty="0"/>
+              <a:t>-b : ~/.</a:t>
+            </a:r>
+            <a:r>
+              <a:rPr lang="en-US" altLang="ko-KR" dirty="0" err="1"/>
+              <a:t>bashrc</a:t>
+            </a:r>
+            <a:r>
+              <a:rPr lang="en-US" altLang="ko-KR" dirty="0"/>
+              <a:t> </a:t>
+            </a:r>
+            <a:r>
+              <a:rPr lang="ko-KR" altLang="en-US" dirty="0"/>
+              <a:t>단축키 추가</a:t>
+            </a:r>
+            <a:endParaRPr lang="en-US" altLang="ko-KR" dirty="0"/>
+          </a:p>
+        </p:txBody>
+      </p:sp>
+    </p:spTree>
+    <p:extLst>
+      <p:ext uri="{BB962C8B-B14F-4D97-AF65-F5344CB8AC3E}">
+        <p14:creationId xmlns:p14="http://schemas.microsoft.com/office/powerpoint/2010/main" val="241334127"/>
+      </p:ext>
+    </p:extLst>
+  </p:cSld>
+  <p:clrMapOvr>
+    <a:masterClrMapping/>
+  </p:clrMapOvr>
+</p:sld>
+</file>
+
+<file path=ppt/slides/slide13.xml><?xml version="1.0" encoding="utf-8"?>
+<p:sld xmlns:a="http://schemas.openxmlformats.org/drawingml/2006/main" xmlns:r="http://schemas.openxmlformats.org/officeDocument/2006/relationships" xmlns:p="http://schemas.openxmlformats.org/presentationml/2006/main">
+  <p:cSld>
+    <p:spTree>
+      <p:nvGrpSpPr>
+        <p:cNvPr id="1" name=""/>
+        <p:cNvGrpSpPr/>
+        <p:nvPr/>
+      </p:nvGrpSpPr>
+      <p:grpSpPr>
+        <a:xfrm>
+          <a:off x="0" y="0"/>
+          <a:ext cx="0" cy="0"/>
+          <a:chOff x="0" y="0"/>
+          <a:chExt cx="0" cy="0"/>
+        </a:xfrm>
+      </p:grpSpPr>
+      <p:sp>
+        <p:nvSpPr>
+          <p:cNvPr id="2" name="제목 1">
+            <a:extLst>
+              <a:ext uri="{FF2B5EF4-FFF2-40B4-BE49-F238E27FC236}">
+                <a16:creationId xmlns:a16="http://schemas.microsoft.com/office/drawing/2014/main" id="{29908C75-3F04-4CF3-9AE5-D3E0FEF8FCC1}"/>
+              </a:ext>
+            </a:extLst>
+          </p:cNvPr>
+          <p:cNvSpPr>
+            <a:spLocks noGrp="1"/>
+          </p:cNvSpPr>
+          <p:nvPr>
+            <p:ph type="title"/>
+          </p:nvPr>
+        </p:nvSpPr>
+        <p:spPr/>
+        <p:txBody>
+          <a:bodyPr>
+            <a:normAutofit/>
+          </a:bodyPr>
+          <a:lstStyle/>
+          <a:p>
+            <a:r>
+              <a:rPr lang="en-US" altLang="ko-KR" sz="3200" strike="sngStrike" dirty="0"/>
+              <a:t>Linux</a:t>
+            </a:r>
+            <a:r>
+              <a:rPr lang="ko-KR" altLang="en-US" sz="3200" strike="sngStrike" dirty="0"/>
+              <a:t> </a:t>
+            </a:r>
+            <a:r>
+              <a:rPr lang="en-US" altLang="ko-KR" sz="3200" strike="sngStrike" dirty="0"/>
+              <a:t>NTP</a:t>
+            </a:r>
+            <a:r>
+              <a:rPr lang="ko-KR" altLang="en-US" sz="3200" strike="sngStrike" dirty="0"/>
+              <a:t> </a:t>
+            </a:r>
+            <a:r>
+              <a:rPr lang="en-US" altLang="ko-KR" sz="3200" strike="sngStrike" dirty="0"/>
+              <a:t>Client</a:t>
+            </a:r>
+            <a:endParaRPr lang="ko-KR" altLang="en-US" sz="3200" strike="sngStrike" dirty="0"/>
+          </a:p>
+        </p:txBody>
+      </p:sp>
+      <p:sp>
+        <p:nvSpPr>
+          <p:cNvPr id="3" name="TextBox 2">
+            <a:extLst>
+              <a:ext uri="{FF2B5EF4-FFF2-40B4-BE49-F238E27FC236}">
+                <a16:creationId xmlns:a16="http://schemas.microsoft.com/office/drawing/2014/main" id="{FF53656A-FE07-42F5-B5F8-BDA79EA2D6A0}"/>
+              </a:ext>
+            </a:extLst>
+          </p:cNvPr>
+          <p:cNvSpPr txBox="1"/>
+          <p:nvPr/>
+        </p:nvSpPr>
+        <p:spPr>
+          <a:xfrm>
+            <a:off x="838200" y="1827954"/>
+            <a:ext cx="6806979" cy="923330"/>
+          </a:xfrm>
+          <a:prstGeom prst="rect">
+            <a:avLst/>
+          </a:prstGeom>
+          <a:noFill/>
+        </p:spPr>
+        <p:txBody>
+          <a:bodyPr wrap="square" rtlCol="0">
+            <a:spAutoFit/>
+          </a:bodyPr>
+          <a:lstStyle/>
           <a:p>
             <a:pPr lvl="0" fontAlgn="base"/>
             <a:r>
@@ -4623,6 +4939,21 @@
             </a:r>
             <a:r>
               <a:rPr lang="en-US" altLang="ko-KR" dirty="0"/>
+              <a:t> apt-get update</a:t>
+            </a:r>
+          </a:p>
+          <a:p>
+            <a:pPr lvl="0" fontAlgn="base"/>
+            <a:r>
+              <a:rPr lang="en-US" altLang="ko-KR" dirty="0"/>
+              <a:t>3. </a:t>
+            </a:r>
+            <a:r>
+              <a:rPr lang="en-US" altLang="ko-KR" dirty="0" err="1"/>
+              <a:t>sudo</a:t>
+            </a:r>
+            <a:r>
+              <a:rPr lang="en-US" altLang="ko-KR" dirty="0"/>
               <a:t> apt install </a:t>
             </a:r>
             <a:r>
@@ -4635,7 +4966,7 @@
             <a:pPr lvl="0" fontAlgn="base"/>
             <a:r>
               <a:rPr lang="en-US" altLang="ko-KR" dirty="0"/>
-              <a:t>3. </a:t>
+              <a:t>4. </a:t>
             </a:r>
             <a:r>
               <a:rPr lang="en-US" altLang="ko-KR" dirty="0" err="1"/>
@@ -5309,6 +5640,84 @@
           </p:txBody>
         </p:sp>
       </p:grpSp>
+      <p:sp>
+        <p:nvSpPr>
+          <p:cNvPr id="20" name="TextBox 19">
+            <a:extLst>
+              <a:ext uri="{FF2B5EF4-FFF2-40B4-BE49-F238E27FC236}">
+                <a16:creationId xmlns:a16="http://schemas.microsoft.com/office/drawing/2014/main" id="{65CCCC25-B30D-46E4-856B-7A0F98930499}"/>
+              </a:ext>
+            </a:extLst>
+          </p:cNvPr>
+          <p:cNvSpPr txBox="1"/>
+          <p:nvPr/>
+        </p:nvSpPr>
+        <p:spPr>
+          <a:xfrm>
+            <a:off x="858918" y="1346216"/>
+            <a:ext cx="2003552" cy="215444"/>
+          </a:xfrm>
+          <a:prstGeom prst="rect">
+            <a:avLst/>
+          </a:prstGeom>
+          <a:noFill/>
+        </p:spPr>
+        <p:txBody>
+          <a:bodyPr wrap="square" rtlCol="0">
+            <a:spAutoFit/>
+          </a:bodyPr>
+          <a:lstStyle/>
+          <a:p>
+            <a:r>
+              <a:rPr lang="en-US" altLang="ko-KR" sz="800" dirty="0">
+                <a:solidFill>
+                  <a:srgbClr val="FF0000"/>
+                </a:solidFill>
+                <a:hlinkClick r:id="rId8" action="ppaction://hlinksldjump"/>
+              </a:rPr>
+              <a:t>12</a:t>
+            </a:r>
+            <a:r>
+              <a:rPr lang="ko-KR" altLang="en-US" sz="800" dirty="0">
+                <a:solidFill>
+                  <a:srgbClr val="FF0000"/>
+                </a:solidFill>
+                <a:hlinkClick r:id="rId8" action="ppaction://hlinksldjump"/>
+              </a:rPr>
+              <a:t>페이지 </a:t>
+            </a:r>
+            <a:r>
+              <a:rPr lang="ko-KR" altLang="en-US" sz="800" dirty="0">
+                <a:solidFill>
+                  <a:srgbClr val="FF0000"/>
+                </a:solidFill>
+              </a:rPr>
+              <a:t>설정을 진행한 경우</a:t>
+            </a:r>
+            <a:r>
+              <a:rPr lang="en-US" altLang="ko-KR" sz="800" dirty="0">
+                <a:solidFill>
+                  <a:srgbClr val="FF0000"/>
+                </a:solidFill>
+              </a:rPr>
+              <a:t>, </a:t>
+            </a:r>
+            <a:r>
+              <a:rPr lang="ko-KR" altLang="en-US" sz="800" dirty="0">
+                <a:solidFill>
+                  <a:srgbClr val="FF0000"/>
+                </a:solidFill>
+              </a:rPr>
+              <a:t>넘어가기</a:t>
+            </a:r>
+            <a:endParaRPr lang="ko-KR" altLang="ko-KR" sz="800" dirty="0">
+              <a:solidFill>
+                <a:srgbClr val="FF0000"/>
+              </a:solidFill>
+            </a:endParaRPr>
+          </a:p>
+        </p:txBody>
+      </p:sp>
     </p:spTree>
     <p:extLst>
       <p:ext uri="{BB962C8B-B14F-4D97-AF65-F5344CB8AC3E}">
@@ -5322,7 +5731,7 @@
 </p:sld>
 </file>
 
-<file path=ppt/slides/slide13.xml><?xml version="1.0" encoding="utf-8"?>
+<file path=ppt/slides/slide14.xml><?xml version="1.0" encoding="utf-8"?>
 <p:sld xmlns:a="http://schemas.openxmlformats.org/drawingml/2006/main" xmlns:r="http://schemas.openxmlformats.org/officeDocument/2006/relationships" xmlns:p="http://schemas.openxmlformats.org/presentationml/2006/main">
   <p:cSld>
     <p:spTree>
@@ -5368,26 +5777,26 @@
           <a:lstStyle/>
           <a:p>
             <a:r>
-              <a:rPr lang="en-US" altLang="ko-KR" sz="3200" dirty="0"/>
+              <a:rPr lang="en-US" altLang="ko-KR" sz="3200" strike="sngStrike" dirty="0"/>
               <a:t>Linux</a:t>
             </a:r>
             <a:r>
-              <a:rPr lang="ko-KR" altLang="en-US" sz="3200" dirty="0"/>
+              <a:rPr lang="ko-KR" altLang="en-US" sz="3200" strike="sngStrike" dirty="0"/>
               <a:t> </a:t>
             </a:r>
             <a:r>
-              <a:rPr lang="en-US" altLang="ko-KR" sz="3200" dirty="0"/>
+              <a:rPr lang="en-US" altLang="ko-KR" sz="3200" strike="sngStrike" dirty="0"/>
               <a:t>NTP</a:t>
             </a:r>
             <a:r>
-              <a:rPr lang="ko-KR" altLang="en-US" sz="3200" dirty="0"/>
+              <a:rPr lang="ko-KR" altLang="en-US" sz="3200" strike="sngStrike" dirty="0"/>
               <a:t> </a:t>
             </a:r>
             <a:r>
-              <a:rPr lang="en-US" altLang="ko-KR" sz="3200" dirty="0"/>
+              <a:rPr lang="en-US" altLang="ko-KR" sz="3200" strike="sngStrike" dirty="0"/>
               <a:t>Client</a:t>
             </a:r>
-            <a:endParaRPr lang="ko-KR" altLang="en-US" sz="3200" dirty="0"/>
+            <a:endParaRPr lang="ko-KR" altLang="en-US" sz="3200" strike="sngStrike" dirty="0"/>
           </a:p>
         </p:txBody>
       </p:sp>
@@ -5422,7 +5831,7 @@
             <a:pPr lvl="0" fontAlgn="base"/>
             <a:r>
               <a:rPr lang="en-US" altLang="ko-KR" dirty="0"/>
-              <a:t>4. </a:t>
+              <a:t>5. </a:t>
             </a:r>
             <a:r>
               <a:rPr lang="en-US" altLang="ko-KR" dirty="0" err="1"/>
@@ -5466,7 +5875,7 @@
             <a:pPr lvl="0" fontAlgn="base"/>
             <a:r>
               <a:rPr lang="en-US" altLang="ko-KR" dirty="0"/>
-              <a:t>5. </a:t>
+              <a:t>6. </a:t>
             </a:r>
             <a:r>
               <a:rPr lang="en-US" altLang="ko-KR" dirty="0" err="1"/>
@@ -5494,7 +5903,7 @@
             <a:pPr lvl="0" fontAlgn="base"/>
             <a:r>
               <a:rPr lang="en-US" altLang="ko-KR" dirty="0"/>
-              <a:t>6. synchronization check</a:t>
+              <a:t>7. synchronization check</a:t>
             </a:r>
             <a:endParaRPr lang="ko-KR" altLang="ko-KR" dirty="0"/>
           </a:p>
@@ -5994,6 +6403,84 @@
           </a:p>
         </p:txBody>
       </p:sp>
+      <p:sp>
+        <p:nvSpPr>
+          <p:cNvPr id="14" name="TextBox 13">
+            <a:extLst>
+              <a:ext uri="{FF2B5EF4-FFF2-40B4-BE49-F238E27FC236}">
+                <a16:creationId xmlns:a16="http://schemas.microsoft.com/office/drawing/2014/main" id="{992529F6-D3DE-455E-997C-AC0509528B40}"/>
+              </a:ext>
+            </a:extLst>
+          </p:cNvPr>
+          <p:cNvSpPr txBox="1"/>
+          <p:nvPr/>
+        </p:nvSpPr>
+        <p:spPr>
+          <a:xfrm>
+            <a:off x="858918" y="1346216"/>
+            <a:ext cx="2003552" cy="215444"/>
+          </a:xfrm>
+          <a:prstGeom prst="rect">
+            <a:avLst/>
+          </a:prstGeom>
+          <a:noFill/>
+        </p:spPr>
+        <p:txBody>
+          <a:bodyPr wrap="square" rtlCol="0">
+            <a:spAutoFit/>
+          </a:bodyPr>
+          <a:lstStyle/>
+          <a:p>
+            <a:r>
+              <a:rPr lang="en-US" altLang="ko-KR" sz="800" dirty="0">
+                <a:solidFill>
+                  <a:srgbClr val="FF0000"/>
+                </a:solidFill>
+                <a:hlinkClick r:id="rId5" action="ppaction://hlinksldjump"/>
+              </a:rPr>
+              <a:t>12</a:t>
+            </a:r>
+            <a:r>
+              <a:rPr lang="ko-KR" altLang="en-US" sz="800" dirty="0">
+                <a:solidFill>
+                  <a:srgbClr val="FF0000"/>
+                </a:solidFill>
+                <a:hlinkClick r:id="rId5" action="ppaction://hlinksldjump"/>
+              </a:rPr>
+              <a:t>페이지 </a:t>
+            </a:r>
+            <a:r>
+              <a:rPr lang="ko-KR" altLang="en-US" sz="800" dirty="0">
+                <a:solidFill>
+                  <a:srgbClr val="FF0000"/>
+                </a:solidFill>
+              </a:rPr>
+              <a:t>설정을 진행한 경우</a:t>
+            </a:r>
+            <a:r>
+              <a:rPr lang="en-US" altLang="ko-KR" sz="800" dirty="0">
+                <a:solidFill>
+                  <a:srgbClr val="FF0000"/>
+                </a:solidFill>
+              </a:rPr>
+              <a:t>, </a:t>
+            </a:r>
+            <a:r>
+              <a:rPr lang="ko-KR" altLang="en-US" sz="800" dirty="0">
+                <a:solidFill>
+                  <a:srgbClr val="FF0000"/>
+                </a:solidFill>
+              </a:rPr>
+              <a:t>넘어가기</a:t>
+            </a:r>
+            <a:endParaRPr lang="ko-KR" altLang="ko-KR" sz="800" dirty="0">
+              <a:solidFill>
+                <a:srgbClr val="FF0000"/>
+              </a:solidFill>
+            </a:endParaRPr>
+          </a:p>
+        </p:txBody>
+      </p:sp>
     </p:spTree>
     <p:extLst>
       <p:ext uri="{BB962C8B-B14F-4D97-AF65-F5344CB8AC3E}">
@@ -6007,7 +6494,7 @@
 </p:sld>
 </file>
 
-<file path=ppt/slides/slide14.xml><?xml version="1.0" encoding="utf-8"?>
+<file path=ppt/slides/slide15.xml><?xml version="1.0" encoding="utf-8"?>
 <p:sld xmlns:a="http://schemas.openxmlformats.org/drawingml/2006/main" xmlns:r="http://schemas.openxmlformats.org/officeDocument/2006/relationships" xmlns:p="http://schemas.openxmlformats.org/presentationml/2006/main">
   <p:cSld>
     <p:spTree>
@@ -6048,14 +6535,14 @@
           <a:lstStyle/>
           <a:p>
             <a:r>
-              <a:rPr lang="en-US" altLang="ko-KR" sz="3200" dirty="0"/>
+              <a:rPr lang="en-US" altLang="ko-KR" sz="3200" strike="sngStrike" dirty="0"/>
               <a:t>Ubuntu </a:t>
             </a:r>
             <a:r>
-              <a:rPr lang="en-US" altLang="ko-KR" sz="3200" dirty="0" err="1"/>
+              <a:rPr lang="en-US" altLang="ko-KR" sz="3200" strike="sngStrike" dirty="0" err="1"/>
               <a:t>bashrc</a:t>
             </a:r>
-            <a:endParaRPr lang="ko-KR" altLang="en-US" sz="3200" dirty="0"/>
+            <a:endParaRPr lang="ko-KR" altLang="en-US" sz="3200" strike="sngStrike" dirty="0"/>
           </a:p>
         </p:txBody>
       </p:sp>
@@ -6236,6 +6723,84 @@
           </p:txBody>
         </p:sp>
       </p:grpSp>
+      <p:sp>
+        <p:nvSpPr>
+          <p:cNvPr id="9" name="TextBox 8">
+            <a:extLst>
+              <a:ext uri="{FF2B5EF4-FFF2-40B4-BE49-F238E27FC236}">
+                <a16:creationId xmlns:a16="http://schemas.microsoft.com/office/drawing/2014/main" id="{619D5A1D-4DBF-49E5-8CFC-D917831812DE}"/>
+              </a:ext>
+            </a:extLst>
+          </p:cNvPr>
+          <p:cNvSpPr txBox="1"/>
+          <p:nvPr/>
+        </p:nvSpPr>
+        <p:spPr>
+          <a:xfrm>
+            <a:off x="858918" y="1346216"/>
+            <a:ext cx="2003552" cy="215444"/>
+          </a:xfrm>
+          <a:prstGeom prst="rect">
+            <a:avLst/>
+          </a:prstGeom>
+          <a:noFill/>
+        </p:spPr>
+        <p:txBody>
+          <a:bodyPr wrap="square" rtlCol="0">
+            <a:spAutoFit/>
+          </a:bodyPr>
+          <a:lstStyle/>
+          <a:p>
+            <a:r>
+              <a:rPr lang="en-US" altLang="ko-KR" sz="800" dirty="0">
+                <a:solidFill>
+                  <a:srgbClr val="FF0000"/>
+                </a:solidFill>
+                <a:hlinkClick r:id="rId3" action="ppaction://hlinksldjump"/>
+              </a:rPr>
+              <a:t>12</a:t>
+            </a:r>
+            <a:r>
+              <a:rPr lang="ko-KR" altLang="en-US" sz="800" dirty="0">
+                <a:solidFill>
+                  <a:srgbClr val="FF0000"/>
+                </a:solidFill>
+                <a:hlinkClick r:id="rId3" action="ppaction://hlinksldjump"/>
+              </a:rPr>
+              <a:t>페이지 </a:t>
+            </a:r>
+            <a:r>
+              <a:rPr lang="ko-KR" altLang="en-US" sz="800" dirty="0">
+                <a:solidFill>
+                  <a:srgbClr val="FF0000"/>
+                </a:solidFill>
+              </a:rPr>
+              <a:t>설정을 진행한 경우</a:t>
+            </a:r>
+            <a:r>
+              <a:rPr lang="en-US" altLang="ko-KR" sz="800" dirty="0">
+                <a:solidFill>
+                  <a:srgbClr val="FF0000"/>
+                </a:solidFill>
+              </a:rPr>
+              <a:t>, </a:t>
+            </a:r>
+            <a:r>
+              <a:rPr lang="ko-KR" altLang="en-US" sz="800" dirty="0">
+                <a:solidFill>
+                  <a:srgbClr val="FF0000"/>
+                </a:solidFill>
+              </a:rPr>
+              <a:t>넘어가기</a:t>
+            </a:r>
+            <a:endParaRPr lang="ko-KR" altLang="ko-KR" sz="800" dirty="0">
+              <a:solidFill>
+                <a:srgbClr val="FF0000"/>
+              </a:solidFill>
+            </a:endParaRPr>
+          </a:p>
+        </p:txBody>
+      </p:sp>
     </p:spTree>
     <p:extLst>
       <p:ext uri="{BB962C8B-B14F-4D97-AF65-F5344CB8AC3E}">
@@ -9852,7 +10417,7 @@
         </p:nvSpPr>
         <p:spPr>
           <a:xfrm>
-            <a:off x="838200" y="1827954"/>
+            <a:off x="838200" y="1658620"/>
             <a:ext cx="10320717" cy="369332"/>
           </a:xfrm>
           <a:prstGeom prst="rect">
@@ -9901,10 +10466,10 @@
       </p:sp>
       <p:pic>
         <p:nvPicPr>
-          <p:cNvPr id="6" name="그림 5">
-            <a:extLst>
-              <a:ext uri="{FF2B5EF4-FFF2-40B4-BE49-F238E27FC236}">
-                <a16:creationId xmlns:a16="http://schemas.microsoft.com/office/drawing/2014/main" id="{2DDC25C1-B46F-4B9F-9178-6C1A4480078F}"/>
+          <p:cNvPr id="4" name="그림 3">
+            <a:extLst>
+              <a:ext uri="{FF2B5EF4-FFF2-40B4-BE49-F238E27FC236}">
+                <a16:creationId xmlns:a16="http://schemas.microsoft.com/office/drawing/2014/main" id="{89FF51CF-A9D5-494D-9EC5-49D6156DDAFC}"/>
               </a:ext>
             </a:extLst>
           </p:cNvPr>
@@ -9913,16 +10478,15 @@
           </p:cNvPicPr>
           <p:nvPr/>
         </p:nvPicPr>
-        <p:blipFill>
+        <p:blipFill rotWithShape="1">
           <a:blip r:embed="rId2"/>
-          <a:stretch>
-            <a:fillRect/>
-          </a:stretch>
+          <a:srcRect t="494" b="9815"/>
+          <a:stretch/>
         </p:blipFill>
         <p:spPr>
           <a:xfrm>
-            <a:off x="1070403" y="2334552"/>
-            <a:ext cx="5177046" cy="4036558"/>
+            <a:off x="1530475" y="2180353"/>
+            <a:ext cx="4662884" cy="4398434"/>
           </a:xfrm>
           <a:prstGeom prst="rect">
             <a:avLst/>
